--- a/Unidad_5/Presentación.pptx
+++ b/Unidad_5/Presentación.pptx
@@ -5,25 +5,15 @@
     <p:sldMasterId id="2147483648" r:id="rId4"/>
   </p:sldMasterIdLst>
   <p:notesMasterIdLst>
-    <p:notesMasterId r:id="rId21"/>
+    <p:notesMasterId r:id="rId11"/>
   </p:notesMasterIdLst>
   <p:sldIdLst>
     <p:sldId id="256" r:id="rId5"/>
     <p:sldId id="257" r:id="rId6"/>
     <p:sldId id="258" r:id="rId7"/>
-    <p:sldId id="260" r:id="rId8"/>
-    <p:sldId id="261" r:id="rId9"/>
-    <p:sldId id="262" r:id="rId10"/>
-    <p:sldId id="263" r:id="rId11"/>
-    <p:sldId id="264" r:id="rId12"/>
-    <p:sldId id="269" r:id="rId13"/>
-    <p:sldId id="270" r:id="rId14"/>
-    <p:sldId id="271" r:id="rId15"/>
-    <p:sldId id="265" r:id="rId16"/>
-    <p:sldId id="266" r:id="rId17"/>
-    <p:sldId id="267" r:id="rId18"/>
-    <p:sldId id="268" r:id="rId19"/>
-    <p:sldId id="272" r:id="rId20"/>
+    <p:sldId id="259" r:id="rId8"/>
+    <p:sldId id="260" r:id="rId9"/>
+    <p:sldId id="261" r:id="rId10"/>
   </p:sldIdLst>
   <p:sldSz cx="12192000" cy="6858000"/>
   <p:notesSz cx="6858000" cy="9144000"/>
@@ -126,6 +116,9 @@
     <p:ext uri="{EFAFB233-063F-42B5-8137-9DF3F51BA10A}">
       <p15:sldGuideLst xmlns:p15="http://schemas.microsoft.com/office/powerpoint/2012/main"/>
     </p:ext>
+    <p:ext uri="{2D200454-40CA-4A62-9FC3-DE9A4176ACB9}">
+      <p15:notesGuideLst xmlns:p15="http://schemas.microsoft.com/office/powerpoint/2012/main"/>
+    </p:ext>
   </p:extLst>
 </p:presentation>
 </file>
@@ -220,7 +213,7 @@
           <a:p>
             <a:fld id="{F29DC657-A5B9-41B4-AB57-79E3DB3481E8}" type="datetimeFigureOut">
               <a:rPr lang="en-US" smtClean="0"/>
-              <a:t>9/14/2024</a:t>
+              <a:t>9/19/24</a:t>
             </a:fld>
             <a:endParaRPr lang="en-US"/>
           </a:p>
@@ -571,460 +564,6 @@
 </p:notes>
 </file>
 
-<file path=ppt/notesSlides/notesSlide2.xml><?xml version="1.0" encoding="utf-8"?>
-<p:notes xmlns:a="http://schemas.openxmlformats.org/drawingml/2006/main" xmlns:r="http://schemas.openxmlformats.org/officeDocument/2006/relationships" xmlns:p="http://schemas.openxmlformats.org/presentationml/2006/main">
-  <p:cSld>
-    <p:spTree>
-      <p:nvGrpSpPr>
-        <p:cNvPr id="1" name=""/>
-        <p:cNvGrpSpPr/>
-        <p:nvPr/>
-      </p:nvGrpSpPr>
-      <p:grpSpPr>
-        <a:xfrm>
-          <a:off x="0" y="0"/>
-          <a:ext cx="0" cy="0"/>
-          <a:chOff x="0" y="0"/>
-          <a:chExt cx="0" cy="0"/>
-        </a:xfrm>
-      </p:grpSpPr>
-      <p:sp>
-        <p:nvSpPr>
-          <p:cNvPr id="2" name="Slide Image Placeholder 1"/>
-          <p:cNvSpPr>
-            <a:spLocks noGrp="1" noRot="1" noChangeAspect="1"/>
-          </p:cNvSpPr>
-          <p:nvPr>
-            <p:ph type="sldImg"/>
-          </p:nvPr>
-        </p:nvSpPr>
-        <p:spPr/>
-      </p:sp>
-      <p:sp>
-        <p:nvSpPr>
-          <p:cNvPr id="3" name="Notes Placeholder 2"/>
-          <p:cNvSpPr>
-            <a:spLocks noGrp="1"/>
-          </p:cNvSpPr>
-          <p:nvPr>
-            <p:ph type="body" idx="1"/>
-          </p:nvPr>
-        </p:nvSpPr>
-        <p:spPr/>
-        <p:txBody>
-          <a:bodyPr/>
-          <a:lstStyle/>
-          <a:p>
-            <a:endParaRPr lang="es-EC" dirty="0"/>
-          </a:p>
-        </p:txBody>
-      </p:sp>
-      <p:sp>
-        <p:nvSpPr>
-          <p:cNvPr id="4" name="Slide Number Placeholder 3"/>
-          <p:cNvSpPr>
-            <a:spLocks noGrp="1"/>
-          </p:cNvSpPr>
-          <p:nvPr>
-            <p:ph type="sldNum" sz="quarter" idx="5"/>
-          </p:nvPr>
-        </p:nvSpPr>
-        <p:spPr/>
-        <p:txBody>
-          <a:bodyPr/>
-          <a:lstStyle/>
-          <a:p>
-            <a:fld id="{36CC9BE2-C275-426F-8D4D-ABF95C3D0034}" type="slidenum">
-              <a:rPr lang="en-US" smtClean="0"/>
-              <a:t>2</a:t>
-            </a:fld>
-            <a:endParaRPr lang="en-US"/>
-          </a:p>
-        </p:txBody>
-      </p:sp>
-    </p:spTree>
-    <p:extLst>
-      <p:ext uri="{BB962C8B-B14F-4D97-AF65-F5344CB8AC3E}">
-        <p14:creationId xmlns:p14="http://schemas.microsoft.com/office/powerpoint/2010/main" val="1202091023"/>
-      </p:ext>
-    </p:extLst>
-  </p:cSld>
-  <p:clrMapOvr>
-    <a:masterClrMapping/>
-  </p:clrMapOvr>
-</p:notes>
-</file>
-
-<file path=ppt/notesSlides/notesSlide3.xml><?xml version="1.0" encoding="utf-8"?>
-<p:notes xmlns:a="http://schemas.openxmlformats.org/drawingml/2006/main" xmlns:r="http://schemas.openxmlformats.org/officeDocument/2006/relationships" xmlns:p="http://schemas.openxmlformats.org/presentationml/2006/main">
-  <p:cSld>
-    <p:spTree>
-      <p:nvGrpSpPr>
-        <p:cNvPr id="1" name=""/>
-        <p:cNvGrpSpPr/>
-        <p:nvPr/>
-      </p:nvGrpSpPr>
-      <p:grpSpPr>
-        <a:xfrm>
-          <a:off x="0" y="0"/>
-          <a:ext cx="0" cy="0"/>
-          <a:chOff x="0" y="0"/>
-          <a:chExt cx="0" cy="0"/>
-        </a:xfrm>
-      </p:grpSpPr>
-      <p:sp>
-        <p:nvSpPr>
-          <p:cNvPr id="2" name="Slide Image Placeholder 1"/>
-          <p:cNvSpPr>
-            <a:spLocks noGrp="1" noRot="1" noChangeAspect="1"/>
-          </p:cNvSpPr>
-          <p:nvPr>
-            <p:ph type="sldImg"/>
-          </p:nvPr>
-        </p:nvSpPr>
-        <p:spPr/>
-      </p:sp>
-      <p:sp>
-        <p:nvSpPr>
-          <p:cNvPr id="3" name="Notes Placeholder 2"/>
-          <p:cNvSpPr>
-            <a:spLocks noGrp="1"/>
-          </p:cNvSpPr>
-          <p:nvPr>
-            <p:ph type="body" idx="1"/>
-          </p:nvPr>
-        </p:nvSpPr>
-        <p:spPr/>
-        <p:txBody>
-          <a:bodyPr/>
-          <a:lstStyle/>
-          <a:p>
-            <a:endParaRPr lang="es-EC" dirty="0"/>
-          </a:p>
-        </p:txBody>
-      </p:sp>
-      <p:sp>
-        <p:nvSpPr>
-          <p:cNvPr id="4" name="Slide Number Placeholder 3"/>
-          <p:cNvSpPr>
-            <a:spLocks noGrp="1"/>
-          </p:cNvSpPr>
-          <p:nvPr>
-            <p:ph type="sldNum" sz="quarter" idx="5"/>
-          </p:nvPr>
-        </p:nvSpPr>
-        <p:spPr/>
-        <p:txBody>
-          <a:bodyPr/>
-          <a:lstStyle/>
-          <a:p>
-            <a:fld id="{36CC9BE2-C275-426F-8D4D-ABF95C3D0034}" type="slidenum">
-              <a:rPr lang="en-US" smtClean="0"/>
-              <a:t>3</a:t>
-            </a:fld>
-            <a:endParaRPr lang="en-US"/>
-          </a:p>
-        </p:txBody>
-      </p:sp>
-    </p:spTree>
-    <p:extLst>
-      <p:ext uri="{BB962C8B-B14F-4D97-AF65-F5344CB8AC3E}">
-        <p14:creationId xmlns:p14="http://schemas.microsoft.com/office/powerpoint/2010/main" val="2308169874"/>
-      </p:ext>
-    </p:extLst>
-  </p:cSld>
-  <p:clrMapOvr>
-    <a:masterClrMapping/>
-  </p:clrMapOvr>
-</p:notes>
-</file>
-
-<file path=ppt/notesSlides/notesSlide4.xml><?xml version="1.0" encoding="utf-8"?>
-<p:notes xmlns:a="http://schemas.openxmlformats.org/drawingml/2006/main" xmlns:r="http://schemas.openxmlformats.org/officeDocument/2006/relationships" xmlns:p="http://schemas.openxmlformats.org/presentationml/2006/main">
-  <p:cSld>
-    <p:spTree>
-      <p:nvGrpSpPr>
-        <p:cNvPr id="1" name=""/>
-        <p:cNvGrpSpPr/>
-        <p:nvPr/>
-      </p:nvGrpSpPr>
-      <p:grpSpPr>
-        <a:xfrm>
-          <a:off x="0" y="0"/>
-          <a:ext cx="0" cy="0"/>
-          <a:chOff x="0" y="0"/>
-          <a:chExt cx="0" cy="0"/>
-        </a:xfrm>
-      </p:grpSpPr>
-      <p:sp>
-        <p:nvSpPr>
-          <p:cNvPr id="2" name="Slide Image Placeholder 1"/>
-          <p:cNvSpPr>
-            <a:spLocks noGrp="1" noRot="1" noChangeAspect="1"/>
-          </p:cNvSpPr>
-          <p:nvPr>
-            <p:ph type="sldImg"/>
-          </p:nvPr>
-        </p:nvSpPr>
-        <p:spPr/>
-      </p:sp>
-      <p:sp>
-        <p:nvSpPr>
-          <p:cNvPr id="3" name="Notes Placeholder 2"/>
-          <p:cNvSpPr>
-            <a:spLocks noGrp="1"/>
-          </p:cNvSpPr>
-          <p:nvPr>
-            <p:ph type="body" idx="1"/>
-          </p:nvPr>
-        </p:nvSpPr>
-        <p:spPr/>
-        <p:txBody>
-          <a:bodyPr/>
-          <a:lstStyle/>
-          <a:p>
-            <a:r>
-              <a:rPr lang="es-EC" dirty="0"/>
-              <a:t>Gran comunidad</a:t>
-            </a:r>
-          </a:p>
-        </p:txBody>
-      </p:sp>
-      <p:sp>
-        <p:nvSpPr>
-          <p:cNvPr id="4" name="Slide Number Placeholder 3"/>
-          <p:cNvSpPr>
-            <a:spLocks noGrp="1"/>
-          </p:cNvSpPr>
-          <p:nvPr>
-            <p:ph type="sldNum" sz="quarter" idx="5"/>
-          </p:nvPr>
-        </p:nvSpPr>
-        <p:spPr/>
-        <p:txBody>
-          <a:bodyPr/>
-          <a:lstStyle/>
-          <a:p>
-            <a:fld id="{36CC9BE2-C275-426F-8D4D-ABF95C3D0034}" type="slidenum">
-              <a:rPr lang="en-US" smtClean="0"/>
-              <a:t>4</a:t>
-            </a:fld>
-            <a:endParaRPr lang="en-US"/>
-          </a:p>
-        </p:txBody>
-      </p:sp>
-    </p:spTree>
-    <p:extLst>
-      <p:ext uri="{BB962C8B-B14F-4D97-AF65-F5344CB8AC3E}">
-        <p14:creationId xmlns:p14="http://schemas.microsoft.com/office/powerpoint/2010/main" val="743377013"/>
-      </p:ext>
-    </p:extLst>
-  </p:cSld>
-  <p:clrMapOvr>
-    <a:masterClrMapping/>
-  </p:clrMapOvr>
-</p:notes>
-</file>
-
-<file path=ppt/notesSlides/notesSlide5.xml><?xml version="1.0" encoding="utf-8"?>
-<p:notes xmlns:a="http://schemas.openxmlformats.org/drawingml/2006/main" xmlns:r="http://schemas.openxmlformats.org/officeDocument/2006/relationships" xmlns:p="http://schemas.openxmlformats.org/presentationml/2006/main">
-  <p:cSld>
-    <p:spTree>
-      <p:nvGrpSpPr>
-        <p:cNvPr id="1" name=""/>
-        <p:cNvGrpSpPr/>
-        <p:nvPr/>
-      </p:nvGrpSpPr>
-      <p:grpSpPr>
-        <a:xfrm>
-          <a:off x="0" y="0"/>
-          <a:ext cx="0" cy="0"/>
-          <a:chOff x="0" y="0"/>
-          <a:chExt cx="0" cy="0"/>
-        </a:xfrm>
-      </p:grpSpPr>
-      <p:sp>
-        <p:nvSpPr>
-          <p:cNvPr id="2" name="Slide Image Placeholder 1"/>
-          <p:cNvSpPr>
-            <a:spLocks noGrp="1" noRot="1" noChangeAspect="1"/>
-          </p:cNvSpPr>
-          <p:nvPr>
-            <p:ph type="sldImg"/>
-          </p:nvPr>
-        </p:nvSpPr>
-        <p:spPr/>
-      </p:sp>
-      <p:sp>
-        <p:nvSpPr>
-          <p:cNvPr id="3" name="Notes Placeholder 2"/>
-          <p:cNvSpPr>
-            <a:spLocks noGrp="1"/>
-          </p:cNvSpPr>
-          <p:nvPr>
-            <p:ph type="body" idx="1"/>
-          </p:nvPr>
-        </p:nvSpPr>
-        <p:spPr/>
-        <p:txBody>
-          <a:bodyPr/>
-          <a:lstStyle/>
-          <a:p>
-            <a:endParaRPr lang="es-EC" dirty="0"/>
-          </a:p>
-        </p:txBody>
-      </p:sp>
-      <p:sp>
-        <p:nvSpPr>
-          <p:cNvPr id="4" name="Slide Number Placeholder 3"/>
-          <p:cNvSpPr>
-            <a:spLocks noGrp="1"/>
-          </p:cNvSpPr>
-          <p:nvPr>
-            <p:ph type="sldNum" sz="quarter" idx="5"/>
-          </p:nvPr>
-        </p:nvSpPr>
-        <p:spPr/>
-        <p:txBody>
-          <a:bodyPr/>
-          <a:lstStyle/>
-          <a:p>
-            <a:fld id="{36CC9BE2-C275-426F-8D4D-ABF95C3D0034}" type="slidenum">
-              <a:rPr lang="en-US" smtClean="0"/>
-              <a:t>14</a:t>
-            </a:fld>
-            <a:endParaRPr lang="en-US"/>
-          </a:p>
-        </p:txBody>
-      </p:sp>
-    </p:spTree>
-    <p:extLst>
-      <p:ext uri="{BB962C8B-B14F-4D97-AF65-F5344CB8AC3E}">
-        <p14:creationId xmlns:p14="http://schemas.microsoft.com/office/powerpoint/2010/main" val="1516803225"/>
-      </p:ext>
-    </p:extLst>
-  </p:cSld>
-  <p:clrMapOvr>
-    <a:masterClrMapping/>
-  </p:clrMapOvr>
-</p:notes>
-</file>
-
-<file path=ppt/notesSlides/notesSlide6.xml><?xml version="1.0" encoding="utf-8"?>
-<p:notes xmlns:a="http://schemas.openxmlformats.org/drawingml/2006/main" xmlns:r="http://schemas.openxmlformats.org/officeDocument/2006/relationships" xmlns:p="http://schemas.openxmlformats.org/presentationml/2006/main">
-  <p:cSld>
-    <p:spTree>
-      <p:nvGrpSpPr>
-        <p:cNvPr id="1" name=""/>
-        <p:cNvGrpSpPr/>
-        <p:nvPr/>
-      </p:nvGrpSpPr>
-      <p:grpSpPr>
-        <a:xfrm>
-          <a:off x="0" y="0"/>
-          <a:ext cx="0" cy="0"/>
-          <a:chOff x="0" y="0"/>
-          <a:chExt cx="0" cy="0"/>
-        </a:xfrm>
-      </p:grpSpPr>
-      <p:sp>
-        <p:nvSpPr>
-          <p:cNvPr id="2" name="Slide Image Placeholder 1"/>
-          <p:cNvSpPr>
-            <a:spLocks noGrp="1" noRot="1" noChangeAspect="1"/>
-          </p:cNvSpPr>
-          <p:nvPr>
-            <p:ph type="sldImg"/>
-          </p:nvPr>
-        </p:nvSpPr>
-        <p:spPr/>
-      </p:sp>
-      <p:sp>
-        <p:nvSpPr>
-          <p:cNvPr id="3" name="Notes Placeholder 2"/>
-          <p:cNvSpPr>
-            <a:spLocks noGrp="1"/>
-          </p:cNvSpPr>
-          <p:nvPr>
-            <p:ph type="body" idx="1"/>
-          </p:nvPr>
-        </p:nvSpPr>
-        <p:spPr/>
-        <p:txBody>
-          <a:bodyPr/>
-          <a:lstStyle/>
-          <a:p>
-            <a:pPr marL="0" marR="0" lvl="0" indent="0" algn="l" defTabSz="914400" rtl="0" eaLnBrk="1" fontAlgn="auto" latinLnBrk="0" hangingPunct="1">
-              <a:lnSpc>
-                <a:spcPct val="100000"/>
-              </a:lnSpc>
-              <a:spcBef>
-                <a:spcPts val="0"/>
-              </a:spcBef>
-              <a:spcAft>
-                <a:spcPts val="0"/>
-              </a:spcAft>
-              <a:buClrTx/>
-              <a:buSzTx/>
-              <a:buFontTx/>
-              <a:buNone/>
-              <a:tabLst/>
-              <a:defRPr/>
-            </a:pPr>
-            <a:r>
-              <a:rPr lang="es-EC" dirty="0"/>
-              <a:t>Motivarlos a que rendericen el componente pero ahora desde un array de objetos con las claves </a:t>
-            </a:r>
-            <a:r>
-              <a:rPr lang="es-EC" dirty="0" err="1"/>
-              <a:t>url</a:t>
-            </a:r>
-            <a:r>
-              <a:rPr lang="es-EC" dirty="0"/>
-              <a:t> y name.</a:t>
-            </a:r>
-          </a:p>
-          <a:p>
-            <a:endParaRPr lang="es-EC" dirty="0"/>
-          </a:p>
-        </p:txBody>
-      </p:sp>
-      <p:sp>
-        <p:nvSpPr>
-          <p:cNvPr id="4" name="Slide Number Placeholder 3"/>
-          <p:cNvSpPr>
-            <a:spLocks noGrp="1"/>
-          </p:cNvSpPr>
-          <p:nvPr>
-            <p:ph type="sldNum" sz="quarter" idx="5"/>
-          </p:nvPr>
-        </p:nvSpPr>
-        <p:spPr/>
-        <p:txBody>
-          <a:bodyPr/>
-          <a:lstStyle/>
-          <a:p>
-            <a:fld id="{36CC9BE2-C275-426F-8D4D-ABF95C3D0034}" type="slidenum">
-              <a:rPr lang="en-US" smtClean="0"/>
-              <a:t>15</a:t>
-            </a:fld>
-            <a:endParaRPr lang="en-US"/>
-          </a:p>
-        </p:txBody>
-      </p:sp>
-    </p:spTree>
-    <p:extLst>
-      <p:ext uri="{BB962C8B-B14F-4D97-AF65-F5344CB8AC3E}">
-        <p14:creationId xmlns:p14="http://schemas.microsoft.com/office/powerpoint/2010/main" val="2912142077"/>
-      </p:ext>
-    </p:extLst>
-  </p:cSld>
-  <p:clrMapOvr>
-    <a:masterClrMapping/>
-  </p:clrMapOvr>
-</p:notes>
-</file>
-
 <file path=ppt/slideLayouts/slideLayout1.xml><?xml version="1.0" encoding="utf-8"?>
 <p:sldLayout xmlns:a="http://schemas.openxmlformats.org/drawingml/2006/main" xmlns:r="http://schemas.openxmlformats.org/officeDocument/2006/relationships" xmlns:p="http://schemas.openxmlformats.org/presentationml/2006/main" type="title" preserve="1">
   <p:cSld name="Title Slide">
@@ -1172,7 +711,7 @@
           <a:p>
             <a:fld id="{E0B89D21-97A6-4434-B3B1-BAF5738D61F3}" type="datetimeFigureOut">
               <a:rPr lang="en-US" smtClean="0"/>
-              <a:t>9/14/2024</a:t>
+              <a:t>9/19/24</a:t>
             </a:fld>
             <a:endParaRPr lang="en-US"/>
           </a:p>
@@ -1370,7 +909,7 @@
           <a:p>
             <a:fld id="{E0B89D21-97A6-4434-B3B1-BAF5738D61F3}" type="datetimeFigureOut">
               <a:rPr lang="en-US" smtClean="0"/>
-              <a:t>9/14/2024</a:t>
+              <a:t>9/19/24</a:t>
             </a:fld>
             <a:endParaRPr lang="en-US"/>
           </a:p>
@@ -1578,7 +1117,7 @@
           <a:p>
             <a:fld id="{E0B89D21-97A6-4434-B3B1-BAF5738D61F3}" type="datetimeFigureOut">
               <a:rPr lang="en-US" smtClean="0"/>
-              <a:t>9/14/2024</a:t>
+              <a:t>9/19/24</a:t>
             </a:fld>
             <a:endParaRPr lang="en-US"/>
           </a:p>
@@ -1845,7 +1384,7 @@
           <a:p>
             <a:fld id="{E0B89D21-97A6-4434-B3B1-BAF5738D61F3}" type="datetimeFigureOut">
               <a:rPr lang="en-US" smtClean="0"/>
-              <a:t>9/14/2024</a:t>
+              <a:t>9/19/24</a:t>
             </a:fld>
             <a:endParaRPr lang="en-US"/>
           </a:p>
@@ -2120,7 +1659,7 @@
           <a:p>
             <a:fld id="{E0B89D21-97A6-4434-B3B1-BAF5738D61F3}" type="datetimeFigureOut">
               <a:rPr lang="en-US" smtClean="0"/>
-              <a:t>9/14/2024</a:t>
+              <a:t>9/19/24</a:t>
             </a:fld>
             <a:endParaRPr lang="en-US"/>
           </a:p>
@@ -2385,7 +1924,7 @@
           <a:p>
             <a:fld id="{E0B89D21-97A6-4434-B3B1-BAF5738D61F3}" type="datetimeFigureOut">
               <a:rPr lang="en-US" smtClean="0"/>
-              <a:t>9/14/2024</a:t>
+              <a:t>9/19/24</a:t>
             </a:fld>
             <a:endParaRPr lang="en-US"/>
           </a:p>
@@ -2797,7 +2336,7 @@
           <a:p>
             <a:fld id="{E0B89D21-97A6-4434-B3B1-BAF5738D61F3}" type="datetimeFigureOut">
               <a:rPr lang="en-US" smtClean="0"/>
-              <a:t>9/14/2024</a:t>
+              <a:t>9/19/24</a:t>
             </a:fld>
             <a:endParaRPr lang="en-US"/>
           </a:p>
@@ -2938,7 +2477,7 @@
           <a:p>
             <a:fld id="{E0B89D21-97A6-4434-B3B1-BAF5738D61F3}" type="datetimeFigureOut">
               <a:rPr lang="en-US" smtClean="0"/>
-              <a:t>9/14/2024</a:t>
+              <a:t>9/19/24</a:t>
             </a:fld>
             <a:endParaRPr lang="en-US"/>
           </a:p>
@@ -3051,7 +2590,7 @@
           <a:p>
             <a:fld id="{E0B89D21-97A6-4434-B3B1-BAF5738D61F3}" type="datetimeFigureOut">
               <a:rPr lang="en-US" smtClean="0"/>
-              <a:t>9/14/2024</a:t>
+              <a:t>9/19/24</a:t>
             </a:fld>
             <a:endParaRPr lang="en-US"/>
           </a:p>
@@ -3362,7 +2901,7 @@
           <a:p>
             <a:fld id="{E0B89D21-97A6-4434-B3B1-BAF5738D61F3}" type="datetimeFigureOut">
               <a:rPr lang="en-US" smtClean="0"/>
-              <a:t>9/14/2024</a:t>
+              <a:t>9/19/24</a:t>
             </a:fld>
             <a:endParaRPr lang="en-US"/>
           </a:p>
@@ -3650,7 +3189,7 @@
           <a:p>
             <a:fld id="{E0B89D21-97A6-4434-B3B1-BAF5738D61F3}" type="datetimeFigureOut">
               <a:rPr lang="en-US" smtClean="0"/>
-              <a:t>9/14/2024</a:t>
+              <a:t>9/19/24</a:t>
             </a:fld>
             <a:endParaRPr lang="en-US"/>
           </a:p>
@@ -3891,7 +3430,7 @@
           <a:p>
             <a:fld id="{E0B89D21-97A6-4434-B3B1-BAF5738D61F3}" type="datetimeFigureOut">
               <a:rPr lang="en-US" smtClean="0"/>
-              <a:t>9/14/2024</a:t>
+              <a:t>9/19/24</a:t>
             </a:fld>
             <a:endParaRPr lang="en-US"/>
           </a:p>
@@ -4359,7 +3898,7 @@
           <a:p>
             <a:r>
               <a:rPr lang="en-US" dirty="0"/>
-              <a:t>Módulo 1</a:t>
+              <a:t>Módulo 4</a:t>
             </a:r>
           </a:p>
         </p:txBody>
@@ -4377,7 +3916,7 @@
 </p:sld>
 </file>
 
-<file path=ppt/slides/slide10.xml><?xml version="1.0" encoding="utf-8"?>
+<file path=ppt/slides/slide2.xml><?xml version="1.0" encoding="utf-8"?>
 <p:sld xmlns:a="http://schemas.openxmlformats.org/drawingml/2006/main" xmlns:r="http://schemas.openxmlformats.org/officeDocument/2006/relationships" xmlns:p="http://schemas.openxmlformats.org/presentationml/2006/main">
   <p:cSld>
     <p:spTree>
@@ -4394,40 +3933,95 @@
           <a:chExt cx="0" cy="0"/>
         </a:xfrm>
       </p:grpSpPr>
-      <p:pic>
-        <p:nvPicPr>
-          <p:cNvPr id="5" name="Picture 4">
-            <a:extLst>
-              <a:ext uri="{FF2B5EF4-FFF2-40B4-BE49-F238E27FC236}">
-                <a16:creationId xmlns:a16="http://schemas.microsoft.com/office/drawing/2014/main" id="{50653E16-ADFE-9174-1E1B-C3437E16CC10}"/>
-              </a:ext>
-            </a:extLst>
-          </p:cNvPr>
-          <p:cNvPicPr>
-            <a:picLocks noChangeAspect="1"/>
-          </p:cNvPicPr>
-          <p:nvPr/>
-        </p:nvPicPr>
-        <p:blipFill>
-          <a:blip r:embed="rId2"/>
-          <a:stretch>
-            <a:fillRect/>
-          </a:stretch>
-        </p:blipFill>
-        <p:spPr>
-          <a:xfrm>
-            <a:off x="2918306" y="775517"/>
-            <a:ext cx="6355388" cy="5306965"/>
-          </a:xfrm>
-          <a:prstGeom prst="rect">
-            <a:avLst/>
-          </a:prstGeom>
-        </p:spPr>
-      </p:pic>
+      <p:sp>
+        <p:nvSpPr>
+          <p:cNvPr id="2" name="Title 1">
+            <a:extLst>
+              <a:ext uri="{FF2B5EF4-FFF2-40B4-BE49-F238E27FC236}">
+                <a16:creationId xmlns:a16="http://schemas.microsoft.com/office/drawing/2014/main" id="{9E9EC8EB-9300-6811-CCAA-B3A26E908D93}"/>
+              </a:ext>
+            </a:extLst>
+          </p:cNvPr>
+          <p:cNvSpPr>
+            <a:spLocks noGrp="1"/>
+          </p:cNvSpPr>
+          <p:nvPr>
+            <p:ph type="title"/>
+          </p:nvPr>
+        </p:nvSpPr>
+        <p:spPr/>
+        <p:txBody>
+          <a:bodyPr/>
+          <a:lstStyle/>
+          <a:p>
+            <a:r>
+              <a:rPr lang="es-EC"/>
+              <a:t>¿Qué son?</a:t>
+            </a:r>
+          </a:p>
+        </p:txBody>
+      </p:sp>
+      <p:sp>
+        <p:nvSpPr>
+          <p:cNvPr id="3" name="Text Placeholder 2">
+            <a:extLst>
+              <a:ext uri="{FF2B5EF4-FFF2-40B4-BE49-F238E27FC236}">
+                <a16:creationId xmlns:a16="http://schemas.microsoft.com/office/drawing/2014/main" id="{B0698DDA-FF17-EAE2-91AC-9C2B50352B32}"/>
+              </a:ext>
+            </a:extLst>
+          </p:cNvPr>
+          <p:cNvSpPr>
+            <a:spLocks noGrp="1"/>
+          </p:cNvSpPr>
+          <p:nvPr>
+            <p:ph type="body" idx="1"/>
+          </p:nvPr>
+        </p:nvSpPr>
+        <p:spPr/>
+        <p:txBody>
+          <a:bodyPr/>
+          <a:lstStyle/>
+          <a:p>
+            <a:r>
+              <a:rPr lang="es-EC" dirty="0"/>
+              <a:t>Son funciones que permiten conectar o “enganchar” características de </a:t>
+            </a:r>
+            <a:r>
+              <a:rPr lang="es-EC" dirty="0" err="1"/>
+              <a:t>Class</a:t>
+            </a:r>
+            <a:r>
+              <a:rPr lang="es-EC" dirty="0"/>
+              <a:t> </a:t>
+            </a:r>
+            <a:r>
+              <a:rPr lang="es-EC" dirty="0" err="1"/>
+              <a:t>components</a:t>
+            </a:r>
+            <a:r>
+              <a:rPr lang="es-EC" dirty="0"/>
+              <a:t> en </a:t>
+            </a:r>
+            <a:r>
+              <a:rPr lang="es-EC" dirty="0" err="1"/>
+              <a:t>Functional</a:t>
+            </a:r>
+            <a:r>
+              <a:rPr lang="es-EC" dirty="0"/>
+              <a:t> </a:t>
+            </a:r>
+            <a:r>
+              <a:rPr lang="es-EC" dirty="0" err="1"/>
+              <a:t>components</a:t>
+            </a:r>
+            <a:endParaRPr lang="es-EC" dirty="0"/>
+          </a:p>
+        </p:txBody>
+      </p:sp>
     </p:spTree>
     <p:extLst>
       <p:ext uri="{BB962C8B-B14F-4D97-AF65-F5344CB8AC3E}">
-        <p14:creationId xmlns:p14="http://schemas.microsoft.com/office/powerpoint/2010/main" val="3487897178"/>
+        <p14:creationId xmlns:p14="http://schemas.microsoft.com/office/powerpoint/2010/main" val="1660663073"/>
       </p:ext>
     </p:extLst>
   </p:cSld>
@@ -4437,67 +4031,7 @@
 </p:sld>
 </file>
 
-<file path=ppt/slides/slide11.xml><?xml version="1.0" encoding="utf-8"?>
-<p:sld xmlns:a="http://schemas.openxmlformats.org/drawingml/2006/main" xmlns:r="http://schemas.openxmlformats.org/officeDocument/2006/relationships" xmlns:p="http://schemas.openxmlformats.org/presentationml/2006/main">
-  <p:cSld>
-    <p:spTree>
-      <p:nvGrpSpPr>
-        <p:cNvPr id="1" name=""/>
-        <p:cNvGrpSpPr/>
-        <p:nvPr/>
-      </p:nvGrpSpPr>
-      <p:grpSpPr>
-        <a:xfrm>
-          <a:off x="0" y="0"/>
-          <a:ext cx="0" cy="0"/>
-          <a:chOff x="0" y="0"/>
-          <a:chExt cx="0" cy="0"/>
-        </a:xfrm>
-      </p:grpSpPr>
-      <p:pic>
-        <p:nvPicPr>
-          <p:cNvPr id="3" name="Picture 2">
-            <a:extLst>
-              <a:ext uri="{FF2B5EF4-FFF2-40B4-BE49-F238E27FC236}">
-                <a16:creationId xmlns:a16="http://schemas.microsoft.com/office/drawing/2014/main" id="{378368AE-064E-CA6B-A680-8F098BA0F507}"/>
-              </a:ext>
-            </a:extLst>
-          </p:cNvPr>
-          <p:cNvPicPr>
-            <a:picLocks noChangeAspect="1"/>
-          </p:cNvPicPr>
-          <p:nvPr/>
-        </p:nvPicPr>
-        <p:blipFill>
-          <a:blip r:embed="rId2"/>
-          <a:stretch>
-            <a:fillRect/>
-          </a:stretch>
-        </p:blipFill>
-        <p:spPr>
-          <a:xfrm>
-            <a:off x="4635933" y="795010"/>
-            <a:ext cx="2920133" cy="5267980"/>
-          </a:xfrm>
-          <a:prstGeom prst="rect">
-            <a:avLst/>
-          </a:prstGeom>
-        </p:spPr>
-      </p:pic>
-    </p:spTree>
-    <p:extLst>
-      <p:ext uri="{BB962C8B-B14F-4D97-AF65-F5344CB8AC3E}">
-        <p14:creationId xmlns:p14="http://schemas.microsoft.com/office/powerpoint/2010/main" val="3295365350"/>
-      </p:ext>
-    </p:extLst>
-  </p:cSld>
-  <p:clrMapOvr>
-    <a:masterClrMapping/>
-  </p:clrMapOvr>
-</p:sld>
-</file>
-
-<file path=ppt/slides/slide12.xml><?xml version="1.0" encoding="utf-8"?>
+<file path=ppt/slides/slide3.xml><?xml version="1.0" encoding="utf-8"?>
 <p:sld xmlns:a="http://schemas.openxmlformats.org/drawingml/2006/main" xmlns:r="http://schemas.openxmlformats.org/officeDocument/2006/relationships" xmlns:p="http://schemas.openxmlformats.org/presentationml/2006/main">
   <p:cSld>
     <p:bg>
@@ -4524,10 +4058,10 @@
       </p:grpSpPr>
       <p:pic>
         <p:nvPicPr>
-          <p:cNvPr id="3" name="Picture 2">
-            <a:extLst>
-              <a:ext uri="{FF2B5EF4-FFF2-40B4-BE49-F238E27FC236}">
-                <a16:creationId xmlns:a16="http://schemas.microsoft.com/office/drawing/2014/main" id="{373118A6-F49A-FC5F-5807-9B955C1A6D4C}"/>
+          <p:cNvPr id="5" name="Picture 4">
+            <a:extLst>
+              <a:ext uri="{FF2B5EF4-FFF2-40B4-BE49-F238E27FC236}">
+                <a16:creationId xmlns:a16="http://schemas.microsoft.com/office/drawing/2014/main" id="{AC4303FC-0EBD-B20A-A4D7-50AA43795438}"/>
               </a:ext>
             </a:extLst>
           </p:cNvPr>
@@ -4544,118 +4078,20 @@
         </p:blipFill>
         <p:spPr>
           <a:xfrm>
-            <a:off x="1826983" y="643466"/>
-            <a:ext cx="8538034" cy="5571067"/>
+            <a:off x="6374511" y="0"/>
+            <a:ext cx="4987290" cy="6852666"/>
           </a:xfrm>
           <a:prstGeom prst="rect">
             <a:avLst/>
           </a:prstGeom>
         </p:spPr>
       </p:pic>
-    </p:spTree>
-    <p:extLst>
-      <p:ext uri="{BB962C8B-B14F-4D97-AF65-F5344CB8AC3E}">
-        <p14:creationId xmlns:p14="http://schemas.microsoft.com/office/powerpoint/2010/main" val="1899568912"/>
-      </p:ext>
-    </p:extLst>
-  </p:cSld>
-  <p:clrMapOvr>
-    <a:masterClrMapping/>
-  </p:clrMapOvr>
-</p:sld>
-</file>
-
-<file path=ppt/slides/slide13.xml><?xml version="1.0" encoding="utf-8"?>
-<p:sld xmlns:a="http://schemas.openxmlformats.org/drawingml/2006/main" xmlns:r="http://schemas.openxmlformats.org/officeDocument/2006/relationships" xmlns:p="http://schemas.openxmlformats.org/presentationml/2006/main">
-  <p:cSld>
-    <p:bg>
-      <p:bgPr>
-        <a:solidFill>
-          <a:schemeClr val="bg1"/>
-        </a:solidFill>
-        <a:effectLst/>
-      </p:bgPr>
-    </p:bg>
-    <p:spTree>
-      <p:nvGrpSpPr>
-        <p:cNvPr id="1" name=""/>
-        <p:cNvGrpSpPr/>
-        <p:nvPr/>
-      </p:nvGrpSpPr>
-      <p:grpSpPr>
-        <a:xfrm>
-          <a:off x="0" y="0"/>
-          <a:ext cx="0" cy="0"/>
-          <a:chOff x="0" y="0"/>
-          <a:chExt cx="0" cy="0"/>
-        </a:xfrm>
-      </p:grpSpPr>
       <p:pic>
         <p:nvPicPr>
-          <p:cNvPr id="2" name="Picture 1">
-            <a:extLst>
-              <a:ext uri="{FF2B5EF4-FFF2-40B4-BE49-F238E27FC236}">
-                <a16:creationId xmlns:a16="http://schemas.microsoft.com/office/drawing/2014/main" id="{B48B3B4F-342F-828E-7F25-B46732FA6C29}"/>
-              </a:ext>
-            </a:extLst>
-          </p:cNvPr>
-          <p:cNvPicPr>
-            <a:picLocks noChangeAspect="1"/>
-          </p:cNvPicPr>
-          <p:nvPr/>
-        </p:nvPicPr>
-        <p:blipFill>
-          <a:blip r:embed="rId2"/>
-          <a:stretch>
-            <a:fillRect/>
-          </a:stretch>
-        </p:blipFill>
-        <p:spPr>
-          <a:xfrm>
-            <a:off x="1760540" y="643466"/>
-            <a:ext cx="8670920" cy="5571067"/>
-          </a:xfrm>
-          <a:prstGeom prst="rect">
-            <a:avLst/>
-          </a:prstGeom>
-        </p:spPr>
-      </p:pic>
-    </p:spTree>
-    <p:extLst>
-      <p:ext uri="{BB962C8B-B14F-4D97-AF65-F5344CB8AC3E}">
-        <p14:creationId xmlns:p14="http://schemas.microsoft.com/office/powerpoint/2010/main" val="4070480935"/>
-      </p:ext>
-    </p:extLst>
-  </p:cSld>
-  <p:clrMapOvr>
-    <a:masterClrMapping/>
-  </p:clrMapOvr>
-</p:sld>
-</file>
-
-<file path=ppt/slides/slide14.xml><?xml version="1.0" encoding="utf-8"?>
-<p:sld xmlns:a="http://schemas.openxmlformats.org/drawingml/2006/main" xmlns:r="http://schemas.openxmlformats.org/officeDocument/2006/relationships" xmlns:p="http://schemas.openxmlformats.org/presentationml/2006/main">
-  <p:cSld>
-    <p:spTree>
-      <p:nvGrpSpPr>
-        <p:cNvPr id="1" name=""/>
-        <p:cNvGrpSpPr/>
-        <p:nvPr/>
-      </p:nvGrpSpPr>
-      <p:grpSpPr>
-        <a:xfrm>
-          <a:off x="0" y="0"/>
-          <a:ext cx="0" cy="0"/>
-          <a:chOff x="0" y="0"/>
-          <a:chExt cx="0" cy="0"/>
-        </a:xfrm>
-      </p:grpSpPr>
-      <p:pic>
-        <p:nvPicPr>
-          <p:cNvPr id="5" name="Picture 4">
-            <a:extLst>
-              <a:ext uri="{FF2B5EF4-FFF2-40B4-BE49-F238E27FC236}">
-                <a16:creationId xmlns:a16="http://schemas.microsoft.com/office/drawing/2014/main" id="{38720653-EDFB-DB12-3865-E758CC11950C}"/>
+          <p:cNvPr id="7" name="Picture 6">
+            <a:extLst>
+              <a:ext uri="{FF2B5EF4-FFF2-40B4-BE49-F238E27FC236}">
+                <a16:creationId xmlns:a16="http://schemas.microsoft.com/office/drawing/2014/main" id="{380A1195-69BC-BBEF-10AA-06DE08BD4D33}"/>
               </a:ext>
             </a:extLst>
           </p:cNvPr>
@@ -4672,8 +4108,8 @@
         </p:blipFill>
         <p:spPr>
           <a:xfrm>
-            <a:off x="2745601" y="0"/>
-            <a:ext cx="6700797" cy="6858000"/>
+            <a:off x="830199" y="0"/>
+            <a:ext cx="5265801" cy="6729603"/>
           </a:xfrm>
           <a:prstGeom prst="rect">
             <a:avLst/>
@@ -4683,393 +4119,7 @@
     </p:spTree>
     <p:extLst>
       <p:ext uri="{BB962C8B-B14F-4D97-AF65-F5344CB8AC3E}">
-        <p14:creationId xmlns:p14="http://schemas.microsoft.com/office/powerpoint/2010/main" val="3954695099"/>
-      </p:ext>
-    </p:extLst>
-  </p:cSld>
-  <p:clrMapOvr>
-    <a:masterClrMapping/>
-  </p:clrMapOvr>
-</p:sld>
-</file>
-
-<file path=ppt/slides/slide15.xml><?xml version="1.0" encoding="utf-8"?>
-<p:sld xmlns:a="http://schemas.openxmlformats.org/drawingml/2006/main" xmlns:r="http://schemas.openxmlformats.org/officeDocument/2006/relationships" xmlns:p="http://schemas.openxmlformats.org/presentationml/2006/main">
-  <p:cSld>
-    <p:spTree>
-      <p:nvGrpSpPr>
-        <p:cNvPr id="1" name=""/>
-        <p:cNvGrpSpPr/>
-        <p:nvPr/>
-      </p:nvGrpSpPr>
-      <p:grpSpPr>
-        <a:xfrm>
-          <a:off x="0" y="0"/>
-          <a:ext cx="0" cy="0"/>
-          <a:chOff x="0" y="0"/>
-          <a:chExt cx="0" cy="0"/>
-        </a:xfrm>
-      </p:grpSpPr>
-      <p:pic>
-        <p:nvPicPr>
-          <p:cNvPr id="3" name="Picture 2">
-            <a:extLst>
-              <a:ext uri="{FF2B5EF4-FFF2-40B4-BE49-F238E27FC236}">
-                <a16:creationId xmlns:a16="http://schemas.microsoft.com/office/drawing/2014/main" id="{F724CDFE-BCE7-033D-289E-969016D1D505}"/>
-              </a:ext>
-            </a:extLst>
-          </p:cNvPr>
-          <p:cNvPicPr>
-            <a:picLocks noChangeAspect="1"/>
-          </p:cNvPicPr>
-          <p:nvPr/>
-        </p:nvPicPr>
-        <p:blipFill>
-          <a:blip r:embed="rId3"/>
-          <a:stretch>
-            <a:fillRect/>
-          </a:stretch>
-        </p:blipFill>
-        <p:spPr>
-          <a:xfrm>
-            <a:off x="1772989" y="0"/>
-            <a:ext cx="8646021" cy="6858000"/>
-          </a:xfrm>
-          <a:prstGeom prst="rect">
-            <a:avLst/>
-          </a:prstGeom>
-        </p:spPr>
-      </p:pic>
-    </p:spTree>
-    <p:extLst>
-      <p:ext uri="{BB962C8B-B14F-4D97-AF65-F5344CB8AC3E}">
-        <p14:creationId xmlns:p14="http://schemas.microsoft.com/office/powerpoint/2010/main" val="1773958891"/>
-      </p:ext>
-    </p:extLst>
-  </p:cSld>
-  <p:clrMapOvr>
-    <a:masterClrMapping/>
-  </p:clrMapOvr>
-</p:sld>
-</file>
-
-<file path=ppt/slides/slide16.xml><?xml version="1.0" encoding="utf-8"?>
-<p:sld xmlns:a="http://schemas.openxmlformats.org/drawingml/2006/main" xmlns:r="http://schemas.openxmlformats.org/officeDocument/2006/relationships" xmlns:p="http://schemas.openxmlformats.org/presentationml/2006/main">
-  <p:cSld>
-    <p:spTree>
-      <p:nvGrpSpPr>
-        <p:cNvPr id="1" name=""/>
-        <p:cNvGrpSpPr/>
-        <p:nvPr/>
-      </p:nvGrpSpPr>
-      <p:grpSpPr>
-        <a:xfrm>
-          <a:off x="0" y="0"/>
-          <a:ext cx="0" cy="0"/>
-          <a:chOff x="0" y="0"/>
-          <a:chExt cx="0" cy="0"/>
-        </a:xfrm>
-      </p:grpSpPr>
-      <p:sp>
-        <p:nvSpPr>
-          <p:cNvPr id="2" name="Title 1">
-            <a:extLst>
-              <a:ext uri="{FF2B5EF4-FFF2-40B4-BE49-F238E27FC236}">
-                <a16:creationId xmlns:a16="http://schemas.microsoft.com/office/drawing/2014/main" id="{CCC8EEFF-6788-B8E1-F8C5-1703F8FDCD37}"/>
-              </a:ext>
-            </a:extLst>
-          </p:cNvPr>
-          <p:cNvSpPr>
-            <a:spLocks noGrp="1"/>
-          </p:cNvSpPr>
-          <p:nvPr>
-            <p:ph type="title"/>
-          </p:nvPr>
-        </p:nvSpPr>
-        <p:spPr/>
-        <p:txBody>
-          <a:bodyPr/>
-          <a:lstStyle/>
-          <a:p>
-            <a:r>
-              <a:rPr lang="en-US" dirty="0"/>
-              <a:t>Extras</a:t>
-            </a:r>
-            <a:endParaRPr lang="es-EC" dirty="0"/>
-          </a:p>
-        </p:txBody>
-      </p:sp>
-      <p:sp>
-        <p:nvSpPr>
-          <p:cNvPr id="3" name="Content Placeholder 2">
-            <a:extLst>
-              <a:ext uri="{FF2B5EF4-FFF2-40B4-BE49-F238E27FC236}">
-                <a16:creationId xmlns:a16="http://schemas.microsoft.com/office/drawing/2014/main" id="{C4718E52-750B-77CA-2268-C1952A4D71F6}"/>
-              </a:ext>
-            </a:extLst>
-          </p:cNvPr>
-          <p:cNvSpPr>
-            <a:spLocks noGrp="1"/>
-          </p:cNvSpPr>
-          <p:nvPr>
-            <p:ph idx="1"/>
-          </p:nvPr>
-        </p:nvSpPr>
-        <p:spPr/>
-        <p:txBody>
-          <a:bodyPr>
-            <a:normAutofit fontScale="92500" lnSpcReduction="10000"/>
-          </a:bodyPr>
-          <a:lstStyle/>
-          <a:p>
-            <a:r>
-              <a:rPr lang="es-EC" dirty="0"/>
-              <a:t>Renderizado condicional y dinámico.</a:t>
-            </a:r>
-          </a:p>
-          <a:p>
-            <a:r>
-              <a:rPr lang="es-EC" dirty="0"/>
-              <a:t>Añadir un prop “</a:t>
-            </a:r>
-            <a:r>
-              <a:rPr lang="es-EC" dirty="0" err="1"/>
-              <a:t>verified</a:t>
-            </a:r>
-            <a:r>
-              <a:rPr lang="es-EC" dirty="0"/>
-              <a:t>” para indicar cuando un usuario ha sido verificado. En caso de serlo mostrar una imagen de “</a:t>
-            </a:r>
-            <a:r>
-              <a:rPr lang="es-EC" dirty="0" err="1"/>
-              <a:t>Check</a:t>
-            </a:r>
-            <a:r>
-              <a:rPr lang="es-EC" dirty="0"/>
-              <a:t>” o un texto.</a:t>
-            </a:r>
-          </a:p>
-          <a:p>
-            <a:pPr marL="0" indent="0">
-              <a:buNone/>
-            </a:pPr>
-            <a:endParaRPr lang="es-EC" dirty="0"/>
-          </a:p>
-          <a:p>
-            <a:pPr marL="0" indent="0">
-              <a:buNone/>
-            </a:pPr>
-            <a:endParaRPr lang="es-EC" dirty="0"/>
-          </a:p>
-          <a:p>
-            <a:pPr marL="0" indent="0">
-              <a:buNone/>
-            </a:pPr>
-            <a:endParaRPr lang="es-EC" dirty="0"/>
-          </a:p>
-          <a:p>
-            <a:pPr marL="0" indent="0">
-              <a:buNone/>
-            </a:pPr>
-            <a:endParaRPr lang="es-EC" dirty="0"/>
-          </a:p>
-          <a:p>
-            <a:pPr marL="0" indent="0">
-              <a:buNone/>
-            </a:pPr>
-            <a:endParaRPr lang="es-EC" dirty="0"/>
-          </a:p>
-          <a:p>
-            <a:pPr marL="0" indent="0">
-              <a:buNone/>
-            </a:pPr>
-            <a:endParaRPr lang="es-EC" dirty="0"/>
-          </a:p>
-          <a:p>
-            <a:pPr marL="0" indent="0">
-              <a:buNone/>
-            </a:pPr>
-            <a:r>
-              <a:rPr lang="es-EC" dirty="0"/>
-              <a:t>Documentación: </a:t>
-            </a:r>
-            <a:r>
-              <a:rPr lang="es-EC" dirty="0">
-                <a:hlinkClick r:id="rId2"/>
-              </a:rPr>
-              <a:t>https://react.dev/learn/conditional-rendering</a:t>
-            </a:r>
-            <a:endParaRPr lang="es-EC" dirty="0"/>
-          </a:p>
-          <a:p>
-            <a:pPr marL="0" indent="0">
-              <a:buNone/>
-            </a:pPr>
-            <a:endParaRPr lang="es-EC" dirty="0"/>
-          </a:p>
-          <a:p>
-            <a:endParaRPr lang="es-EC" dirty="0"/>
-          </a:p>
-        </p:txBody>
-      </p:sp>
-    </p:spTree>
-    <p:extLst>
-      <p:ext uri="{BB962C8B-B14F-4D97-AF65-F5344CB8AC3E}">
-        <p14:creationId xmlns:p14="http://schemas.microsoft.com/office/powerpoint/2010/main" val="2574821726"/>
-      </p:ext>
-    </p:extLst>
-  </p:cSld>
-  <p:clrMapOvr>
-    <a:masterClrMapping/>
-  </p:clrMapOvr>
-</p:sld>
-</file>
-
-<file path=ppt/slides/slide2.xml><?xml version="1.0" encoding="utf-8"?>
-<p:sld xmlns:a="http://schemas.openxmlformats.org/drawingml/2006/main" xmlns:r="http://schemas.openxmlformats.org/officeDocument/2006/relationships" xmlns:p="http://schemas.openxmlformats.org/presentationml/2006/main">
-  <p:cSld>
-    <p:spTree>
-      <p:nvGrpSpPr>
-        <p:cNvPr id="1" name=""/>
-        <p:cNvGrpSpPr/>
-        <p:nvPr/>
-      </p:nvGrpSpPr>
-      <p:grpSpPr>
-        <a:xfrm>
-          <a:off x="0" y="0"/>
-          <a:ext cx="0" cy="0"/>
-          <a:chOff x="0" y="0"/>
-          <a:chExt cx="0" cy="0"/>
-        </a:xfrm>
-      </p:grpSpPr>
-      <p:sp>
-        <p:nvSpPr>
-          <p:cNvPr id="2" name="Title 1">
-            <a:extLst>
-              <a:ext uri="{FF2B5EF4-FFF2-40B4-BE49-F238E27FC236}">
-                <a16:creationId xmlns:a16="http://schemas.microsoft.com/office/drawing/2014/main" id="{E11580D9-0299-FCB7-5E55-2FF0B06D897C}"/>
-              </a:ext>
-            </a:extLst>
-          </p:cNvPr>
-          <p:cNvSpPr>
-            <a:spLocks noGrp="1"/>
-          </p:cNvSpPr>
-          <p:nvPr>
-            <p:ph type="title"/>
-          </p:nvPr>
-        </p:nvSpPr>
-        <p:spPr/>
-        <p:txBody>
-          <a:bodyPr/>
-          <a:lstStyle/>
-          <a:p>
-            <a:pPr algn="ctr"/>
-            <a:r>
-              <a:rPr lang="es-EC" dirty="0"/>
-              <a:t>¿Qué es?</a:t>
-            </a:r>
-          </a:p>
-        </p:txBody>
-      </p:sp>
-      <p:sp>
-        <p:nvSpPr>
-          <p:cNvPr id="3" name="Text Placeholder 2">
-            <a:extLst>
-              <a:ext uri="{FF2B5EF4-FFF2-40B4-BE49-F238E27FC236}">
-                <a16:creationId xmlns:a16="http://schemas.microsoft.com/office/drawing/2014/main" id="{0454F8E8-380C-201F-431D-72FDF059208A}"/>
-              </a:ext>
-            </a:extLst>
-          </p:cNvPr>
-          <p:cNvSpPr>
-            <a:spLocks noGrp="1"/>
-          </p:cNvSpPr>
-          <p:nvPr>
-            <p:ph type="body" idx="1"/>
-          </p:nvPr>
-        </p:nvSpPr>
-        <p:spPr/>
-        <p:txBody>
-          <a:bodyPr/>
-          <a:lstStyle/>
-          <a:p>
-            <a:r>
-              <a:rPr lang="es-EC" dirty="0"/>
-              <a:t>Una librería para crear </a:t>
-            </a:r>
-            <a:r>
-              <a:rPr lang="es-EC" dirty="0" err="1"/>
-              <a:t>UIs</a:t>
-            </a:r>
-            <a:r>
-              <a:rPr lang="es-EC" dirty="0"/>
-              <a:t> nativas y web.</a:t>
-            </a:r>
-          </a:p>
-        </p:txBody>
-      </p:sp>
-    </p:spTree>
-    <p:extLst>
-      <p:ext uri="{BB962C8B-B14F-4D97-AF65-F5344CB8AC3E}">
-        <p14:creationId xmlns:p14="http://schemas.microsoft.com/office/powerpoint/2010/main" val="965286506"/>
-      </p:ext>
-    </p:extLst>
-  </p:cSld>
-  <p:clrMapOvr>
-    <a:masterClrMapping/>
-  </p:clrMapOvr>
-</p:sld>
-</file>
-
-<file path=ppt/slides/slide3.xml><?xml version="1.0" encoding="utf-8"?>
-<p:sld xmlns:a="http://schemas.openxmlformats.org/drawingml/2006/main" xmlns:r="http://schemas.openxmlformats.org/officeDocument/2006/relationships" xmlns:p="http://schemas.openxmlformats.org/presentationml/2006/main">
-  <p:cSld>
-    <p:spTree>
-      <p:nvGrpSpPr>
-        <p:cNvPr id="1" name=""/>
-        <p:cNvGrpSpPr/>
-        <p:nvPr/>
-      </p:nvGrpSpPr>
-      <p:grpSpPr>
-        <a:xfrm>
-          <a:off x="0" y="0"/>
-          <a:ext cx="0" cy="0"/>
-          <a:chOff x="0" y="0"/>
-          <a:chExt cx="0" cy="0"/>
-        </a:xfrm>
-      </p:grpSpPr>
-      <p:sp>
-        <p:nvSpPr>
-          <p:cNvPr id="2" name="Title 1">
-            <a:extLst>
-              <a:ext uri="{FF2B5EF4-FFF2-40B4-BE49-F238E27FC236}">
-                <a16:creationId xmlns:a16="http://schemas.microsoft.com/office/drawing/2014/main" id="{E11580D9-0299-FCB7-5E55-2FF0B06D897C}"/>
-              </a:ext>
-            </a:extLst>
-          </p:cNvPr>
-          <p:cNvSpPr>
-            <a:spLocks noGrp="1"/>
-          </p:cNvSpPr>
-          <p:nvPr>
-            <p:ph type="title"/>
-          </p:nvPr>
-        </p:nvSpPr>
-        <p:spPr/>
-        <p:txBody>
-          <a:bodyPr/>
-          <a:lstStyle/>
-          <a:p>
-            <a:pPr algn="ctr"/>
-            <a:r>
-              <a:rPr lang="es-EC" dirty="0"/>
-              <a:t>¿Por qué escogerlo?</a:t>
-            </a:r>
-          </a:p>
-        </p:txBody>
-      </p:sp>
-    </p:spTree>
-    <p:extLst>
-      <p:ext uri="{BB962C8B-B14F-4D97-AF65-F5344CB8AC3E}">
-        <p14:creationId xmlns:p14="http://schemas.microsoft.com/office/powerpoint/2010/main" val="2585933797"/>
+        <p14:creationId xmlns:p14="http://schemas.microsoft.com/office/powerpoint/2010/main" val="2343739559"/>
       </p:ext>
     </p:extLst>
   </p:cSld>
@@ -5106,341 +4156,68 @@
       </p:grpSpPr>
       <p:pic>
         <p:nvPicPr>
-          <p:cNvPr id="1034" name="Picture 10" descr="React Live 2023">
-            <a:extLst>
-              <a:ext uri="{FF2B5EF4-FFF2-40B4-BE49-F238E27FC236}">
-                <a16:creationId xmlns:a16="http://schemas.microsoft.com/office/drawing/2014/main" id="{9BC5FC25-EAB2-0B2F-59D9-685148D69D90}"/>
+          <p:cNvPr id="3" name="Picture 2">
+            <a:extLst>
+              <a:ext uri="{FF2B5EF4-FFF2-40B4-BE49-F238E27FC236}">
+                <a16:creationId xmlns:a16="http://schemas.microsoft.com/office/drawing/2014/main" id="{64447DBE-7D3C-1050-25CA-E037558093ED}"/>
               </a:ext>
             </a:extLst>
           </p:cNvPr>
           <p:cNvPicPr>
-            <a:picLocks noChangeAspect="1" noChangeArrowheads="1"/>
+            <a:picLocks noChangeAspect="1"/>
           </p:cNvPicPr>
           <p:nvPr/>
         </p:nvPicPr>
         <p:blipFill>
-          <a:blip r:embed="rId3">
-            <a:extLst>
-              <a:ext uri="{28A0092B-C50C-407E-A947-70E740481C1C}">
-                <a14:useLocalDpi xmlns:a14="http://schemas.microsoft.com/office/drawing/2010/main" val="0"/>
-              </a:ext>
-            </a:extLst>
-          </a:blip>
-          <a:srcRect r="-4" b="65"/>
-          <a:stretch/>
+          <a:blip r:embed="rId2"/>
+          <a:stretch>
+            <a:fillRect/>
+          </a:stretch>
         </p:blipFill>
-        <p:spPr bwMode="auto">
+        <p:spPr>
           <a:xfrm>
-            <a:off x="20" y="1"/>
-            <a:ext cx="6050258" cy="3400925"/>
+            <a:off x="710619" y="298542"/>
+            <a:ext cx="4836432" cy="6122067"/>
           </a:xfrm>
-          <a:custGeom>
+          <a:prstGeom prst="rect">
             <a:avLst/>
-            <a:gdLst/>
-            <a:ahLst/>
-            <a:cxnLst/>
-            <a:rect l="l" t="t" r="r" b="b"/>
-            <a:pathLst>
-              <a:path w="6050278" h="3400925">
-                <a:moveTo>
-                  <a:pt x="0" y="0"/>
-                </a:moveTo>
-                <a:lnTo>
-                  <a:pt x="6050278" y="0"/>
-                </a:lnTo>
-                <a:lnTo>
-                  <a:pt x="6050278" y="1827306"/>
-                </a:lnTo>
-                <a:lnTo>
-                  <a:pt x="3892296" y="1827306"/>
-                </a:lnTo>
-                <a:lnTo>
-                  <a:pt x="3892296" y="3400925"/>
-                </a:lnTo>
-                <a:lnTo>
-                  <a:pt x="0" y="3400925"/>
-                </a:lnTo>
-                <a:close/>
-              </a:path>
-            </a:pathLst>
-          </a:custGeom>
-          <a:noFill/>
-          <a:extLst>
-            <a:ext uri="{909E8E84-426E-40DD-AFC4-6F175D3DCCD1}">
-              <a14:hiddenFill xmlns:a14="http://schemas.microsoft.com/office/drawing/2010/main">
-                <a:solidFill>
-                  <a:srgbClr val="FFFFFF"/>
-                </a:solidFill>
-              </a14:hiddenFill>
-            </a:ext>
-          </a:extLst>
+          </a:prstGeom>
         </p:spPr>
       </p:pic>
       <p:pic>
         <p:nvPicPr>
-          <p:cNvPr id="1032" name="Picture 8" descr="San Francisco Meetup Recap · React Native">
-            <a:extLst>
-              <a:ext uri="{FF2B5EF4-FFF2-40B4-BE49-F238E27FC236}">
-                <a16:creationId xmlns:a16="http://schemas.microsoft.com/office/drawing/2014/main" id="{594B4A2F-9459-FCBC-AE9A-FD5AAA7041D1}"/>
+          <p:cNvPr id="5" name="Picture 4">
+            <a:extLst>
+              <a:ext uri="{FF2B5EF4-FFF2-40B4-BE49-F238E27FC236}">
+                <a16:creationId xmlns:a16="http://schemas.microsoft.com/office/drawing/2014/main" id="{06A0F514-E98E-557C-F4CC-4DB21A4F3528}"/>
               </a:ext>
             </a:extLst>
           </p:cNvPr>
           <p:cNvPicPr>
-            <a:picLocks noChangeAspect="1" noChangeArrowheads="1"/>
+            <a:picLocks noChangeAspect="1"/>
           </p:cNvPicPr>
           <p:nvPr/>
         </p:nvPicPr>
         <p:blipFill>
-          <a:blip r:embed="rId4">
-            <a:extLst>
-              <a:ext uri="{28A0092B-C50C-407E-A947-70E740481C1C}">
-                <a14:useLocalDpi xmlns:a14="http://schemas.microsoft.com/office/drawing/2010/main" val="0"/>
-              </a:ext>
-            </a:extLst>
-          </a:blip>
-          <a:srcRect l="6602" r="1" b="1"/>
-          <a:stretch/>
+          <a:blip r:embed="rId3"/>
+          <a:stretch>
+            <a:fillRect/>
+          </a:stretch>
         </p:blipFill>
-        <p:spPr bwMode="auto">
+        <p:spPr>
           <a:xfrm>
-            <a:off x="6141722" y="1"/>
-            <a:ext cx="6050278" cy="3400925"/>
-          </a:xfrm>
-          <a:custGeom>
-            <a:avLst/>
-            <a:gdLst/>
-            <a:ahLst/>
-            <a:cxnLst/>
-            <a:rect l="l" t="t" r="r" b="b"/>
-            <a:pathLst>
-              <a:path w="6050278" h="3400925">
-                <a:moveTo>
-                  <a:pt x="0" y="0"/>
-                </a:moveTo>
-                <a:lnTo>
-                  <a:pt x="6050278" y="0"/>
-                </a:lnTo>
-                <a:lnTo>
-                  <a:pt x="6050278" y="3400925"/>
-                </a:lnTo>
-                <a:lnTo>
-                  <a:pt x="2157982" y="3400925"/>
-                </a:lnTo>
-                <a:lnTo>
-                  <a:pt x="2157982" y="1827306"/>
-                </a:lnTo>
-                <a:lnTo>
-                  <a:pt x="0" y="1827306"/>
-                </a:lnTo>
-                <a:close/>
-              </a:path>
-            </a:pathLst>
-          </a:custGeom>
-          <a:noFill/>
-          <a:extLst>
-            <a:ext uri="{909E8E84-426E-40DD-AFC4-6F175D3DCCD1}">
-              <a14:hiddenFill xmlns:a14="http://schemas.microsoft.com/office/drawing/2010/main">
-                <a:solidFill>
-                  <a:srgbClr val="FFFFFF"/>
-                </a:solidFill>
-              </a14:hiddenFill>
-            </a:ext>
-          </a:extLst>
-        </p:spPr>
-      </p:pic>
-      <p:pic>
-        <p:nvPicPr>
-          <p:cNvPr id="1036" name="Picture 12" descr="Here's what I learned at the world's biggest React conference">
-            <a:extLst>
-              <a:ext uri="{FF2B5EF4-FFF2-40B4-BE49-F238E27FC236}">
-                <a16:creationId xmlns:a16="http://schemas.microsoft.com/office/drawing/2014/main" id="{62EF3BE9-78E6-8041-ABE3-D4A9ADEF6DCB}"/>
-              </a:ext>
-            </a:extLst>
-          </p:cNvPr>
-          <p:cNvPicPr>
-            <a:picLocks noChangeAspect="1" noChangeArrowheads="1"/>
-          </p:cNvPicPr>
-          <p:nvPr/>
-        </p:nvPicPr>
-        <p:blipFill>
-          <a:blip r:embed="rId5">
-            <a:extLst>
-              <a:ext uri="{28A0092B-C50C-407E-A947-70E740481C1C}">
-                <a14:useLocalDpi xmlns:a14="http://schemas.microsoft.com/office/drawing/2010/main" val="0"/>
-              </a:ext>
-            </a:extLst>
-          </a:blip>
-          <a:srcRect t="16582" r="2" b="2"/>
-          <a:stretch/>
-        </p:blipFill>
-        <p:spPr bwMode="auto">
-          <a:xfrm>
-            <a:off x="20" y="3489159"/>
-            <a:ext cx="6050258" cy="3368841"/>
-          </a:xfrm>
-          <a:custGeom>
-            <a:avLst/>
-            <a:gdLst/>
-            <a:ahLst/>
-            <a:cxnLst/>
-            <a:rect l="l" t="t" r="r" b="b"/>
-            <a:pathLst>
-              <a:path w="6050278" h="3368841">
-                <a:moveTo>
-                  <a:pt x="0" y="0"/>
-                </a:moveTo>
-                <a:lnTo>
-                  <a:pt x="3892296" y="0"/>
-                </a:lnTo>
-                <a:lnTo>
-                  <a:pt x="3892296" y="1541535"/>
-                </a:lnTo>
-                <a:lnTo>
-                  <a:pt x="6050278" y="1541535"/>
-                </a:lnTo>
-                <a:lnTo>
-                  <a:pt x="6050278" y="3368841"/>
-                </a:lnTo>
-                <a:lnTo>
-                  <a:pt x="0" y="3368841"/>
-                </a:lnTo>
-                <a:close/>
-              </a:path>
-            </a:pathLst>
-          </a:custGeom>
-          <a:noFill/>
-          <a:extLst>
-            <a:ext uri="{909E8E84-426E-40DD-AFC4-6F175D3DCCD1}">
-              <a14:hiddenFill xmlns:a14="http://schemas.microsoft.com/office/drawing/2010/main">
-                <a:solidFill>
-                  <a:srgbClr val="FFFFFF"/>
-                </a:solidFill>
-              </a14:hiddenFill>
-            </a:ext>
-          </a:extLst>
-        </p:spPr>
-      </p:pic>
-      <p:pic>
-        <p:nvPicPr>
-          <p:cNvPr id="1030" name="Picture 6" descr="React JS Melbourne - February Meetup — Kogan.com Dev Blog">
-            <a:extLst>
-              <a:ext uri="{FF2B5EF4-FFF2-40B4-BE49-F238E27FC236}">
-                <a16:creationId xmlns:a16="http://schemas.microsoft.com/office/drawing/2014/main" id="{2D066004-6A9F-92C1-754F-9F5A7986CA02}"/>
-              </a:ext>
-            </a:extLst>
-          </p:cNvPr>
-          <p:cNvPicPr>
-            <a:picLocks noChangeAspect="1" noChangeArrowheads="1"/>
-          </p:cNvPicPr>
-          <p:nvPr/>
-        </p:nvPicPr>
-        <p:blipFill>
-          <a:blip r:embed="rId6">
-            <a:extLst>
-              <a:ext uri="{28A0092B-C50C-407E-A947-70E740481C1C}">
-                <a14:useLocalDpi xmlns:a14="http://schemas.microsoft.com/office/drawing/2010/main" val="0"/>
-              </a:ext>
-            </a:extLst>
-          </a:blip>
-          <a:srcRect t="20171" r="2" b="2"/>
-          <a:stretch/>
-        </p:blipFill>
-        <p:spPr bwMode="auto">
-          <a:xfrm>
-            <a:off x="6141722" y="3489159"/>
-            <a:ext cx="6050278" cy="3368841"/>
-          </a:xfrm>
-          <a:custGeom>
-            <a:avLst/>
-            <a:gdLst/>
-            <a:ahLst/>
-            <a:cxnLst/>
-            <a:rect l="l" t="t" r="r" b="b"/>
-            <a:pathLst>
-              <a:path w="6050278" h="3368841">
-                <a:moveTo>
-                  <a:pt x="2157982" y="0"/>
-                </a:moveTo>
-                <a:lnTo>
-                  <a:pt x="6050278" y="0"/>
-                </a:lnTo>
-                <a:lnTo>
-                  <a:pt x="6050278" y="3368841"/>
-                </a:lnTo>
-                <a:lnTo>
-                  <a:pt x="0" y="3368841"/>
-                </a:lnTo>
-                <a:lnTo>
-                  <a:pt x="0" y="1541535"/>
-                </a:lnTo>
-                <a:lnTo>
-                  <a:pt x="2157982" y="1541535"/>
-                </a:lnTo>
-                <a:close/>
-              </a:path>
-            </a:pathLst>
-          </a:custGeom>
-          <a:noFill/>
-          <a:extLst>
-            <a:ext uri="{909E8E84-426E-40DD-AFC4-6F175D3DCCD1}">
-              <a14:hiddenFill xmlns:a14="http://schemas.microsoft.com/office/drawing/2010/main">
-                <a:solidFill>
-                  <a:srgbClr val="FFFFFF"/>
-                </a:solidFill>
-              </a14:hiddenFill>
-            </a:ext>
-          </a:extLst>
-        </p:spPr>
-      </p:pic>
-      <p:pic>
-        <p:nvPicPr>
-          <p:cNvPr id="1038" name="Picture 14" descr="We'll be giving out Open Source Awards at this year's React Amsterdam 🏆 |  by React Summit | Medium">
-            <a:extLst>
-              <a:ext uri="{FF2B5EF4-FFF2-40B4-BE49-F238E27FC236}">
-                <a16:creationId xmlns:a16="http://schemas.microsoft.com/office/drawing/2014/main" id="{E48AE5E9-A36E-8B21-A7CA-40B0B66E132A}"/>
-              </a:ext>
-            </a:extLst>
-          </p:cNvPr>
-          <p:cNvPicPr>
-            <a:picLocks noChangeAspect="1" noChangeArrowheads="1"/>
-          </p:cNvPicPr>
-          <p:nvPr/>
-        </p:nvPicPr>
-        <p:blipFill>
-          <a:blip r:embed="rId7">
-            <a:extLst>
-              <a:ext uri="{28A0092B-C50C-407E-A947-70E740481C1C}">
-                <a14:useLocalDpi xmlns:a14="http://schemas.microsoft.com/office/drawing/2010/main" val="0"/>
-              </a:ext>
-            </a:extLst>
-          </a:blip>
-          <a:srcRect l="6649" r="4" b="4"/>
-          <a:stretch/>
-        </p:blipFill>
-        <p:spPr bwMode="auto">
-          <a:xfrm>
-            <a:off x="3983736" y="1918638"/>
-            <a:ext cx="4224528" cy="3020725"/>
+            <a:off x="5878755" y="1139330"/>
+            <a:ext cx="5815035" cy="4579339"/>
           </a:xfrm>
           <a:prstGeom prst="rect">
             <a:avLst/>
           </a:prstGeom>
-          <a:noFill/>
-          <a:extLst>
-            <a:ext uri="{909E8E84-426E-40DD-AFC4-6F175D3DCCD1}">
-              <a14:hiddenFill xmlns:a14="http://schemas.microsoft.com/office/drawing/2010/main">
-                <a:solidFill>
-                  <a:srgbClr val="FFFFFF"/>
-                </a:solidFill>
-              </a14:hiddenFill>
-            </a:ext>
-          </a:extLst>
         </p:spPr>
       </p:pic>
     </p:spTree>
     <p:extLst>
       <p:ext uri="{BB962C8B-B14F-4D97-AF65-F5344CB8AC3E}">
-        <p14:creationId xmlns:p14="http://schemas.microsoft.com/office/powerpoint/2010/main" val="3346774127"/>
+        <p14:creationId xmlns:p14="http://schemas.microsoft.com/office/powerpoint/2010/main" val="637466271"/>
       </p:ext>
     </p:extLst>
   </p:cSld>
@@ -5451,511 +4228,6 @@
 </file>
 
 <file path=ppt/slides/slide5.xml><?xml version="1.0" encoding="utf-8"?>
-<p:sld xmlns:a="http://schemas.openxmlformats.org/drawingml/2006/main" xmlns:r="http://schemas.openxmlformats.org/officeDocument/2006/relationships" xmlns:p="http://schemas.openxmlformats.org/presentationml/2006/main">
-  <p:cSld>
-    <p:bg>
-      <p:bgPr>
-        <a:solidFill>
-          <a:schemeClr val="bg1"/>
-        </a:solidFill>
-        <a:effectLst/>
-      </p:bgPr>
-    </p:bg>
-    <p:spTree>
-      <p:nvGrpSpPr>
-        <p:cNvPr id="1" name=""/>
-        <p:cNvGrpSpPr/>
-        <p:nvPr/>
-      </p:nvGrpSpPr>
-      <p:grpSpPr>
-        <a:xfrm>
-          <a:off x="0" y="0"/>
-          <a:ext cx="0" cy="0"/>
-          <a:chOff x="0" y="0"/>
-          <a:chExt cx="0" cy="0"/>
-        </a:xfrm>
-      </p:grpSpPr>
-      <p:sp>
-        <p:nvSpPr>
-          <p:cNvPr id="8" name="Rectangle 7">
-            <a:extLst>
-              <a:ext uri="{FF2B5EF4-FFF2-40B4-BE49-F238E27FC236}">
-                <a16:creationId xmlns:a16="http://schemas.microsoft.com/office/drawing/2014/main" id="{42A4FC2C-047E-45A5-965D-8E1E3BF09BC6}"/>
-              </a:ext>
-              <a:ext uri="{C183D7F6-B498-43B3-948B-1728B52AA6E4}">
-                <adec:decorative xmlns:adec="http://schemas.microsoft.com/office/drawing/2017/decorative" val="1"/>
-              </a:ext>
-            </a:extLst>
-          </p:cNvPr>
-          <p:cNvSpPr>
-            <a:spLocks noGrp="1" noRot="1" noChangeAspect="1" noMove="1" noResize="1" noEditPoints="1" noAdjustHandles="1" noChangeArrowheads="1" noChangeShapeType="1" noTextEdit="1"/>
-          </p:cNvSpPr>
-          <p:nvPr>
-            <p:extLst>
-              <p:ext uri="{386F3935-93C4-4BCD-93E2-E3B085C9AB24}">
-                <p16:designElem xmlns:p16="http://schemas.microsoft.com/office/powerpoint/2015/main" val="1"/>
-              </p:ext>
-            </p:extLst>
-          </p:nvPr>
-        </p:nvSpPr>
-        <p:spPr bwMode="white">
-          <a:xfrm>
-            <a:off x="1524" y="0"/>
-            <a:ext cx="12188952" cy="6858000"/>
-          </a:xfrm>
-          <a:prstGeom prst="rect">
-            <a:avLst/>
-          </a:prstGeom>
-          <a:noFill/>
-          <a:ln>
-            <a:noFill/>
-          </a:ln>
-        </p:spPr>
-        <p:style>
-          <a:lnRef idx="2">
-            <a:schemeClr val="accent1">
-              <a:shade val="50000"/>
-            </a:schemeClr>
-          </a:lnRef>
-          <a:fillRef idx="1">
-            <a:schemeClr val="accent1"/>
-          </a:fillRef>
-          <a:effectRef idx="0">
-            <a:schemeClr val="accent1"/>
-          </a:effectRef>
-          <a:fontRef idx="minor">
-            <a:schemeClr val="lt1"/>
-          </a:fontRef>
-        </p:style>
-        <p:txBody>
-          <a:bodyPr rtlCol="0" anchor="ctr"/>
-          <a:lstStyle>
-            <a:defPPr>
-              <a:defRPr lang="en-US"/>
-            </a:defPPr>
-            <a:lvl1pPr marL="0" algn="l" defTabSz="914400" rtl="0" eaLnBrk="1" latinLnBrk="0" hangingPunct="1">
-              <a:defRPr sz="1800" kern="1200">
-                <a:solidFill>
-                  <a:schemeClr val="lt1"/>
-                </a:solidFill>
-                <a:latin typeface="+mn-lt"/>
-                <a:ea typeface="+mn-ea"/>
-                <a:cs typeface="+mn-cs"/>
-              </a:defRPr>
-            </a:lvl1pPr>
-            <a:lvl2pPr marL="457200" algn="l" defTabSz="914400" rtl="0" eaLnBrk="1" latinLnBrk="0" hangingPunct="1">
-              <a:defRPr sz="1800" kern="1200">
-                <a:solidFill>
-                  <a:schemeClr val="lt1"/>
-                </a:solidFill>
-                <a:latin typeface="+mn-lt"/>
-                <a:ea typeface="+mn-ea"/>
-                <a:cs typeface="+mn-cs"/>
-              </a:defRPr>
-            </a:lvl2pPr>
-            <a:lvl3pPr marL="914400" algn="l" defTabSz="914400" rtl="0" eaLnBrk="1" latinLnBrk="0" hangingPunct="1">
-              <a:defRPr sz="1800" kern="1200">
-                <a:solidFill>
-                  <a:schemeClr val="lt1"/>
-                </a:solidFill>
-                <a:latin typeface="+mn-lt"/>
-                <a:ea typeface="+mn-ea"/>
-                <a:cs typeface="+mn-cs"/>
-              </a:defRPr>
-            </a:lvl3pPr>
-            <a:lvl4pPr marL="1371600" algn="l" defTabSz="914400" rtl="0" eaLnBrk="1" latinLnBrk="0" hangingPunct="1">
-              <a:defRPr sz="1800" kern="1200">
-                <a:solidFill>
-                  <a:schemeClr val="lt1"/>
-                </a:solidFill>
-                <a:latin typeface="+mn-lt"/>
-                <a:ea typeface="+mn-ea"/>
-                <a:cs typeface="+mn-cs"/>
-              </a:defRPr>
-            </a:lvl4pPr>
-            <a:lvl5pPr marL="1828800" algn="l" defTabSz="914400" rtl="0" eaLnBrk="1" latinLnBrk="0" hangingPunct="1">
-              <a:defRPr sz="1800" kern="1200">
-                <a:solidFill>
-                  <a:schemeClr val="lt1"/>
-                </a:solidFill>
-                <a:latin typeface="+mn-lt"/>
-                <a:ea typeface="+mn-ea"/>
-                <a:cs typeface="+mn-cs"/>
-              </a:defRPr>
-            </a:lvl5pPr>
-            <a:lvl6pPr marL="2286000" algn="l" defTabSz="914400" rtl="0" eaLnBrk="1" latinLnBrk="0" hangingPunct="1">
-              <a:defRPr sz="1800" kern="1200">
-                <a:solidFill>
-                  <a:schemeClr val="lt1"/>
-                </a:solidFill>
-                <a:latin typeface="+mn-lt"/>
-                <a:ea typeface="+mn-ea"/>
-                <a:cs typeface="+mn-cs"/>
-              </a:defRPr>
-            </a:lvl6pPr>
-            <a:lvl7pPr marL="2743200" algn="l" defTabSz="914400" rtl="0" eaLnBrk="1" latinLnBrk="0" hangingPunct="1">
-              <a:defRPr sz="1800" kern="1200">
-                <a:solidFill>
-                  <a:schemeClr val="lt1"/>
-                </a:solidFill>
-                <a:latin typeface="+mn-lt"/>
-                <a:ea typeface="+mn-ea"/>
-                <a:cs typeface="+mn-cs"/>
-              </a:defRPr>
-            </a:lvl7pPr>
-            <a:lvl8pPr marL="3200400" algn="l" defTabSz="914400" rtl="0" eaLnBrk="1" latinLnBrk="0" hangingPunct="1">
-              <a:defRPr sz="1800" kern="1200">
-                <a:solidFill>
-                  <a:schemeClr val="lt1"/>
-                </a:solidFill>
-                <a:latin typeface="+mn-lt"/>
-                <a:ea typeface="+mn-ea"/>
-                <a:cs typeface="+mn-cs"/>
-              </a:defRPr>
-            </a:lvl8pPr>
-            <a:lvl9pPr marL="3657600" algn="l" defTabSz="914400" rtl="0" eaLnBrk="1" latinLnBrk="0" hangingPunct="1">
-              <a:defRPr sz="1800" kern="1200">
-                <a:solidFill>
-                  <a:schemeClr val="lt1"/>
-                </a:solidFill>
-                <a:latin typeface="+mn-lt"/>
-                <a:ea typeface="+mn-ea"/>
-                <a:cs typeface="+mn-cs"/>
-              </a:defRPr>
-            </a:lvl9pPr>
-          </a:lstStyle>
-          <a:p>
-            <a:pPr algn="ctr"/>
-            <a:endParaRPr lang="en-US"/>
-          </a:p>
-        </p:txBody>
-      </p:sp>
-      <p:pic>
-        <p:nvPicPr>
-          <p:cNvPr id="3" name="Picture 2" descr="A graph with different icons&#10;&#10;Description automatically generated with medium confidence">
-            <a:extLst>
-              <a:ext uri="{FF2B5EF4-FFF2-40B4-BE49-F238E27FC236}">
-                <a16:creationId xmlns:a16="http://schemas.microsoft.com/office/drawing/2014/main" id="{671DC78F-E0C2-A0DA-CAB4-A089AEE8AA02}"/>
-              </a:ext>
-            </a:extLst>
-          </p:cNvPr>
-          <p:cNvPicPr>
-            <a:picLocks noChangeAspect="1"/>
-          </p:cNvPicPr>
-          <p:nvPr/>
-        </p:nvPicPr>
-        <p:blipFill>
-          <a:blip r:embed="rId2"/>
-          <a:srcRect t="1765"/>
-          <a:stretch/>
-        </p:blipFill>
-        <p:spPr>
-          <a:xfrm>
-            <a:off x="20" y="1282"/>
-            <a:ext cx="12191980" cy="6856718"/>
-          </a:xfrm>
-          <a:prstGeom prst="rect">
-            <a:avLst/>
-          </a:prstGeom>
-        </p:spPr>
-      </p:pic>
-    </p:spTree>
-    <p:extLst>
-      <p:ext uri="{BB962C8B-B14F-4D97-AF65-F5344CB8AC3E}">
-        <p14:creationId xmlns:p14="http://schemas.microsoft.com/office/powerpoint/2010/main" val="2328724988"/>
-      </p:ext>
-    </p:extLst>
-  </p:cSld>
-  <p:clrMapOvr>
-    <a:masterClrMapping/>
-  </p:clrMapOvr>
-</p:sld>
-</file>
-
-<file path=ppt/slides/slide6.xml><?xml version="1.0" encoding="utf-8"?>
-<p:sld xmlns:a="http://schemas.openxmlformats.org/drawingml/2006/main" xmlns:r="http://schemas.openxmlformats.org/officeDocument/2006/relationships" xmlns:p="http://schemas.openxmlformats.org/presentationml/2006/main">
-  <p:cSld>
-    <p:bg>
-      <p:bgPr>
-        <a:solidFill>
-          <a:schemeClr val="bg1"/>
-        </a:solidFill>
-        <a:effectLst/>
-      </p:bgPr>
-    </p:bg>
-    <p:spTree>
-      <p:nvGrpSpPr>
-        <p:cNvPr id="1" name=""/>
-        <p:cNvGrpSpPr/>
-        <p:nvPr/>
-      </p:nvGrpSpPr>
-      <p:grpSpPr>
-        <a:xfrm>
-          <a:off x="0" y="0"/>
-          <a:ext cx="0" cy="0"/>
-          <a:chOff x="0" y="0"/>
-          <a:chExt cx="0" cy="0"/>
-        </a:xfrm>
-      </p:grpSpPr>
-      <p:sp>
-        <p:nvSpPr>
-          <p:cNvPr id="2061" name="Rectangle 2060">
-            <a:extLst>
-              <a:ext uri="{FF2B5EF4-FFF2-40B4-BE49-F238E27FC236}">
-                <a16:creationId xmlns:a16="http://schemas.microsoft.com/office/drawing/2014/main" id="{42A4FC2C-047E-45A5-965D-8E1E3BF09BC6}"/>
-              </a:ext>
-              <a:ext uri="{C183D7F6-B498-43B3-948B-1728B52AA6E4}">
-                <adec:decorative xmlns:adec="http://schemas.microsoft.com/office/drawing/2017/decorative" val="1"/>
-              </a:ext>
-            </a:extLst>
-          </p:cNvPr>
-          <p:cNvSpPr>
-            <a:spLocks noGrp="1" noRot="1" noChangeAspect="1" noMove="1" noResize="1" noEditPoints="1" noAdjustHandles="1" noChangeArrowheads="1" noChangeShapeType="1" noTextEdit="1"/>
-          </p:cNvSpPr>
-          <p:nvPr>
-            <p:extLst>
-              <p:ext uri="{386F3935-93C4-4BCD-93E2-E3B085C9AB24}">
-                <p16:designElem xmlns:p16="http://schemas.microsoft.com/office/powerpoint/2015/main" val="1"/>
-              </p:ext>
-            </p:extLst>
-          </p:nvPr>
-        </p:nvSpPr>
-        <p:spPr bwMode="white">
-          <a:xfrm>
-            <a:off x="1524" y="0"/>
-            <a:ext cx="12188952" cy="6858000"/>
-          </a:xfrm>
-          <a:prstGeom prst="rect">
-            <a:avLst/>
-          </a:prstGeom>
-          <a:noFill/>
-          <a:ln>
-            <a:noFill/>
-          </a:ln>
-        </p:spPr>
-        <p:style>
-          <a:lnRef idx="2">
-            <a:schemeClr val="accent1">
-              <a:shade val="50000"/>
-            </a:schemeClr>
-          </a:lnRef>
-          <a:fillRef idx="1">
-            <a:schemeClr val="accent1"/>
-          </a:fillRef>
-          <a:effectRef idx="0">
-            <a:schemeClr val="accent1"/>
-          </a:effectRef>
-          <a:fontRef idx="minor">
-            <a:schemeClr val="lt1"/>
-          </a:fontRef>
-        </p:style>
-        <p:txBody>
-          <a:bodyPr rtlCol="0" anchor="ctr"/>
-          <a:lstStyle>
-            <a:defPPr>
-              <a:defRPr lang="en-US"/>
-            </a:defPPr>
-            <a:lvl1pPr marL="0" algn="l" defTabSz="914400" rtl="0" eaLnBrk="1" latinLnBrk="0" hangingPunct="1">
-              <a:defRPr sz="1800" kern="1200">
-                <a:solidFill>
-                  <a:schemeClr val="lt1"/>
-                </a:solidFill>
-                <a:latin typeface="+mn-lt"/>
-                <a:ea typeface="+mn-ea"/>
-                <a:cs typeface="+mn-cs"/>
-              </a:defRPr>
-            </a:lvl1pPr>
-            <a:lvl2pPr marL="457200" algn="l" defTabSz="914400" rtl="0" eaLnBrk="1" latinLnBrk="0" hangingPunct="1">
-              <a:defRPr sz="1800" kern="1200">
-                <a:solidFill>
-                  <a:schemeClr val="lt1"/>
-                </a:solidFill>
-                <a:latin typeface="+mn-lt"/>
-                <a:ea typeface="+mn-ea"/>
-                <a:cs typeface="+mn-cs"/>
-              </a:defRPr>
-            </a:lvl2pPr>
-            <a:lvl3pPr marL="914400" algn="l" defTabSz="914400" rtl="0" eaLnBrk="1" latinLnBrk="0" hangingPunct="1">
-              <a:defRPr sz="1800" kern="1200">
-                <a:solidFill>
-                  <a:schemeClr val="lt1"/>
-                </a:solidFill>
-                <a:latin typeface="+mn-lt"/>
-                <a:ea typeface="+mn-ea"/>
-                <a:cs typeface="+mn-cs"/>
-              </a:defRPr>
-            </a:lvl3pPr>
-            <a:lvl4pPr marL="1371600" algn="l" defTabSz="914400" rtl="0" eaLnBrk="1" latinLnBrk="0" hangingPunct="1">
-              <a:defRPr sz="1800" kern="1200">
-                <a:solidFill>
-                  <a:schemeClr val="lt1"/>
-                </a:solidFill>
-                <a:latin typeface="+mn-lt"/>
-                <a:ea typeface="+mn-ea"/>
-                <a:cs typeface="+mn-cs"/>
-              </a:defRPr>
-            </a:lvl4pPr>
-            <a:lvl5pPr marL="1828800" algn="l" defTabSz="914400" rtl="0" eaLnBrk="1" latinLnBrk="0" hangingPunct="1">
-              <a:defRPr sz="1800" kern="1200">
-                <a:solidFill>
-                  <a:schemeClr val="lt1"/>
-                </a:solidFill>
-                <a:latin typeface="+mn-lt"/>
-                <a:ea typeface="+mn-ea"/>
-                <a:cs typeface="+mn-cs"/>
-              </a:defRPr>
-            </a:lvl5pPr>
-            <a:lvl6pPr marL="2286000" algn="l" defTabSz="914400" rtl="0" eaLnBrk="1" latinLnBrk="0" hangingPunct="1">
-              <a:defRPr sz="1800" kern="1200">
-                <a:solidFill>
-                  <a:schemeClr val="lt1"/>
-                </a:solidFill>
-                <a:latin typeface="+mn-lt"/>
-                <a:ea typeface="+mn-ea"/>
-                <a:cs typeface="+mn-cs"/>
-              </a:defRPr>
-            </a:lvl6pPr>
-            <a:lvl7pPr marL="2743200" algn="l" defTabSz="914400" rtl="0" eaLnBrk="1" latinLnBrk="0" hangingPunct="1">
-              <a:defRPr sz="1800" kern="1200">
-                <a:solidFill>
-                  <a:schemeClr val="lt1"/>
-                </a:solidFill>
-                <a:latin typeface="+mn-lt"/>
-                <a:ea typeface="+mn-ea"/>
-                <a:cs typeface="+mn-cs"/>
-              </a:defRPr>
-            </a:lvl7pPr>
-            <a:lvl8pPr marL="3200400" algn="l" defTabSz="914400" rtl="0" eaLnBrk="1" latinLnBrk="0" hangingPunct="1">
-              <a:defRPr sz="1800" kern="1200">
-                <a:solidFill>
-                  <a:schemeClr val="lt1"/>
-                </a:solidFill>
-                <a:latin typeface="+mn-lt"/>
-                <a:ea typeface="+mn-ea"/>
-                <a:cs typeface="+mn-cs"/>
-              </a:defRPr>
-            </a:lvl8pPr>
-            <a:lvl9pPr marL="3657600" algn="l" defTabSz="914400" rtl="0" eaLnBrk="1" latinLnBrk="0" hangingPunct="1">
-              <a:defRPr sz="1800" kern="1200">
-                <a:solidFill>
-                  <a:schemeClr val="lt1"/>
-                </a:solidFill>
-                <a:latin typeface="+mn-lt"/>
-                <a:ea typeface="+mn-ea"/>
-                <a:cs typeface="+mn-cs"/>
-              </a:defRPr>
-            </a:lvl9pPr>
-          </a:lstStyle>
-          <a:p>
-            <a:pPr algn="ctr"/>
-            <a:endParaRPr lang="en-US"/>
-          </a:p>
-        </p:txBody>
-      </p:sp>
-      <p:pic>
-        <p:nvPicPr>
-          <p:cNvPr id="2056" name="Picture 8" descr="A couple of people holding a whiteboard and a whiteboard&#10;&#10;Description automatically generated with medium confidence">
-            <a:extLst>
-              <a:ext uri="{FF2B5EF4-FFF2-40B4-BE49-F238E27FC236}">
-                <a16:creationId xmlns:a16="http://schemas.microsoft.com/office/drawing/2014/main" id="{628E22BE-E1D1-E581-1840-2A1F4CC9EF91}"/>
-              </a:ext>
-            </a:extLst>
-          </p:cNvPr>
-          <p:cNvPicPr>
-            <a:picLocks noChangeAspect="1" noChangeArrowheads="1"/>
-          </p:cNvPicPr>
-          <p:nvPr/>
-        </p:nvPicPr>
-        <p:blipFill>
-          <a:blip r:embed="rId2">
-            <a:extLst>
-              <a:ext uri="{28A0092B-C50C-407E-A947-70E740481C1C}">
-                <a14:useLocalDpi xmlns:a14="http://schemas.microsoft.com/office/drawing/2010/main" val="0"/>
-              </a:ext>
-            </a:extLst>
-          </a:blip>
-          <a:srcRect t="19"/>
-          <a:stretch/>
-        </p:blipFill>
-        <p:spPr bwMode="auto">
-          <a:xfrm>
-            <a:off x="20" y="1282"/>
-            <a:ext cx="12191980" cy="6856718"/>
-          </a:xfrm>
-          <a:prstGeom prst="rect">
-            <a:avLst/>
-          </a:prstGeom>
-          <a:noFill/>
-          <a:extLst>
-            <a:ext uri="{909E8E84-426E-40DD-AFC4-6F175D3DCCD1}">
-              <a14:hiddenFill xmlns:a14="http://schemas.microsoft.com/office/drawing/2010/main">
-                <a:solidFill>
-                  <a:srgbClr val="FFFFFF"/>
-                </a:solidFill>
-              </a14:hiddenFill>
-            </a:ext>
-          </a:extLst>
-        </p:spPr>
-      </p:pic>
-      <p:sp>
-        <p:nvSpPr>
-          <p:cNvPr id="2" name="AutoShape 2" descr="web and mobile app development">
-            <a:extLst>
-              <a:ext uri="{FF2B5EF4-FFF2-40B4-BE49-F238E27FC236}">
-                <a16:creationId xmlns:a16="http://schemas.microsoft.com/office/drawing/2014/main" id="{9B54D8C9-66CC-6C15-A386-9E388B45E212}"/>
-              </a:ext>
-            </a:extLst>
-          </p:cNvPr>
-          <p:cNvSpPr>
-            <a:spLocks noChangeAspect="1" noChangeArrowheads="1"/>
-          </p:cNvSpPr>
-          <p:nvPr/>
-        </p:nvSpPr>
-        <p:spPr bwMode="auto">
-          <a:xfrm>
-            <a:off x="5943600" y="3276600"/>
-            <a:ext cx="304800" cy="304800"/>
-          </a:xfrm>
-          <a:prstGeom prst="rect">
-            <a:avLst/>
-          </a:prstGeom>
-          <a:noFill/>
-          <a:extLst>
-            <a:ext uri="{909E8E84-426E-40DD-AFC4-6F175D3DCCD1}">
-              <a14:hiddenFill xmlns:a14="http://schemas.microsoft.com/office/drawing/2010/main">
-                <a:solidFill>
-                  <a:srgbClr val="FFFFFF"/>
-                </a:solidFill>
-              </a14:hiddenFill>
-            </a:ext>
-          </a:extLst>
-        </p:spPr>
-        <p:txBody>
-          <a:bodyPr vert="horz" wrap="square" lIns="91440" tIns="45720" rIns="91440" bIns="45720" numCol="1" anchor="t" anchorCtr="0" compatLnSpc="1">
-            <a:prstTxWarp prst="textNoShape">
-              <a:avLst/>
-            </a:prstTxWarp>
-          </a:bodyPr>
-          <a:lstStyle/>
-          <a:p>
-            <a:endParaRPr lang="es-EC"/>
-          </a:p>
-        </p:txBody>
-      </p:sp>
-    </p:spTree>
-    <p:extLst>
-      <p:ext uri="{BB962C8B-B14F-4D97-AF65-F5344CB8AC3E}">
-        <p14:creationId xmlns:p14="http://schemas.microsoft.com/office/powerpoint/2010/main" val="3683263700"/>
-      </p:ext>
-    </p:extLst>
-  </p:cSld>
-  <p:clrMapOvr>
-    <a:masterClrMapping/>
-  </p:clrMapOvr>
-</p:sld>
-</file>
-
-<file path=ppt/slides/slide7.xml><?xml version="1.0" encoding="utf-8"?>
 <p:sld xmlns:a="http://schemas.openxmlformats.org/drawingml/2006/main" xmlns:r="http://schemas.openxmlformats.org/officeDocument/2006/relationships" xmlns:p="http://schemas.openxmlformats.org/presentationml/2006/main">
   <p:cSld>
     <p:spTree>
@@ -5972,70 +4244,133 @@
           <a:chExt cx="0" cy="0"/>
         </a:xfrm>
       </p:grpSpPr>
-      <p:pic>
-        <p:nvPicPr>
-          <p:cNvPr id="11" name="Picture 10">
-            <a:extLst>
-              <a:ext uri="{FF2B5EF4-FFF2-40B4-BE49-F238E27FC236}">
-                <a16:creationId xmlns:a16="http://schemas.microsoft.com/office/drawing/2014/main" id="{C348BBD7-27EB-05B8-F063-72F3F9086E31}"/>
-              </a:ext>
-            </a:extLst>
-          </p:cNvPr>
-          <p:cNvPicPr>
-            <a:picLocks noChangeAspect="1"/>
-          </p:cNvPicPr>
-          <p:nvPr/>
-        </p:nvPicPr>
-        <p:blipFill>
-          <a:blip r:embed="rId2"/>
-          <a:stretch>
-            <a:fillRect/>
-          </a:stretch>
-        </p:blipFill>
-        <p:spPr>
-          <a:xfrm>
-            <a:off x="372537" y="-74"/>
-            <a:ext cx="5551715" cy="6835785"/>
-          </a:xfrm>
-          <a:prstGeom prst="rect">
-            <a:avLst/>
-          </a:prstGeom>
-        </p:spPr>
-      </p:pic>
-      <p:pic>
-        <p:nvPicPr>
-          <p:cNvPr id="13" name="Picture 12">
-            <a:extLst>
-              <a:ext uri="{FF2B5EF4-FFF2-40B4-BE49-F238E27FC236}">
-                <a16:creationId xmlns:a16="http://schemas.microsoft.com/office/drawing/2014/main" id="{D63D8C3E-E7E7-8B6E-F6C1-E352F34C90E1}"/>
-              </a:ext>
-            </a:extLst>
-          </p:cNvPr>
-          <p:cNvPicPr>
-            <a:picLocks noChangeAspect="1"/>
-          </p:cNvPicPr>
-          <p:nvPr/>
-        </p:nvPicPr>
-        <p:blipFill>
-          <a:blip r:embed="rId3"/>
-          <a:stretch>
-            <a:fillRect/>
-          </a:stretch>
-        </p:blipFill>
-        <p:spPr>
-          <a:xfrm>
-            <a:off x="6663356" y="0"/>
-            <a:ext cx="5156107" cy="6858000"/>
-          </a:xfrm>
-          <a:prstGeom prst="rect">
-            <a:avLst/>
-          </a:prstGeom>
-        </p:spPr>
-      </p:pic>
+      <p:sp>
+        <p:nvSpPr>
+          <p:cNvPr id="2" name="Title 1">
+            <a:extLst>
+              <a:ext uri="{FF2B5EF4-FFF2-40B4-BE49-F238E27FC236}">
+                <a16:creationId xmlns:a16="http://schemas.microsoft.com/office/drawing/2014/main" id="{D26F2126-3FD5-5E68-567B-A3C29613AC39}"/>
+              </a:ext>
+            </a:extLst>
+          </p:cNvPr>
+          <p:cNvSpPr>
+            <a:spLocks noGrp="1"/>
+          </p:cNvSpPr>
+          <p:nvPr>
+            <p:ph type="title"/>
+          </p:nvPr>
+        </p:nvSpPr>
+        <p:spPr/>
+        <p:txBody>
+          <a:bodyPr/>
+          <a:lstStyle/>
+          <a:p>
+            <a:r>
+              <a:rPr lang="es-ES_tradnl" dirty="0"/>
+              <a:t>Usando </a:t>
+            </a:r>
+            <a:r>
+              <a:rPr lang="es-ES_tradnl" dirty="0" err="1"/>
+              <a:t>Hooks</a:t>
+            </a:r>
+            <a:endParaRPr lang="es-ES_tradnl" dirty="0"/>
+          </a:p>
+        </p:txBody>
+      </p:sp>
+      <p:sp>
+        <p:nvSpPr>
+          <p:cNvPr id="3" name="Content Placeholder 2">
+            <a:extLst>
+              <a:ext uri="{FF2B5EF4-FFF2-40B4-BE49-F238E27FC236}">
+                <a16:creationId xmlns:a16="http://schemas.microsoft.com/office/drawing/2014/main" id="{B320F7D5-B5C3-D533-424A-F7CA08C4284C}"/>
+              </a:ext>
+            </a:extLst>
+          </p:cNvPr>
+          <p:cNvSpPr>
+            <a:spLocks noGrp="1"/>
+          </p:cNvSpPr>
+          <p:nvPr>
+            <p:ph idx="1"/>
+          </p:nvPr>
+        </p:nvSpPr>
+        <p:spPr/>
+        <p:txBody>
+          <a:bodyPr/>
+          <a:lstStyle/>
+          <a:p>
+            <a:r>
+              <a:rPr lang="es-ES_tradnl" dirty="0"/>
+              <a:t>Crear un nuevo URL “</a:t>
+            </a:r>
+            <a:r>
+              <a:rPr lang="es-ES_tradnl" dirty="0" err="1"/>
+              <a:t>users</a:t>
+            </a:r>
+            <a:r>
+              <a:rPr lang="es-ES_tradnl" dirty="0"/>
+              <a:t>/</a:t>
+            </a:r>
+            <a:r>
+              <a:rPr lang="es-ES_tradnl" dirty="0" err="1"/>
+              <a:t>form</a:t>
+            </a:r>
+            <a:r>
+              <a:rPr lang="es-ES_tradnl" dirty="0"/>
+              <a:t>/:</a:t>
+            </a:r>
+            <a:r>
+              <a:rPr lang="es-ES_tradnl"/>
+              <a:t>index?” </a:t>
+            </a:r>
+            <a:r>
+              <a:rPr lang="es-ES_tradnl" dirty="0"/>
+              <a:t>para una vista de formulario.</a:t>
+            </a:r>
+          </a:p>
+          <a:p>
+            <a:r>
+              <a:rPr lang="es-ES_tradnl" dirty="0"/>
+              <a:t>Crear un formulario para </a:t>
+            </a:r>
+            <a:r>
+              <a:rPr lang="es-ES_tradnl" dirty="0" err="1"/>
+              <a:t>name</a:t>
+            </a:r>
+            <a:r>
+              <a:rPr lang="es-ES_tradnl" dirty="0"/>
+              <a:t>, </a:t>
+            </a:r>
+            <a:r>
+              <a:rPr lang="es-ES_tradnl" dirty="0" err="1"/>
+              <a:t>age</a:t>
+            </a:r>
+            <a:r>
+              <a:rPr lang="es-ES_tradnl" dirty="0"/>
+              <a:t>, </a:t>
+            </a:r>
+            <a:r>
+              <a:rPr lang="es-ES_tradnl" dirty="0" err="1"/>
+              <a:t>city</a:t>
+            </a:r>
+            <a:r>
+              <a:rPr lang="es-ES_tradnl" dirty="0"/>
+              <a:t> y </a:t>
+            </a:r>
+            <a:r>
+              <a:rPr lang="es-ES_tradnl" dirty="0" err="1"/>
+              <a:t>verified</a:t>
+            </a:r>
+            <a:r>
+              <a:rPr lang="es-ES_tradnl" dirty="0"/>
+              <a:t>.</a:t>
+            </a:r>
+          </a:p>
+        </p:txBody>
+      </p:sp>
     </p:spTree>
     <p:extLst>
       <p:ext uri="{BB962C8B-B14F-4D97-AF65-F5344CB8AC3E}">
-        <p14:creationId xmlns:p14="http://schemas.microsoft.com/office/powerpoint/2010/main" val="2322019655"/>
+        <p14:creationId xmlns:p14="http://schemas.microsoft.com/office/powerpoint/2010/main" val="2414382881"/>
       </p:ext>
     </p:extLst>
   </p:cSld>
@@ -6045,7 +4380,7 @@
 </p:sld>
 </file>
 
-<file path=ppt/slides/slide8.xml><?xml version="1.0" encoding="utf-8"?>
+<file path=ppt/slides/slide6.xml><?xml version="1.0" encoding="utf-8"?>
 <p:sld xmlns:a="http://schemas.openxmlformats.org/drawingml/2006/main" xmlns:r="http://schemas.openxmlformats.org/officeDocument/2006/relationships" xmlns:p="http://schemas.openxmlformats.org/presentationml/2006/main">
   <p:cSld>
     <p:spTree>
@@ -6062,128 +4397,107 @@
           <a:chExt cx="0" cy="0"/>
         </a:xfrm>
       </p:grpSpPr>
-      <p:pic>
-        <p:nvPicPr>
-          <p:cNvPr id="3074" name="Picture 2" descr="Writing Semantic HTML - DEV Community">
-            <a:extLst>
-              <a:ext uri="{FF2B5EF4-FFF2-40B4-BE49-F238E27FC236}">
-                <a16:creationId xmlns:a16="http://schemas.microsoft.com/office/drawing/2014/main" id="{6CCD9D0A-7E56-7CDF-A9FA-BA7FB593DB01}"/>
-              </a:ext>
-            </a:extLst>
-          </p:cNvPr>
-          <p:cNvPicPr>
-            <a:picLocks noChangeAspect="1" noChangeArrowheads="1"/>
-          </p:cNvPicPr>
-          <p:nvPr/>
-        </p:nvPicPr>
-        <p:blipFill>
-          <a:blip r:embed="rId2">
-            <a:extLst>
-              <a:ext uri="{28A0092B-C50C-407E-A947-70E740481C1C}">
-                <a14:useLocalDpi xmlns:a14="http://schemas.microsoft.com/office/drawing/2010/main" val="0"/>
-              </a:ext>
-            </a:extLst>
-          </a:blip>
-          <a:srcRect/>
-          <a:stretch>
-            <a:fillRect/>
-          </a:stretch>
-        </p:blipFill>
-        <p:spPr bwMode="auto">
-          <a:xfrm>
-            <a:off x="2981325" y="0"/>
-            <a:ext cx="6227763" cy="6858000"/>
-          </a:xfrm>
-          <a:prstGeom prst="rect">
-            <a:avLst/>
-          </a:prstGeom>
-          <a:noFill/>
-          <a:extLst>
-            <a:ext uri="{909E8E84-426E-40DD-AFC4-6F175D3DCCD1}">
-              <a14:hiddenFill xmlns:a14="http://schemas.microsoft.com/office/drawing/2010/main">
-                <a:solidFill>
-                  <a:srgbClr val="FFFFFF"/>
-                </a:solidFill>
-              </a14:hiddenFill>
-            </a:ext>
-          </a:extLst>
-        </p:spPr>
-      </p:pic>
+      <p:sp>
+        <p:nvSpPr>
+          <p:cNvPr id="2" name="Title 1">
+            <a:extLst>
+              <a:ext uri="{FF2B5EF4-FFF2-40B4-BE49-F238E27FC236}">
+                <a16:creationId xmlns:a16="http://schemas.microsoft.com/office/drawing/2014/main" id="{28B9AE6B-316A-D4DD-7AF2-35DEC011C93B}"/>
+              </a:ext>
+            </a:extLst>
+          </p:cNvPr>
+          <p:cNvSpPr>
+            <a:spLocks noGrp="1"/>
+          </p:cNvSpPr>
+          <p:nvPr>
+            <p:ph type="title"/>
+          </p:nvPr>
+        </p:nvSpPr>
+        <p:spPr/>
+        <p:txBody>
+          <a:bodyPr/>
+          <a:lstStyle/>
+          <a:p>
+            <a:r>
+              <a:rPr lang="es-ES_tradnl" dirty="0"/>
+              <a:t>Práctica</a:t>
+            </a:r>
+          </a:p>
+        </p:txBody>
+      </p:sp>
+      <p:sp>
+        <p:nvSpPr>
+          <p:cNvPr id="3" name="Content Placeholder 2">
+            <a:extLst>
+              <a:ext uri="{FF2B5EF4-FFF2-40B4-BE49-F238E27FC236}">
+                <a16:creationId xmlns:a16="http://schemas.microsoft.com/office/drawing/2014/main" id="{D78E4910-BF98-6609-8268-8E32F0E4C00D}"/>
+              </a:ext>
+            </a:extLst>
+          </p:cNvPr>
+          <p:cNvSpPr>
+            <a:spLocks noGrp="1"/>
+          </p:cNvSpPr>
+          <p:nvPr>
+            <p:ph idx="1"/>
+          </p:nvPr>
+        </p:nvSpPr>
+        <p:spPr/>
+        <p:txBody>
+          <a:bodyPr/>
+          <a:lstStyle/>
+          <a:p>
+            <a:pPr marL="0" indent="0">
+              <a:buNone/>
+            </a:pPr>
+            <a:r>
+              <a:rPr lang="es-ES_tradnl" dirty="0"/>
+              <a:t>Crear un botón en el componente “</a:t>
+            </a:r>
+            <a:r>
+              <a:rPr lang="es-ES_tradnl" dirty="0" err="1"/>
+              <a:t>UserProfile</a:t>
+            </a:r>
+            <a:r>
+              <a:rPr lang="es-ES_tradnl" dirty="0"/>
+              <a:t>” que se llame “Eliminar” de color rojo. Este deberá invocar una nueva función en nuestro </a:t>
+            </a:r>
+            <a:r>
+              <a:rPr lang="es-ES_tradnl" dirty="0" err="1"/>
+              <a:t>DataSource</a:t>
+            </a:r>
+            <a:r>
+              <a:rPr lang="es-ES_tradnl" dirty="0"/>
+              <a:t> “</a:t>
+            </a:r>
+            <a:r>
+              <a:rPr lang="es-ES_tradnl" dirty="0" err="1"/>
+              <a:t>deleteUser</a:t>
+            </a:r>
+            <a:r>
+              <a:rPr lang="es-ES_tradnl" dirty="0"/>
+              <a:t>” que recibe el </a:t>
+            </a:r>
+            <a:r>
+              <a:rPr lang="es-ES_tradnl" dirty="0" err="1"/>
+              <a:t>index</a:t>
+            </a:r>
+            <a:r>
+              <a:rPr lang="es-ES_tradnl" dirty="0"/>
+              <a:t> del usuario y lo elimina de la base de datos.</a:t>
+            </a:r>
+          </a:p>
+          <a:p>
+            <a:pPr marL="0" indent="0">
+              <a:buNone/>
+            </a:pPr>
+            <a:endParaRPr lang="es-ES_tradnl" dirty="0"/>
+          </a:p>
+        </p:txBody>
+      </p:sp>
     </p:spTree>
     <p:extLst>
       <p:ext uri="{BB962C8B-B14F-4D97-AF65-F5344CB8AC3E}">
-        <p14:creationId xmlns:p14="http://schemas.microsoft.com/office/powerpoint/2010/main" val="3182085201"/>
-      </p:ext>
-    </p:extLst>
-  </p:cSld>
-  <p:clrMapOvr>
-    <a:masterClrMapping/>
-  </p:clrMapOvr>
-</p:sld>
-</file>
-
-<file path=ppt/slides/slide9.xml><?xml version="1.0" encoding="utf-8"?>
-<p:sld xmlns:a="http://schemas.openxmlformats.org/drawingml/2006/main" xmlns:r="http://schemas.openxmlformats.org/officeDocument/2006/relationships" xmlns:p="http://schemas.openxmlformats.org/presentationml/2006/main">
-  <p:cSld>
-    <p:spTree>
-      <p:nvGrpSpPr>
-        <p:cNvPr id="1" name=""/>
-        <p:cNvGrpSpPr/>
-        <p:nvPr/>
-      </p:nvGrpSpPr>
-      <p:grpSpPr>
-        <a:xfrm>
-          <a:off x="0" y="0"/>
-          <a:ext cx="0" cy="0"/>
-          <a:chOff x="0" y="0"/>
-          <a:chExt cx="0" cy="0"/>
-        </a:xfrm>
-      </p:grpSpPr>
-      <p:sp>
-        <p:nvSpPr>
-          <p:cNvPr id="2" name="Title 1">
-            <a:extLst>
-              <a:ext uri="{FF2B5EF4-FFF2-40B4-BE49-F238E27FC236}">
-                <a16:creationId xmlns:a16="http://schemas.microsoft.com/office/drawing/2014/main" id="{CB9778FA-2D30-7EA4-3A6A-A815A425D106}"/>
-              </a:ext>
-            </a:extLst>
-          </p:cNvPr>
-          <p:cNvSpPr>
-            <a:spLocks noGrp="1"/>
-          </p:cNvSpPr>
-          <p:nvPr>
-            <p:ph type="title"/>
-          </p:nvPr>
-        </p:nvSpPr>
-        <p:spPr/>
-        <p:txBody>
-          <a:bodyPr/>
-          <a:lstStyle/>
-          <a:p>
-            <a:r>
-              <a:rPr lang="en-US" dirty="0"/>
-              <a:t>Mi primer </a:t>
-            </a:r>
-            <a:r>
-              <a:rPr lang="en-US" dirty="0" err="1"/>
-              <a:t>proyecto</a:t>
-            </a:r>
-            <a:r>
-              <a:rPr lang="en-US" dirty="0"/>
-              <a:t> </a:t>
-            </a:r>
-            <a:r>
-              <a:rPr lang="en-US" dirty="0" err="1"/>
-              <a:t>ReactJs</a:t>
-            </a:r>
-            <a:endParaRPr lang="es-EC" dirty="0"/>
-          </a:p>
-        </p:txBody>
-      </p:sp>
-    </p:spTree>
-    <p:extLst>
-      <p:ext uri="{BB962C8B-B14F-4D97-AF65-F5344CB8AC3E}">
-        <p14:creationId xmlns:p14="http://schemas.microsoft.com/office/powerpoint/2010/main" val="1997273396"/>
+        <p14:creationId xmlns:p14="http://schemas.microsoft.com/office/powerpoint/2010/main" val="940038753"/>
       </p:ext>
     </p:extLst>
   </p:cSld>
@@ -6824,6 +5138,15 @@
 </file>
 
 <file path=customXml/item1.xml><?xml version="1.0" encoding="utf-8"?>
+<?mso-contentType ?>
+<FormTemplates xmlns="http://schemas.microsoft.com/sharepoint/v3/contenttype/forms">
+  <Display>DocumentLibraryForm</Display>
+  <Edit>DocumentLibraryForm</Edit>
+  <New>DocumentLibraryForm</New>
+</FormTemplates>
+</file>
+
+<file path=customXml/item2.xml><?xml version="1.0" encoding="utf-8"?>
 <ct:contentTypeSchema xmlns:ct="http://schemas.microsoft.com/office/2006/metadata/contentType" xmlns:ma="http://schemas.microsoft.com/office/2006/metadata/properties/metaAttributes" ct:_="" ma:_="" ma:contentTypeName="Documento" ma:contentTypeID="0x0101000ABC46EDA268834388609BD5B286F917" ma:contentTypeVersion="17" ma:contentTypeDescription="Crear nuevo documento." ma:contentTypeScope="" ma:versionID="b8ef759d716670bba47381dcbb7cab08">
   <xsd:schema xmlns:xsd="http://www.w3.org/2001/XMLSchema" xmlns:xs="http://www.w3.org/2001/XMLSchema" xmlns:p="http://schemas.microsoft.com/office/2006/metadata/properties" xmlns:ns3="98b3f1ad-107c-497c-bb15-64aaebc89f52" xmlns:ns4="a0690ee9-4047-4223-84b2-6b02f926f5d8" targetNamespace="http://schemas.microsoft.com/office/2006/metadata/properties" ma:root="true" ma:fieldsID="f0548e293e02a81e2d97140f47270d75" ns3:_="" ns4:_="">
     <xsd:import namespace="98b3f1ad-107c-497c-bb15-64aaebc89f52"/>
@@ -7070,15 +5393,6 @@
 </ct:contentTypeSchema>
 </file>
 
-<file path=customXml/item2.xml><?xml version="1.0" encoding="utf-8"?>
-<?mso-contentType ?>
-<FormTemplates xmlns="http://schemas.microsoft.com/sharepoint/v3/contenttype/forms">
-  <Display>DocumentLibraryForm</Display>
-  <Edit>DocumentLibraryForm</Edit>
-  <New>DocumentLibraryForm</New>
-</FormTemplates>
-</file>
-
 <file path=customXml/item3.xml><?xml version="1.0" encoding="utf-8"?>
 <p:properties xmlns:p="http://schemas.microsoft.com/office/2006/metadata/properties" xmlns:xsi="http://www.w3.org/2001/XMLSchema-instance" xmlns:pc="http://schemas.microsoft.com/office/infopath/2007/PartnerControls">
   <documentManagement>
@@ -7088,6 +5402,14 @@
 </file>
 
 <file path=customXml/itemProps1.xml><?xml version="1.0" encoding="utf-8"?>
+<ds:datastoreItem xmlns:ds="http://schemas.openxmlformats.org/officeDocument/2006/customXml" ds:itemID="{F5C501D5-0101-419A-AFBB-D8F04111C142}">
+  <ds:schemaRefs>
+    <ds:schemaRef ds:uri="http://schemas.microsoft.com/sharepoint/v3/contenttype/forms"/>
+  </ds:schemaRefs>
+</ds:datastoreItem>
+</file>
+
+<file path=customXml/itemProps2.xml><?xml version="1.0" encoding="utf-8"?>
 <ds:datastoreItem xmlns:ds="http://schemas.openxmlformats.org/officeDocument/2006/customXml" ds:itemID="{3FCEF456-3233-44D6-BC5A-12E8FD4D2764}">
   <ds:schemaRefs>
     <ds:schemaRef ds:uri="http://schemas.microsoft.com/office/2006/metadata/contentType"/>
@@ -7102,14 +5424,6 @@
     <ds:schemaRef ds:uri="http://purl.org/dc/elements/1.1/"/>
     <ds:schemaRef ds:uri="http://purl.org/dc/terms/"/>
     <ds:schemaRef ds:uri="http://schemas.microsoft.com/internal/obd"/>
-  </ds:schemaRefs>
-</ds:datastoreItem>
-</file>
-
-<file path=customXml/itemProps2.xml><?xml version="1.0" encoding="utf-8"?>
-<ds:datastoreItem xmlns:ds="http://schemas.openxmlformats.org/officeDocument/2006/customXml" ds:itemID="{F5C501D5-0101-419A-AFBB-D8F04111C142}">
-  <ds:schemaRefs>
-    <ds:schemaRef ds:uri="http://schemas.microsoft.com/sharepoint/v3/contenttype/forms"/>
   </ds:schemaRefs>
 </ds:datastoreItem>
 </file>

--- a/Unidad_5/Presentación.pptx
+++ b/Unidad_5/Presentación.pptx
@@ -5,15 +5,13 @@
     <p:sldMasterId id="2147483648" r:id="rId4"/>
   </p:sldMasterIdLst>
   <p:notesMasterIdLst>
-    <p:notesMasterId r:id="rId11"/>
+    <p:notesMasterId r:id="rId9"/>
   </p:notesMasterIdLst>
   <p:sldIdLst>
     <p:sldId id="256" r:id="rId5"/>
     <p:sldId id="257" r:id="rId6"/>
-    <p:sldId id="258" r:id="rId7"/>
-    <p:sldId id="259" r:id="rId8"/>
-    <p:sldId id="260" r:id="rId9"/>
-    <p:sldId id="261" r:id="rId10"/>
+    <p:sldId id="262" r:id="rId7"/>
+    <p:sldId id="263" r:id="rId8"/>
   </p:sldIdLst>
   <p:sldSz cx="12192000" cy="6858000"/>
   <p:notesSz cx="6858000" cy="9144000"/>
@@ -3897,8 +3895,12 @@
           <a:lstStyle/>
           <a:p>
             <a:r>
+              <a:rPr lang="en-US" dirty="0" err="1"/>
+              <a:t>Módulo</a:t>
+            </a:r>
+            <a:r>
               <a:rPr lang="en-US" dirty="0"/>
-              <a:t>Módulo 4</a:t>
+              <a:t> 5</a:t>
             </a:r>
           </a:p>
         </p:txBody>
@@ -3955,8 +3957,8 @@
           <a:lstStyle/>
           <a:p>
             <a:r>
-              <a:rPr lang="es-EC"/>
-              <a:t>¿Qué son?</a:t>
+              <a:rPr lang="es-EC" dirty="0"/>
+              <a:t>¿Cómo crear Hooks?</a:t>
             </a:r>
           </a:p>
         </p:txBody>
@@ -3984,37 +3986,8 @@
           <a:p>
             <a:r>
               <a:rPr lang="es-EC" dirty="0"/>
-              <a:t>Son funciones que permiten conectar o “enganchar” características de </a:t>
-            </a:r>
-            <a:r>
-              <a:rPr lang="es-EC" dirty="0" err="1"/>
-              <a:t>Class</a:t>
-            </a:r>
-            <a:r>
-              <a:rPr lang="es-EC" dirty="0"/>
-              <a:t> </a:t>
-            </a:r>
-            <a:r>
-              <a:rPr lang="es-EC" dirty="0" err="1"/>
-              <a:t>components</a:t>
-            </a:r>
-            <a:r>
-              <a:rPr lang="es-EC" dirty="0"/>
-              <a:t> en </a:t>
-            </a:r>
-            <a:r>
-              <a:rPr lang="es-EC" dirty="0" err="1"/>
-              <a:t>Functional</a:t>
-            </a:r>
-            <a:r>
-              <a:rPr lang="es-EC" dirty="0"/>
-              <a:t> </a:t>
-            </a:r>
-            <a:r>
-              <a:rPr lang="es-EC" dirty="0" err="1"/>
-              <a:t>components</a:t>
-            </a:r>
-            <a:endParaRPr lang="es-EC" dirty="0"/>
+              <a:t>Los Hooks estan hechos de Hooks</a:t>
+            </a:r>
           </a:p>
         </p:txBody>
       </p:sp>
@@ -4034,17 +4007,15 @@
 <file path=ppt/slides/slide3.xml><?xml version="1.0" encoding="utf-8"?>
 <p:sld xmlns:a="http://schemas.openxmlformats.org/drawingml/2006/main" xmlns:r="http://schemas.openxmlformats.org/officeDocument/2006/relationships" xmlns:p="http://schemas.openxmlformats.org/presentationml/2006/main">
   <p:cSld>
-    <p:bg>
-      <p:bgPr>
-        <a:solidFill>
-          <a:schemeClr val="bg1"/>
-        </a:solidFill>
-        <a:effectLst/>
-      </p:bgPr>
-    </p:bg>
     <p:spTree>
       <p:nvGrpSpPr>
-        <p:cNvPr id="1" name=""/>
+        <p:cNvPr id="1" name="">
+          <a:extLst>
+            <a:ext uri="{FF2B5EF4-FFF2-40B4-BE49-F238E27FC236}">
+              <a16:creationId xmlns:a16="http://schemas.microsoft.com/office/drawing/2014/main" id="{C88857D6-5016-F32C-D83A-57C9F67D2E32}"/>
+            </a:ext>
+          </a:extLst>
+        </p:cNvPr>
         <p:cNvGrpSpPr/>
         <p:nvPr/>
       </p:nvGrpSpPr>
@@ -4056,70 +4027,38 @@
           <a:chExt cx="0" cy="0"/>
         </a:xfrm>
       </p:grpSpPr>
-      <p:pic>
-        <p:nvPicPr>
-          <p:cNvPr id="5" name="Picture 4">
-            <a:extLst>
-              <a:ext uri="{FF2B5EF4-FFF2-40B4-BE49-F238E27FC236}">
-                <a16:creationId xmlns:a16="http://schemas.microsoft.com/office/drawing/2014/main" id="{AC4303FC-0EBD-B20A-A4D7-50AA43795438}"/>
-              </a:ext>
-            </a:extLst>
-          </p:cNvPr>
-          <p:cNvPicPr>
-            <a:picLocks noChangeAspect="1"/>
-          </p:cNvPicPr>
-          <p:nvPr/>
-        </p:nvPicPr>
-        <p:blipFill>
-          <a:blip r:embed="rId2"/>
-          <a:stretch>
-            <a:fillRect/>
-          </a:stretch>
-        </p:blipFill>
-        <p:spPr>
-          <a:xfrm>
-            <a:off x="6374511" y="0"/>
-            <a:ext cx="4987290" cy="6852666"/>
-          </a:xfrm>
-          <a:prstGeom prst="rect">
-            <a:avLst/>
-          </a:prstGeom>
-        </p:spPr>
-      </p:pic>
-      <p:pic>
-        <p:nvPicPr>
-          <p:cNvPr id="7" name="Picture 6">
-            <a:extLst>
-              <a:ext uri="{FF2B5EF4-FFF2-40B4-BE49-F238E27FC236}">
-                <a16:creationId xmlns:a16="http://schemas.microsoft.com/office/drawing/2014/main" id="{380A1195-69BC-BBEF-10AA-06DE08BD4D33}"/>
-              </a:ext>
-            </a:extLst>
-          </p:cNvPr>
-          <p:cNvPicPr>
-            <a:picLocks noChangeAspect="1"/>
-          </p:cNvPicPr>
-          <p:nvPr/>
-        </p:nvPicPr>
-        <p:blipFill>
-          <a:blip r:embed="rId3"/>
-          <a:stretch>
-            <a:fillRect/>
-          </a:stretch>
-        </p:blipFill>
-        <p:spPr>
-          <a:xfrm>
-            <a:off x="830199" y="0"/>
-            <a:ext cx="5265801" cy="6729603"/>
-          </a:xfrm>
-          <a:prstGeom prst="rect">
-            <a:avLst/>
-          </a:prstGeom>
-        </p:spPr>
-      </p:pic>
+      <p:sp>
+        <p:nvSpPr>
+          <p:cNvPr id="2" name="Title 1">
+            <a:extLst>
+              <a:ext uri="{FF2B5EF4-FFF2-40B4-BE49-F238E27FC236}">
+                <a16:creationId xmlns:a16="http://schemas.microsoft.com/office/drawing/2014/main" id="{CDE5393B-3525-5E62-D5B6-ED252BE813B1}"/>
+              </a:ext>
+            </a:extLst>
+          </p:cNvPr>
+          <p:cNvSpPr>
+            <a:spLocks noGrp="1"/>
+          </p:cNvSpPr>
+          <p:nvPr>
+            <p:ph type="title"/>
+          </p:nvPr>
+        </p:nvSpPr>
+        <p:spPr/>
+        <p:txBody>
+          <a:bodyPr/>
+          <a:lstStyle/>
+          <a:p>
+            <a:r>
+              <a:rPr lang="es-EC" dirty="0"/>
+              <a:t>Convenciones de Hooks</a:t>
+            </a:r>
+          </a:p>
+        </p:txBody>
+      </p:sp>
     </p:spTree>
     <p:extLst>
       <p:ext uri="{BB962C8B-B14F-4D97-AF65-F5344CB8AC3E}">
-        <p14:creationId xmlns:p14="http://schemas.microsoft.com/office/powerpoint/2010/main" val="2343739559"/>
+        <p14:creationId xmlns:p14="http://schemas.microsoft.com/office/powerpoint/2010/main" val="526049223"/>
       </p:ext>
     </p:extLst>
   </p:cSld>
@@ -4130,104 +4069,6 @@
 </file>
 
 <file path=ppt/slides/slide4.xml><?xml version="1.0" encoding="utf-8"?>
-<p:sld xmlns:a="http://schemas.openxmlformats.org/drawingml/2006/main" xmlns:r="http://schemas.openxmlformats.org/officeDocument/2006/relationships" xmlns:p="http://schemas.openxmlformats.org/presentationml/2006/main">
-  <p:cSld>
-    <p:bg>
-      <p:bgPr>
-        <a:solidFill>
-          <a:schemeClr val="bg1"/>
-        </a:solidFill>
-        <a:effectLst/>
-      </p:bgPr>
-    </p:bg>
-    <p:spTree>
-      <p:nvGrpSpPr>
-        <p:cNvPr id="1" name=""/>
-        <p:cNvGrpSpPr/>
-        <p:nvPr/>
-      </p:nvGrpSpPr>
-      <p:grpSpPr>
-        <a:xfrm>
-          <a:off x="0" y="0"/>
-          <a:ext cx="0" cy="0"/>
-          <a:chOff x="0" y="0"/>
-          <a:chExt cx="0" cy="0"/>
-        </a:xfrm>
-      </p:grpSpPr>
-      <p:pic>
-        <p:nvPicPr>
-          <p:cNvPr id="3" name="Picture 2">
-            <a:extLst>
-              <a:ext uri="{FF2B5EF4-FFF2-40B4-BE49-F238E27FC236}">
-                <a16:creationId xmlns:a16="http://schemas.microsoft.com/office/drawing/2014/main" id="{64447DBE-7D3C-1050-25CA-E037558093ED}"/>
-              </a:ext>
-            </a:extLst>
-          </p:cNvPr>
-          <p:cNvPicPr>
-            <a:picLocks noChangeAspect="1"/>
-          </p:cNvPicPr>
-          <p:nvPr/>
-        </p:nvPicPr>
-        <p:blipFill>
-          <a:blip r:embed="rId2"/>
-          <a:stretch>
-            <a:fillRect/>
-          </a:stretch>
-        </p:blipFill>
-        <p:spPr>
-          <a:xfrm>
-            <a:off x="710619" y="298542"/>
-            <a:ext cx="4836432" cy="6122067"/>
-          </a:xfrm>
-          <a:prstGeom prst="rect">
-            <a:avLst/>
-          </a:prstGeom>
-        </p:spPr>
-      </p:pic>
-      <p:pic>
-        <p:nvPicPr>
-          <p:cNvPr id="5" name="Picture 4">
-            <a:extLst>
-              <a:ext uri="{FF2B5EF4-FFF2-40B4-BE49-F238E27FC236}">
-                <a16:creationId xmlns:a16="http://schemas.microsoft.com/office/drawing/2014/main" id="{06A0F514-E98E-557C-F4CC-4DB21A4F3528}"/>
-              </a:ext>
-            </a:extLst>
-          </p:cNvPr>
-          <p:cNvPicPr>
-            <a:picLocks noChangeAspect="1"/>
-          </p:cNvPicPr>
-          <p:nvPr/>
-        </p:nvPicPr>
-        <p:blipFill>
-          <a:blip r:embed="rId3"/>
-          <a:stretch>
-            <a:fillRect/>
-          </a:stretch>
-        </p:blipFill>
-        <p:spPr>
-          <a:xfrm>
-            <a:off x="5878755" y="1139330"/>
-            <a:ext cx="5815035" cy="4579339"/>
-          </a:xfrm>
-          <a:prstGeom prst="rect">
-            <a:avLst/>
-          </a:prstGeom>
-        </p:spPr>
-      </p:pic>
-    </p:spTree>
-    <p:extLst>
-      <p:ext uri="{BB962C8B-B14F-4D97-AF65-F5344CB8AC3E}">
-        <p14:creationId xmlns:p14="http://schemas.microsoft.com/office/powerpoint/2010/main" val="637466271"/>
-      </p:ext>
-    </p:extLst>
-  </p:cSld>
-  <p:clrMapOvr>
-    <a:masterClrMapping/>
-  </p:clrMapOvr>
-</p:sld>
-</file>
-
-<file path=ppt/slides/slide5.xml><?xml version="1.0" encoding="utf-8"?>
 <p:sld xmlns:a="http://schemas.openxmlformats.org/drawingml/2006/main" xmlns:r="http://schemas.openxmlformats.org/officeDocument/2006/relationships" xmlns:p="http://schemas.openxmlformats.org/presentationml/2006/main">
   <p:cSld>
     <p:spTree>
@@ -4249,7 +4090,7 @@
           <p:cNvPr id="2" name="Title 1">
             <a:extLst>
               <a:ext uri="{FF2B5EF4-FFF2-40B4-BE49-F238E27FC236}">
-                <a16:creationId xmlns:a16="http://schemas.microsoft.com/office/drawing/2014/main" id="{D26F2126-3FD5-5E68-567B-A3C29613AC39}"/>
+                <a16:creationId xmlns:a16="http://schemas.microsoft.com/office/drawing/2014/main" id="{685F25A2-C7EE-F1EC-8EC5-55735FAB9491}"/>
               </a:ext>
             </a:extLst>
           </p:cNvPr>
@@ -4267,102 +4108,56 @@
           <a:p>
             <a:r>
               <a:rPr lang="es-ES_tradnl" dirty="0"/>
-              <a:t>Usando </a:t>
-            </a:r>
+              <a:t>Creando un Hook</a:t>
+            </a:r>
+          </a:p>
+        </p:txBody>
+      </p:sp>
+      <p:sp>
+        <p:nvSpPr>
+          <p:cNvPr id="3" name="Content Placeholder 2">
+            <a:extLst>
+              <a:ext uri="{FF2B5EF4-FFF2-40B4-BE49-F238E27FC236}">
+                <a16:creationId xmlns:a16="http://schemas.microsoft.com/office/drawing/2014/main" id="{400BF2BE-2029-6078-F3E4-65163F4BADE9}"/>
+              </a:ext>
+            </a:extLst>
+          </p:cNvPr>
+          <p:cNvSpPr>
+            <a:spLocks noGrp="1"/>
+          </p:cNvSpPr>
+          <p:nvPr>
+            <p:ph idx="1"/>
+          </p:nvPr>
+        </p:nvSpPr>
+        <p:spPr/>
+        <p:txBody>
+          <a:bodyPr/>
+          <a:lstStyle/>
+          <a:p>
             <a:r>
               <a:rPr lang="es-ES_tradnl" dirty="0" err="1"/>
-              <a:t>Hooks</a:t>
+              <a:t>usePagination</a:t>
             </a:r>
             <a:endParaRPr lang="es-ES_tradnl" dirty="0"/>
           </a:p>
-        </p:txBody>
-      </p:sp>
-      <p:sp>
-        <p:nvSpPr>
-          <p:cNvPr id="3" name="Content Placeholder 2">
-            <a:extLst>
-              <a:ext uri="{FF2B5EF4-FFF2-40B4-BE49-F238E27FC236}">
-                <a16:creationId xmlns:a16="http://schemas.microsoft.com/office/drawing/2014/main" id="{B320F7D5-B5C3-D533-424A-F7CA08C4284C}"/>
-              </a:ext>
-            </a:extLst>
-          </p:cNvPr>
-          <p:cNvSpPr>
-            <a:spLocks noGrp="1"/>
-          </p:cNvSpPr>
-          <p:nvPr>
-            <p:ph idx="1"/>
-          </p:nvPr>
-        </p:nvSpPr>
-        <p:spPr/>
-        <p:txBody>
-          <a:bodyPr/>
-          <a:lstStyle/>
           <a:p>
             <a:r>
               <a:rPr lang="es-ES_tradnl" dirty="0"/>
-              <a:t>Crear un nuevo URL “</a:t>
+              <a:t>Debe recibir un Array y el número de ítems por pagina</a:t>
+            </a:r>
+          </a:p>
+          <a:p>
+            <a:r>
+              <a:rPr lang="es-ES_tradnl" dirty="0"/>
+              <a:t>Devuelve: función para ir a la siguiente página, atrás, array de los </a:t>
             </a:r>
             <a:r>
               <a:rPr lang="es-ES_tradnl" dirty="0" err="1"/>
-              <a:t>users</a:t>
+              <a:t>item</a:t>
             </a:r>
             <a:r>
               <a:rPr lang="es-ES_tradnl" dirty="0"/>
-              <a:t>/</a:t>
-            </a:r>
-            <a:r>
-              <a:rPr lang="es-ES_tradnl" dirty="0" err="1"/>
-              <a:t>form</a:t>
-            </a:r>
-            <a:r>
-              <a:rPr lang="es-ES_tradnl" dirty="0"/>
-              <a:t>/:</a:t>
-            </a:r>
-            <a:r>
-              <a:rPr lang="es-ES_tradnl"/>
-              <a:t>index?” </a:t>
-            </a:r>
-            <a:r>
-              <a:rPr lang="es-ES_tradnl" dirty="0"/>
-              <a:t>para una vista de formulario.</a:t>
-            </a:r>
-          </a:p>
-          <a:p>
-            <a:r>
-              <a:rPr lang="es-ES_tradnl" dirty="0"/>
-              <a:t>Crear un formulario para </a:t>
-            </a:r>
-            <a:r>
-              <a:rPr lang="es-ES_tradnl" dirty="0" err="1"/>
-              <a:t>name</a:t>
-            </a:r>
-            <a:r>
-              <a:rPr lang="es-ES_tradnl" dirty="0"/>
-              <a:t>, </a:t>
-            </a:r>
-            <a:r>
-              <a:rPr lang="es-ES_tradnl" dirty="0" err="1"/>
-              <a:t>age</a:t>
-            </a:r>
-            <a:r>
-              <a:rPr lang="es-ES_tradnl" dirty="0"/>
-              <a:t>, </a:t>
-            </a:r>
-            <a:r>
-              <a:rPr lang="es-ES_tradnl" dirty="0" err="1"/>
-              <a:t>city</a:t>
-            </a:r>
-            <a:r>
-              <a:rPr lang="es-ES_tradnl" dirty="0"/>
-              <a:t> y </a:t>
-            </a:r>
-            <a:r>
-              <a:rPr lang="es-ES_tradnl" dirty="0" err="1"/>
-              <a:t>verified</a:t>
-            </a:r>
-            <a:r>
-              <a:rPr lang="es-ES_tradnl" dirty="0"/>
-              <a:t>.</a:t>
+              <a:t> de la página y total de páginas.</a:t>
             </a:r>
           </a:p>
         </p:txBody>
@@ -4370,134 +4165,7 @@
     </p:spTree>
     <p:extLst>
       <p:ext uri="{BB962C8B-B14F-4D97-AF65-F5344CB8AC3E}">
-        <p14:creationId xmlns:p14="http://schemas.microsoft.com/office/powerpoint/2010/main" val="2414382881"/>
-      </p:ext>
-    </p:extLst>
-  </p:cSld>
-  <p:clrMapOvr>
-    <a:masterClrMapping/>
-  </p:clrMapOvr>
-</p:sld>
-</file>
-
-<file path=ppt/slides/slide6.xml><?xml version="1.0" encoding="utf-8"?>
-<p:sld xmlns:a="http://schemas.openxmlformats.org/drawingml/2006/main" xmlns:r="http://schemas.openxmlformats.org/officeDocument/2006/relationships" xmlns:p="http://schemas.openxmlformats.org/presentationml/2006/main">
-  <p:cSld>
-    <p:spTree>
-      <p:nvGrpSpPr>
-        <p:cNvPr id="1" name=""/>
-        <p:cNvGrpSpPr/>
-        <p:nvPr/>
-      </p:nvGrpSpPr>
-      <p:grpSpPr>
-        <a:xfrm>
-          <a:off x="0" y="0"/>
-          <a:ext cx="0" cy="0"/>
-          <a:chOff x="0" y="0"/>
-          <a:chExt cx="0" cy="0"/>
-        </a:xfrm>
-      </p:grpSpPr>
-      <p:sp>
-        <p:nvSpPr>
-          <p:cNvPr id="2" name="Title 1">
-            <a:extLst>
-              <a:ext uri="{FF2B5EF4-FFF2-40B4-BE49-F238E27FC236}">
-                <a16:creationId xmlns:a16="http://schemas.microsoft.com/office/drawing/2014/main" id="{28B9AE6B-316A-D4DD-7AF2-35DEC011C93B}"/>
-              </a:ext>
-            </a:extLst>
-          </p:cNvPr>
-          <p:cNvSpPr>
-            <a:spLocks noGrp="1"/>
-          </p:cNvSpPr>
-          <p:nvPr>
-            <p:ph type="title"/>
-          </p:nvPr>
-        </p:nvSpPr>
-        <p:spPr/>
-        <p:txBody>
-          <a:bodyPr/>
-          <a:lstStyle/>
-          <a:p>
-            <a:r>
-              <a:rPr lang="es-ES_tradnl" dirty="0"/>
-              <a:t>Práctica</a:t>
-            </a:r>
-          </a:p>
-        </p:txBody>
-      </p:sp>
-      <p:sp>
-        <p:nvSpPr>
-          <p:cNvPr id="3" name="Content Placeholder 2">
-            <a:extLst>
-              <a:ext uri="{FF2B5EF4-FFF2-40B4-BE49-F238E27FC236}">
-                <a16:creationId xmlns:a16="http://schemas.microsoft.com/office/drawing/2014/main" id="{D78E4910-BF98-6609-8268-8E32F0E4C00D}"/>
-              </a:ext>
-            </a:extLst>
-          </p:cNvPr>
-          <p:cNvSpPr>
-            <a:spLocks noGrp="1"/>
-          </p:cNvSpPr>
-          <p:nvPr>
-            <p:ph idx="1"/>
-          </p:nvPr>
-        </p:nvSpPr>
-        <p:spPr/>
-        <p:txBody>
-          <a:bodyPr/>
-          <a:lstStyle/>
-          <a:p>
-            <a:pPr marL="0" indent="0">
-              <a:buNone/>
-            </a:pPr>
-            <a:r>
-              <a:rPr lang="es-ES_tradnl" dirty="0"/>
-              <a:t>Crear un botón en el componente “</a:t>
-            </a:r>
-            <a:r>
-              <a:rPr lang="es-ES_tradnl" dirty="0" err="1"/>
-              <a:t>UserProfile</a:t>
-            </a:r>
-            <a:r>
-              <a:rPr lang="es-ES_tradnl" dirty="0"/>
-              <a:t>” que se llame “Eliminar” de color rojo. Este deberá invocar una nueva función en nuestro </a:t>
-            </a:r>
-            <a:r>
-              <a:rPr lang="es-ES_tradnl" dirty="0" err="1"/>
-              <a:t>DataSource</a:t>
-            </a:r>
-            <a:r>
-              <a:rPr lang="es-ES_tradnl" dirty="0"/>
-              <a:t> “</a:t>
-            </a:r>
-            <a:r>
-              <a:rPr lang="es-ES_tradnl" dirty="0" err="1"/>
-              <a:t>deleteUser</a:t>
-            </a:r>
-            <a:r>
-              <a:rPr lang="es-ES_tradnl" dirty="0"/>
-              <a:t>” que recibe el </a:t>
-            </a:r>
-            <a:r>
-              <a:rPr lang="es-ES_tradnl" dirty="0" err="1"/>
-              <a:t>index</a:t>
-            </a:r>
-            <a:r>
-              <a:rPr lang="es-ES_tradnl" dirty="0"/>
-              <a:t> del usuario y lo elimina de la base de datos.</a:t>
-            </a:r>
-          </a:p>
-          <a:p>
-            <a:pPr marL="0" indent="0">
-              <a:buNone/>
-            </a:pPr>
-            <a:endParaRPr lang="es-ES_tradnl" dirty="0"/>
-          </a:p>
-        </p:txBody>
-      </p:sp>
-    </p:spTree>
-    <p:extLst>
-      <p:ext uri="{BB962C8B-B14F-4D97-AF65-F5344CB8AC3E}">
-        <p14:creationId xmlns:p14="http://schemas.microsoft.com/office/powerpoint/2010/main" val="940038753"/>
+        <p14:creationId xmlns:p14="http://schemas.microsoft.com/office/powerpoint/2010/main" val="3587075460"/>
       </p:ext>
     </p:extLst>
   </p:cSld>
@@ -5147,6 +4815,14 @@
 </file>
 
 <file path=customXml/item2.xml><?xml version="1.0" encoding="utf-8"?>
+<p:properties xmlns:p="http://schemas.microsoft.com/office/2006/metadata/properties" xmlns:xsi="http://www.w3.org/2001/XMLSchema-instance" xmlns:pc="http://schemas.microsoft.com/office/infopath/2007/PartnerControls">
+  <documentManagement>
+    <_activity xmlns="98b3f1ad-107c-497c-bb15-64aaebc89f52" xsi:nil="true"/>
+  </documentManagement>
+</p:properties>
+</file>
+
+<file path=customXml/item3.xml><?xml version="1.0" encoding="utf-8"?>
 <ct:contentTypeSchema xmlns:ct="http://schemas.microsoft.com/office/2006/metadata/contentType" xmlns:ma="http://schemas.microsoft.com/office/2006/metadata/properties/metaAttributes" ct:_="" ma:_="" ma:contentTypeName="Documento" ma:contentTypeID="0x0101000ABC46EDA268834388609BD5B286F917" ma:contentTypeVersion="17" ma:contentTypeDescription="Crear nuevo documento." ma:contentTypeScope="" ma:versionID="b8ef759d716670bba47381dcbb7cab08">
   <xsd:schema xmlns:xsd="http://www.w3.org/2001/XMLSchema" xmlns:xs="http://www.w3.org/2001/XMLSchema" xmlns:p="http://schemas.microsoft.com/office/2006/metadata/properties" xmlns:ns3="98b3f1ad-107c-497c-bb15-64aaebc89f52" xmlns:ns4="a0690ee9-4047-4223-84b2-6b02f926f5d8" targetNamespace="http://schemas.microsoft.com/office/2006/metadata/properties" ma:root="true" ma:fieldsID="f0548e293e02a81e2d97140f47270d75" ns3:_="" ns4:_="">
     <xsd:import namespace="98b3f1ad-107c-497c-bb15-64aaebc89f52"/>
@@ -5393,14 +5069,6 @@
 </ct:contentTypeSchema>
 </file>
 
-<file path=customXml/item3.xml><?xml version="1.0" encoding="utf-8"?>
-<p:properties xmlns:p="http://schemas.microsoft.com/office/2006/metadata/properties" xmlns:xsi="http://www.w3.org/2001/XMLSchema-instance" xmlns:pc="http://schemas.microsoft.com/office/infopath/2007/PartnerControls">
-  <documentManagement>
-    <_activity xmlns="98b3f1ad-107c-497c-bb15-64aaebc89f52" xsi:nil="true"/>
-  </documentManagement>
-</p:properties>
-</file>
-
 <file path=customXml/itemProps1.xml><?xml version="1.0" encoding="utf-8"?>
 <ds:datastoreItem xmlns:ds="http://schemas.openxmlformats.org/officeDocument/2006/customXml" ds:itemID="{F5C501D5-0101-419A-AFBB-D8F04111C142}">
   <ds:schemaRefs>
@@ -5410,6 +5078,23 @@
 </file>
 
 <file path=customXml/itemProps2.xml><?xml version="1.0" encoding="utf-8"?>
+<ds:datastoreItem xmlns:ds="http://schemas.openxmlformats.org/officeDocument/2006/customXml" ds:itemID="{EEC6291A-1BB8-4D31-80EF-6AAECF11ECF7}">
+  <ds:schemaRefs>
+    <ds:schemaRef ds:uri="a0690ee9-4047-4223-84b2-6b02f926f5d8"/>
+    <ds:schemaRef ds:uri="http://www.w3.org/XML/1998/namespace"/>
+    <ds:schemaRef ds:uri="http://schemas.microsoft.com/office/2006/metadata/properties"/>
+    <ds:schemaRef ds:uri="http://schemas.microsoft.com/office/2006/documentManagement/types"/>
+    <ds:schemaRef ds:uri="98b3f1ad-107c-497c-bb15-64aaebc89f52"/>
+    <ds:schemaRef ds:uri="http://purl.org/dc/elements/1.1/"/>
+    <ds:schemaRef ds:uri="http://purl.org/dc/dcmitype/"/>
+    <ds:schemaRef ds:uri="http://purl.org/dc/terms/"/>
+    <ds:schemaRef ds:uri="http://schemas.microsoft.com/office/infopath/2007/PartnerControls"/>
+    <ds:schemaRef ds:uri="http://schemas.openxmlformats.org/package/2006/metadata/core-properties"/>
+  </ds:schemaRefs>
+</ds:datastoreItem>
+</file>
+
+<file path=customXml/itemProps3.xml><?xml version="1.0" encoding="utf-8"?>
 <ds:datastoreItem xmlns:ds="http://schemas.openxmlformats.org/officeDocument/2006/customXml" ds:itemID="{3FCEF456-3233-44D6-BC5A-12E8FD4D2764}">
   <ds:schemaRefs>
     <ds:schemaRef ds:uri="http://schemas.microsoft.com/office/2006/metadata/contentType"/>
@@ -5426,21 +5111,4 @@
     <ds:schemaRef ds:uri="http://schemas.microsoft.com/internal/obd"/>
   </ds:schemaRefs>
 </ds:datastoreItem>
-</file>
-
-<file path=customXml/itemProps3.xml><?xml version="1.0" encoding="utf-8"?>
-<ds:datastoreItem xmlns:ds="http://schemas.openxmlformats.org/officeDocument/2006/customXml" ds:itemID="{EEC6291A-1BB8-4D31-80EF-6AAECF11ECF7}">
-  <ds:schemaRefs>
-    <ds:schemaRef ds:uri="a0690ee9-4047-4223-84b2-6b02f926f5d8"/>
-    <ds:schemaRef ds:uri="http://www.w3.org/XML/1998/namespace"/>
-    <ds:schemaRef ds:uri="http://schemas.microsoft.com/office/2006/metadata/properties"/>
-    <ds:schemaRef ds:uri="http://schemas.microsoft.com/office/2006/documentManagement/types"/>
-    <ds:schemaRef ds:uri="98b3f1ad-107c-497c-bb15-64aaebc89f52"/>
-    <ds:schemaRef ds:uri="http://purl.org/dc/elements/1.1/"/>
-    <ds:schemaRef ds:uri="http://purl.org/dc/dcmitype/"/>
-    <ds:schemaRef ds:uri="http://purl.org/dc/terms/"/>
-    <ds:schemaRef ds:uri="http://schemas.microsoft.com/office/infopath/2007/PartnerControls"/>
-    <ds:schemaRef ds:uri="http://schemas.openxmlformats.org/package/2006/metadata/core-properties"/>
-  </ds:schemaRefs>
-</ds:datastoreItem>
 </file>
--- a/Unidad_5/Presentación.pptx
+++ b/Unidad_5/Presentación.pptx
@@ -4806,20 +4806,20 @@
 </file>
 
 <file path=customXml/item1.xml><?xml version="1.0" encoding="utf-8"?>
+<p:properties xmlns:p="http://schemas.microsoft.com/office/2006/metadata/properties" xmlns:xsi="http://www.w3.org/2001/XMLSchema-instance" xmlns:pc="http://schemas.microsoft.com/office/infopath/2007/PartnerControls">
+  <documentManagement>
+    <_activity xmlns="98b3f1ad-107c-497c-bb15-64aaebc89f52" xsi:nil="true"/>
+  </documentManagement>
+</p:properties>
+</file>
+
+<file path=customXml/item2.xml><?xml version="1.0" encoding="utf-8"?>
 <?mso-contentType ?>
 <FormTemplates xmlns="http://schemas.microsoft.com/sharepoint/v3/contenttype/forms">
   <Display>DocumentLibraryForm</Display>
   <Edit>DocumentLibraryForm</Edit>
   <New>DocumentLibraryForm</New>
 </FormTemplates>
-</file>
-
-<file path=customXml/item2.xml><?xml version="1.0" encoding="utf-8"?>
-<p:properties xmlns:p="http://schemas.microsoft.com/office/2006/metadata/properties" xmlns:xsi="http://www.w3.org/2001/XMLSchema-instance" xmlns:pc="http://schemas.microsoft.com/office/infopath/2007/PartnerControls">
-  <documentManagement>
-    <_activity xmlns="98b3f1ad-107c-497c-bb15-64aaebc89f52" xsi:nil="true"/>
-  </documentManagement>
-</p:properties>
 </file>
 
 <file path=customXml/item3.xml><?xml version="1.0" encoding="utf-8"?>
@@ -5070,14 +5070,6 @@
 </file>
 
 <file path=customXml/itemProps1.xml><?xml version="1.0" encoding="utf-8"?>
-<ds:datastoreItem xmlns:ds="http://schemas.openxmlformats.org/officeDocument/2006/customXml" ds:itemID="{F5C501D5-0101-419A-AFBB-D8F04111C142}">
-  <ds:schemaRefs>
-    <ds:schemaRef ds:uri="http://schemas.microsoft.com/sharepoint/v3/contenttype/forms"/>
-  </ds:schemaRefs>
-</ds:datastoreItem>
-</file>
-
-<file path=customXml/itemProps2.xml><?xml version="1.0" encoding="utf-8"?>
 <ds:datastoreItem xmlns:ds="http://schemas.openxmlformats.org/officeDocument/2006/customXml" ds:itemID="{EEC6291A-1BB8-4D31-80EF-6AAECF11ECF7}">
   <ds:schemaRefs>
     <ds:schemaRef ds:uri="a0690ee9-4047-4223-84b2-6b02f926f5d8"/>
@@ -5090,6 +5082,14 @@
     <ds:schemaRef ds:uri="http://purl.org/dc/terms/"/>
     <ds:schemaRef ds:uri="http://schemas.microsoft.com/office/infopath/2007/PartnerControls"/>
     <ds:schemaRef ds:uri="http://schemas.openxmlformats.org/package/2006/metadata/core-properties"/>
+  </ds:schemaRefs>
+</ds:datastoreItem>
+</file>
+
+<file path=customXml/itemProps2.xml><?xml version="1.0" encoding="utf-8"?>
+<ds:datastoreItem xmlns:ds="http://schemas.openxmlformats.org/officeDocument/2006/customXml" ds:itemID="{F5C501D5-0101-419A-AFBB-D8F04111C142}">
+  <ds:schemaRefs>
+    <ds:schemaRef ds:uri="http://schemas.microsoft.com/sharepoint/v3/contenttype/forms"/>
   </ds:schemaRefs>
 </ds:datastoreItem>
 </file>

--- a/Unidad_5/Presentación.pptx
+++ b/Unidad_5/Presentación.pptx
@@ -5,13 +5,14 @@
     <p:sldMasterId id="2147483648" r:id="rId4"/>
   </p:sldMasterIdLst>
   <p:notesMasterIdLst>
-    <p:notesMasterId r:id="rId9"/>
+    <p:notesMasterId r:id="rId10"/>
   </p:notesMasterIdLst>
   <p:sldIdLst>
     <p:sldId id="256" r:id="rId5"/>
-    <p:sldId id="257" r:id="rId6"/>
-    <p:sldId id="262" r:id="rId7"/>
-    <p:sldId id="263" r:id="rId8"/>
+    <p:sldId id="264" r:id="rId6"/>
+    <p:sldId id="257" r:id="rId7"/>
+    <p:sldId id="262" r:id="rId8"/>
+    <p:sldId id="263" r:id="rId9"/>
   </p:sldIdLst>
   <p:sldSz cx="12192000" cy="6858000"/>
   <p:notesSz cx="6858000" cy="9144000"/>
@@ -129,6 +130,2812 @@
 </p1510:revInfo>
 </file>
 
+<file path=ppt/diagrams/colors1.xml><?xml version="1.0" encoding="utf-8"?>
+<dgm:colorsDef xmlns:dgm="http://schemas.openxmlformats.org/drawingml/2006/diagram" xmlns:a="http://schemas.openxmlformats.org/drawingml/2006/main" uniqueId="urn:microsoft.com/office/officeart/2005/8/colors/accent1_2">
+  <dgm:title val=""/>
+  <dgm:desc val=""/>
+  <dgm:catLst>
+    <dgm:cat type="accent1" pri="11200"/>
+  </dgm:catLst>
+  <dgm:styleLbl name="node0">
+    <dgm:fillClrLst meth="repeat">
+      <a:schemeClr val="accent1"/>
+    </dgm:fillClrLst>
+    <dgm:linClrLst meth="repeat">
+      <a:schemeClr val="lt1"/>
+    </dgm:linClrLst>
+    <dgm:effectClrLst/>
+    <dgm:txLinClrLst/>
+    <dgm:txFillClrLst/>
+    <dgm:txEffectClrLst/>
+  </dgm:styleLbl>
+  <dgm:styleLbl name="alignNode1">
+    <dgm:fillClrLst meth="repeat">
+      <a:schemeClr val="accent1"/>
+    </dgm:fillClrLst>
+    <dgm:linClrLst meth="repeat">
+      <a:schemeClr val="accent1"/>
+    </dgm:linClrLst>
+    <dgm:effectClrLst/>
+    <dgm:txLinClrLst/>
+    <dgm:txFillClrLst/>
+    <dgm:txEffectClrLst/>
+  </dgm:styleLbl>
+  <dgm:styleLbl name="node1">
+    <dgm:fillClrLst meth="repeat">
+      <a:schemeClr val="accent1"/>
+    </dgm:fillClrLst>
+    <dgm:linClrLst meth="repeat">
+      <a:schemeClr val="lt1"/>
+    </dgm:linClrLst>
+    <dgm:effectClrLst/>
+    <dgm:txLinClrLst/>
+    <dgm:txFillClrLst/>
+    <dgm:txEffectClrLst/>
+  </dgm:styleLbl>
+  <dgm:styleLbl name="lnNode1">
+    <dgm:fillClrLst meth="repeat">
+      <a:schemeClr val="accent1"/>
+    </dgm:fillClrLst>
+    <dgm:linClrLst meth="repeat">
+      <a:schemeClr val="lt1"/>
+    </dgm:linClrLst>
+    <dgm:effectClrLst/>
+    <dgm:txLinClrLst/>
+    <dgm:txFillClrLst/>
+    <dgm:txEffectClrLst/>
+  </dgm:styleLbl>
+  <dgm:styleLbl name="vennNode1">
+    <dgm:fillClrLst meth="repeat">
+      <a:schemeClr val="accent1">
+        <a:alpha val="50000"/>
+      </a:schemeClr>
+    </dgm:fillClrLst>
+    <dgm:linClrLst meth="repeat">
+      <a:schemeClr val="lt1"/>
+    </dgm:linClrLst>
+    <dgm:effectClrLst/>
+    <dgm:txLinClrLst/>
+    <dgm:txFillClrLst/>
+    <dgm:txEffectClrLst/>
+  </dgm:styleLbl>
+  <dgm:styleLbl name="node2">
+    <dgm:fillClrLst meth="repeat">
+      <a:schemeClr val="accent1"/>
+    </dgm:fillClrLst>
+    <dgm:linClrLst meth="repeat">
+      <a:schemeClr val="lt1"/>
+    </dgm:linClrLst>
+    <dgm:effectClrLst/>
+    <dgm:txLinClrLst/>
+    <dgm:txFillClrLst/>
+    <dgm:txEffectClrLst/>
+  </dgm:styleLbl>
+  <dgm:styleLbl name="node3">
+    <dgm:fillClrLst meth="repeat">
+      <a:schemeClr val="accent1"/>
+    </dgm:fillClrLst>
+    <dgm:linClrLst meth="repeat">
+      <a:schemeClr val="lt1"/>
+    </dgm:linClrLst>
+    <dgm:effectClrLst/>
+    <dgm:txLinClrLst/>
+    <dgm:txFillClrLst/>
+    <dgm:txEffectClrLst/>
+  </dgm:styleLbl>
+  <dgm:styleLbl name="node4">
+    <dgm:fillClrLst meth="repeat">
+      <a:schemeClr val="accent1"/>
+    </dgm:fillClrLst>
+    <dgm:linClrLst meth="repeat">
+      <a:schemeClr val="lt1"/>
+    </dgm:linClrLst>
+    <dgm:effectClrLst/>
+    <dgm:txLinClrLst/>
+    <dgm:txFillClrLst/>
+    <dgm:txEffectClrLst/>
+  </dgm:styleLbl>
+  <dgm:styleLbl name="fgImgPlace1">
+    <dgm:fillClrLst meth="repeat">
+      <a:schemeClr val="accent1">
+        <a:tint val="50000"/>
+      </a:schemeClr>
+    </dgm:fillClrLst>
+    <dgm:linClrLst meth="repeat">
+      <a:schemeClr val="lt1"/>
+    </dgm:linClrLst>
+    <dgm:effectClrLst/>
+    <dgm:txLinClrLst/>
+    <dgm:txFillClrLst meth="repeat">
+      <a:schemeClr val="lt1"/>
+    </dgm:txFillClrLst>
+    <dgm:txEffectClrLst/>
+  </dgm:styleLbl>
+  <dgm:styleLbl name="alignImgPlace1">
+    <dgm:fillClrLst meth="repeat">
+      <a:schemeClr val="accent1">
+        <a:tint val="50000"/>
+      </a:schemeClr>
+    </dgm:fillClrLst>
+    <dgm:linClrLst meth="repeat">
+      <a:schemeClr val="lt1"/>
+    </dgm:linClrLst>
+    <dgm:effectClrLst/>
+    <dgm:txLinClrLst/>
+    <dgm:txFillClrLst meth="repeat">
+      <a:schemeClr val="lt1"/>
+    </dgm:txFillClrLst>
+    <dgm:txEffectClrLst/>
+  </dgm:styleLbl>
+  <dgm:styleLbl name="bgImgPlace1">
+    <dgm:fillClrLst meth="repeat">
+      <a:schemeClr val="accent1">
+        <a:tint val="50000"/>
+      </a:schemeClr>
+    </dgm:fillClrLst>
+    <dgm:linClrLst meth="repeat">
+      <a:schemeClr val="lt1"/>
+    </dgm:linClrLst>
+    <dgm:effectClrLst/>
+    <dgm:txLinClrLst/>
+    <dgm:txFillClrLst meth="repeat">
+      <a:schemeClr val="lt1"/>
+    </dgm:txFillClrLst>
+    <dgm:txEffectClrLst/>
+  </dgm:styleLbl>
+  <dgm:styleLbl name="sibTrans2D1">
+    <dgm:fillClrLst meth="repeat">
+      <a:schemeClr val="accent1">
+        <a:tint val="60000"/>
+      </a:schemeClr>
+    </dgm:fillClrLst>
+    <dgm:linClrLst meth="repeat">
+      <a:schemeClr val="accent1">
+        <a:tint val="60000"/>
+      </a:schemeClr>
+    </dgm:linClrLst>
+    <dgm:effectClrLst/>
+    <dgm:txLinClrLst/>
+    <dgm:txFillClrLst/>
+    <dgm:txEffectClrLst/>
+  </dgm:styleLbl>
+  <dgm:styleLbl name="fgSibTrans2D1">
+    <dgm:fillClrLst meth="repeat">
+      <a:schemeClr val="accent1">
+        <a:tint val="60000"/>
+      </a:schemeClr>
+    </dgm:fillClrLst>
+    <dgm:linClrLst meth="repeat">
+      <a:schemeClr val="accent1">
+        <a:tint val="60000"/>
+      </a:schemeClr>
+    </dgm:linClrLst>
+    <dgm:effectClrLst/>
+    <dgm:txLinClrLst/>
+    <dgm:txFillClrLst/>
+    <dgm:txEffectClrLst/>
+  </dgm:styleLbl>
+  <dgm:styleLbl name="bgSibTrans2D1">
+    <dgm:fillClrLst meth="repeat">
+      <a:schemeClr val="accent1">
+        <a:tint val="60000"/>
+      </a:schemeClr>
+    </dgm:fillClrLst>
+    <dgm:linClrLst meth="repeat">
+      <a:schemeClr val="accent1">
+        <a:tint val="60000"/>
+      </a:schemeClr>
+    </dgm:linClrLst>
+    <dgm:effectClrLst/>
+    <dgm:txLinClrLst/>
+    <dgm:txFillClrLst/>
+    <dgm:txEffectClrLst/>
+  </dgm:styleLbl>
+  <dgm:styleLbl name="sibTrans1D1">
+    <dgm:fillClrLst meth="repeat">
+      <a:schemeClr val="accent1"/>
+    </dgm:fillClrLst>
+    <dgm:linClrLst meth="repeat">
+      <a:schemeClr val="accent1"/>
+    </dgm:linClrLst>
+    <dgm:effectClrLst/>
+    <dgm:txLinClrLst/>
+    <dgm:txFillClrLst meth="repeat">
+      <a:schemeClr val="tx1"/>
+    </dgm:txFillClrLst>
+    <dgm:txEffectClrLst/>
+  </dgm:styleLbl>
+  <dgm:styleLbl name="callout">
+    <dgm:fillClrLst meth="repeat">
+      <a:schemeClr val="accent1"/>
+    </dgm:fillClrLst>
+    <dgm:linClrLst meth="repeat">
+      <a:schemeClr val="accent1">
+        <a:tint val="50000"/>
+      </a:schemeClr>
+    </dgm:linClrLst>
+    <dgm:effectClrLst/>
+    <dgm:txLinClrLst/>
+    <dgm:txFillClrLst meth="repeat">
+      <a:schemeClr val="tx1"/>
+    </dgm:txFillClrLst>
+    <dgm:txEffectClrLst/>
+  </dgm:styleLbl>
+  <dgm:styleLbl name="asst0">
+    <dgm:fillClrLst meth="repeat">
+      <a:schemeClr val="accent1"/>
+    </dgm:fillClrLst>
+    <dgm:linClrLst meth="repeat">
+      <a:schemeClr val="lt1"/>
+    </dgm:linClrLst>
+    <dgm:effectClrLst/>
+    <dgm:txLinClrLst/>
+    <dgm:txFillClrLst/>
+    <dgm:txEffectClrLst/>
+  </dgm:styleLbl>
+  <dgm:styleLbl name="asst1">
+    <dgm:fillClrLst meth="repeat">
+      <a:schemeClr val="accent1"/>
+    </dgm:fillClrLst>
+    <dgm:linClrLst meth="repeat">
+      <a:schemeClr val="lt1"/>
+    </dgm:linClrLst>
+    <dgm:effectClrLst/>
+    <dgm:txLinClrLst/>
+    <dgm:txFillClrLst/>
+    <dgm:txEffectClrLst/>
+  </dgm:styleLbl>
+  <dgm:styleLbl name="asst2">
+    <dgm:fillClrLst meth="repeat">
+      <a:schemeClr val="accent1"/>
+    </dgm:fillClrLst>
+    <dgm:linClrLst meth="repeat">
+      <a:schemeClr val="lt1"/>
+    </dgm:linClrLst>
+    <dgm:effectClrLst/>
+    <dgm:txLinClrLst/>
+    <dgm:txFillClrLst/>
+    <dgm:txEffectClrLst/>
+  </dgm:styleLbl>
+  <dgm:styleLbl name="asst3">
+    <dgm:fillClrLst meth="repeat">
+      <a:schemeClr val="accent1"/>
+    </dgm:fillClrLst>
+    <dgm:linClrLst meth="repeat">
+      <a:schemeClr val="lt1"/>
+    </dgm:linClrLst>
+    <dgm:effectClrLst/>
+    <dgm:txLinClrLst/>
+    <dgm:txFillClrLst/>
+    <dgm:txEffectClrLst/>
+  </dgm:styleLbl>
+  <dgm:styleLbl name="asst4">
+    <dgm:fillClrLst meth="repeat">
+      <a:schemeClr val="accent1"/>
+    </dgm:fillClrLst>
+    <dgm:linClrLst meth="repeat">
+      <a:schemeClr val="lt1"/>
+    </dgm:linClrLst>
+    <dgm:effectClrLst/>
+    <dgm:txLinClrLst/>
+    <dgm:txFillClrLst/>
+    <dgm:txEffectClrLst/>
+  </dgm:styleLbl>
+  <dgm:styleLbl name="parChTrans2D1">
+    <dgm:fillClrLst meth="repeat">
+      <a:schemeClr val="accent1">
+        <a:tint val="60000"/>
+      </a:schemeClr>
+    </dgm:fillClrLst>
+    <dgm:linClrLst meth="repeat">
+      <a:schemeClr val="accent1">
+        <a:tint val="60000"/>
+      </a:schemeClr>
+    </dgm:linClrLst>
+    <dgm:effectClrLst/>
+    <dgm:txLinClrLst/>
+    <dgm:txFillClrLst meth="repeat">
+      <a:schemeClr val="lt1"/>
+    </dgm:txFillClrLst>
+    <dgm:txEffectClrLst/>
+  </dgm:styleLbl>
+  <dgm:styleLbl name="parChTrans2D2">
+    <dgm:fillClrLst meth="repeat">
+      <a:schemeClr val="accent1"/>
+    </dgm:fillClrLst>
+    <dgm:linClrLst meth="repeat">
+      <a:schemeClr val="accent1"/>
+    </dgm:linClrLst>
+    <dgm:effectClrLst/>
+    <dgm:txLinClrLst/>
+    <dgm:txFillClrLst meth="repeat">
+      <a:schemeClr val="lt1"/>
+    </dgm:txFillClrLst>
+    <dgm:txEffectClrLst/>
+  </dgm:styleLbl>
+  <dgm:styleLbl name="parChTrans2D3">
+    <dgm:fillClrLst meth="repeat">
+      <a:schemeClr val="accent1"/>
+    </dgm:fillClrLst>
+    <dgm:linClrLst meth="repeat">
+      <a:schemeClr val="accent1"/>
+    </dgm:linClrLst>
+    <dgm:effectClrLst/>
+    <dgm:txLinClrLst/>
+    <dgm:txFillClrLst meth="repeat">
+      <a:schemeClr val="lt1"/>
+    </dgm:txFillClrLst>
+    <dgm:txEffectClrLst/>
+  </dgm:styleLbl>
+  <dgm:styleLbl name="parChTrans2D4">
+    <dgm:fillClrLst meth="repeat">
+      <a:schemeClr val="accent1"/>
+    </dgm:fillClrLst>
+    <dgm:linClrLst meth="repeat">
+      <a:schemeClr val="accent1"/>
+    </dgm:linClrLst>
+    <dgm:effectClrLst/>
+    <dgm:txLinClrLst/>
+    <dgm:txFillClrLst meth="repeat">
+      <a:schemeClr val="lt1"/>
+    </dgm:txFillClrLst>
+    <dgm:txEffectClrLst/>
+  </dgm:styleLbl>
+  <dgm:styleLbl name="parChTrans1D1">
+    <dgm:fillClrLst meth="repeat">
+      <a:schemeClr val="accent1"/>
+    </dgm:fillClrLst>
+    <dgm:linClrLst meth="repeat">
+      <a:schemeClr val="accent1">
+        <a:shade val="60000"/>
+      </a:schemeClr>
+    </dgm:linClrLst>
+    <dgm:effectClrLst/>
+    <dgm:txLinClrLst/>
+    <dgm:txFillClrLst meth="repeat">
+      <a:schemeClr val="tx1"/>
+    </dgm:txFillClrLst>
+    <dgm:txEffectClrLst/>
+  </dgm:styleLbl>
+  <dgm:styleLbl name="parChTrans1D2">
+    <dgm:fillClrLst meth="repeat">
+      <a:schemeClr val="accent1"/>
+    </dgm:fillClrLst>
+    <dgm:linClrLst meth="repeat">
+      <a:schemeClr val="accent1">
+        <a:shade val="60000"/>
+      </a:schemeClr>
+    </dgm:linClrLst>
+    <dgm:effectClrLst/>
+    <dgm:txLinClrLst/>
+    <dgm:txFillClrLst meth="repeat">
+      <a:schemeClr val="tx1"/>
+    </dgm:txFillClrLst>
+    <dgm:txEffectClrLst/>
+  </dgm:styleLbl>
+  <dgm:styleLbl name="parChTrans1D3">
+    <dgm:fillClrLst meth="repeat">
+      <a:schemeClr val="accent1"/>
+    </dgm:fillClrLst>
+    <dgm:linClrLst meth="repeat">
+      <a:schemeClr val="accent1">
+        <a:shade val="80000"/>
+      </a:schemeClr>
+    </dgm:linClrLst>
+    <dgm:effectClrLst/>
+    <dgm:txLinClrLst/>
+    <dgm:txFillClrLst meth="repeat">
+      <a:schemeClr val="tx1"/>
+    </dgm:txFillClrLst>
+    <dgm:txEffectClrLst/>
+  </dgm:styleLbl>
+  <dgm:styleLbl name="parChTrans1D4">
+    <dgm:fillClrLst meth="repeat">
+      <a:schemeClr val="accent1"/>
+    </dgm:fillClrLst>
+    <dgm:linClrLst meth="repeat">
+      <a:schemeClr val="accent1">
+        <a:shade val="80000"/>
+      </a:schemeClr>
+    </dgm:linClrLst>
+    <dgm:effectClrLst/>
+    <dgm:txLinClrLst/>
+    <dgm:txFillClrLst meth="repeat">
+      <a:schemeClr val="tx1"/>
+    </dgm:txFillClrLst>
+    <dgm:txEffectClrLst/>
+  </dgm:styleLbl>
+  <dgm:styleLbl name="fgAcc1">
+    <dgm:fillClrLst meth="repeat">
+      <a:schemeClr val="lt1">
+        <a:alpha val="90000"/>
+      </a:schemeClr>
+    </dgm:fillClrLst>
+    <dgm:linClrLst meth="repeat">
+      <a:schemeClr val="accent1"/>
+    </dgm:linClrLst>
+    <dgm:effectClrLst/>
+    <dgm:txLinClrLst/>
+    <dgm:txFillClrLst meth="repeat">
+      <a:schemeClr val="dk1"/>
+    </dgm:txFillClrLst>
+    <dgm:txEffectClrLst/>
+  </dgm:styleLbl>
+  <dgm:styleLbl name="conFgAcc1">
+    <dgm:fillClrLst meth="repeat">
+      <a:schemeClr val="lt1">
+        <a:alpha val="90000"/>
+      </a:schemeClr>
+    </dgm:fillClrLst>
+    <dgm:linClrLst meth="repeat">
+      <a:schemeClr val="accent1"/>
+    </dgm:linClrLst>
+    <dgm:effectClrLst/>
+    <dgm:txLinClrLst/>
+    <dgm:txFillClrLst meth="repeat">
+      <a:schemeClr val="dk1"/>
+    </dgm:txFillClrLst>
+    <dgm:txEffectClrLst/>
+  </dgm:styleLbl>
+  <dgm:styleLbl name="alignAcc1">
+    <dgm:fillClrLst meth="repeat">
+      <a:schemeClr val="lt1">
+        <a:alpha val="90000"/>
+      </a:schemeClr>
+    </dgm:fillClrLst>
+    <dgm:linClrLst meth="repeat">
+      <a:schemeClr val="accent1"/>
+    </dgm:linClrLst>
+    <dgm:effectClrLst/>
+    <dgm:txLinClrLst/>
+    <dgm:txFillClrLst meth="repeat">
+      <a:schemeClr val="dk1"/>
+    </dgm:txFillClrLst>
+    <dgm:txEffectClrLst/>
+  </dgm:styleLbl>
+  <dgm:styleLbl name="trAlignAcc1">
+    <dgm:fillClrLst meth="repeat">
+      <a:schemeClr val="lt1">
+        <a:alpha val="40000"/>
+      </a:schemeClr>
+    </dgm:fillClrLst>
+    <dgm:linClrLst meth="repeat">
+      <a:schemeClr val="accent1"/>
+    </dgm:linClrLst>
+    <dgm:effectClrLst/>
+    <dgm:txLinClrLst/>
+    <dgm:txFillClrLst meth="repeat">
+      <a:schemeClr val="dk1"/>
+    </dgm:txFillClrLst>
+    <dgm:txEffectClrLst/>
+  </dgm:styleLbl>
+  <dgm:styleLbl name="bgAcc1">
+    <dgm:fillClrLst meth="repeat">
+      <a:schemeClr val="lt1">
+        <a:alpha val="90000"/>
+      </a:schemeClr>
+    </dgm:fillClrLst>
+    <dgm:linClrLst meth="repeat">
+      <a:schemeClr val="accent1"/>
+    </dgm:linClrLst>
+    <dgm:effectClrLst/>
+    <dgm:txLinClrLst/>
+    <dgm:txFillClrLst meth="repeat">
+      <a:schemeClr val="dk1"/>
+    </dgm:txFillClrLst>
+    <dgm:txEffectClrLst/>
+  </dgm:styleLbl>
+  <dgm:styleLbl name="solidFgAcc1">
+    <dgm:fillClrLst meth="repeat">
+      <a:schemeClr val="lt1"/>
+    </dgm:fillClrLst>
+    <dgm:linClrLst meth="repeat">
+      <a:schemeClr val="accent1"/>
+    </dgm:linClrLst>
+    <dgm:effectClrLst/>
+    <dgm:txLinClrLst/>
+    <dgm:txFillClrLst meth="repeat">
+      <a:schemeClr val="dk1"/>
+    </dgm:txFillClrLst>
+    <dgm:txEffectClrLst/>
+  </dgm:styleLbl>
+  <dgm:styleLbl name="solidAlignAcc1">
+    <dgm:fillClrLst meth="repeat">
+      <a:schemeClr val="lt1"/>
+    </dgm:fillClrLst>
+    <dgm:linClrLst meth="repeat">
+      <a:schemeClr val="accent1"/>
+    </dgm:linClrLst>
+    <dgm:effectClrLst/>
+    <dgm:txLinClrLst/>
+    <dgm:txFillClrLst meth="repeat">
+      <a:schemeClr val="dk1"/>
+    </dgm:txFillClrLst>
+    <dgm:txEffectClrLst/>
+  </dgm:styleLbl>
+  <dgm:styleLbl name="solidBgAcc1">
+    <dgm:fillClrLst meth="repeat">
+      <a:schemeClr val="lt1"/>
+    </dgm:fillClrLst>
+    <dgm:linClrLst meth="repeat">
+      <a:schemeClr val="accent1"/>
+    </dgm:linClrLst>
+    <dgm:effectClrLst/>
+    <dgm:txLinClrLst/>
+    <dgm:txFillClrLst meth="repeat">
+      <a:schemeClr val="dk1"/>
+    </dgm:txFillClrLst>
+    <dgm:txEffectClrLst/>
+  </dgm:styleLbl>
+  <dgm:styleLbl name="fgAccFollowNode1">
+    <dgm:fillClrLst meth="repeat">
+      <a:schemeClr val="accent1">
+        <a:alpha val="90000"/>
+        <a:tint val="40000"/>
+      </a:schemeClr>
+    </dgm:fillClrLst>
+    <dgm:linClrLst meth="repeat">
+      <a:schemeClr val="accent1">
+        <a:alpha val="90000"/>
+        <a:tint val="40000"/>
+      </a:schemeClr>
+    </dgm:linClrLst>
+    <dgm:effectClrLst/>
+    <dgm:txLinClrLst/>
+    <dgm:txFillClrLst meth="repeat">
+      <a:schemeClr val="dk1"/>
+    </dgm:txFillClrLst>
+    <dgm:txEffectClrLst/>
+  </dgm:styleLbl>
+  <dgm:styleLbl name="alignAccFollowNode1">
+    <dgm:fillClrLst meth="repeat">
+      <a:schemeClr val="accent1">
+        <a:alpha val="90000"/>
+        <a:tint val="40000"/>
+      </a:schemeClr>
+    </dgm:fillClrLst>
+    <dgm:linClrLst meth="repeat">
+      <a:schemeClr val="accent1">
+        <a:alpha val="90000"/>
+        <a:tint val="40000"/>
+      </a:schemeClr>
+    </dgm:linClrLst>
+    <dgm:effectClrLst/>
+    <dgm:txLinClrLst/>
+    <dgm:txFillClrLst meth="repeat">
+      <a:schemeClr val="dk1"/>
+    </dgm:txFillClrLst>
+    <dgm:txEffectClrLst/>
+  </dgm:styleLbl>
+  <dgm:styleLbl name="bgAccFollowNode1">
+    <dgm:fillClrLst meth="repeat">
+      <a:schemeClr val="accent1">
+        <a:alpha val="90000"/>
+        <a:tint val="40000"/>
+      </a:schemeClr>
+    </dgm:fillClrLst>
+    <dgm:linClrLst meth="repeat">
+      <a:schemeClr val="accent1">
+        <a:alpha val="90000"/>
+        <a:tint val="40000"/>
+      </a:schemeClr>
+    </dgm:linClrLst>
+    <dgm:effectClrLst/>
+    <dgm:txLinClrLst/>
+    <dgm:txFillClrLst meth="repeat">
+      <a:schemeClr val="dk1"/>
+    </dgm:txFillClrLst>
+    <dgm:txEffectClrLst/>
+  </dgm:styleLbl>
+  <dgm:styleLbl name="fgAcc0">
+    <dgm:fillClrLst meth="repeat">
+      <a:schemeClr val="lt1">
+        <a:alpha val="90000"/>
+      </a:schemeClr>
+    </dgm:fillClrLst>
+    <dgm:linClrLst meth="repeat">
+      <a:schemeClr val="accent1"/>
+    </dgm:linClrLst>
+    <dgm:effectClrLst/>
+    <dgm:txLinClrLst/>
+    <dgm:txFillClrLst meth="repeat">
+      <a:schemeClr val="dk1"/>
+    </dgm:txFillClrLst>
+    <dgm:txEffectClrLst/>
+  </dgm:styleLbl>
+  <dgm:styleLbl name="fgAcc2">
+    <dgm:fillClrLst meth="repeat">
+      <a:schemeClr val="lt1">
+        <a:alpha val="90000"/>
+      </a:schemeClr>
+    </dgm:fillClrLst>
+    <dgm:linClrLst meth="repeat">
+      <a:schemeClr val="accent1"/>
+    </dgm:linClrLst>
+    <dgm:effectClrLst/>
+    <dgm:txLinClrLst/>
+    <dgm:txFillClrLst meth="repeat">
+      <a:schemeClr val="dk1"/>
+    </dgm:txFillClrLst>
+    <dgm:txEffectClrLst/>
+  </dgm:styleLbl>
+  <dgm:styleLbl name="fgAcc3">
+    <dgm:fillClrLst meth="repeat">
+      <a:schemeClr val="lt1">
+        <a:alpha val="90000"/>
+      </a:schemeClr>
+    </dgm:fillClrLst>
+    <dgm:linClrLst meth="repeat">
+      <a:schemeClr val="accent1"/>
+    </dgm:linClrLst>
+    <dgm:effectClrLst/>
+    <dgm:txLinClrLst/>
+    <dgm:txFillClrLst meth="repeat">
+      <a:schemeClr val="dk1"/>
+    </dgm:txFillClrLst>
+    <dgm:txEffectClrLst/>
+  </dgm:styleLbl>
+  <dgm:styleLbl name="fgAcc4">
+    <dgm:fillClrLst meth="repeat">
+      <a:schemeClr val="lt1">
+        <a:alpha val="90000"/>
+      </a:schemeClr>
+    </dgm:fillClrLst>
+    <dgm:linClrLst meth="repeat">
+      <a:schemeClr val="accent1"/>
+    </dgm:linClrLst>
+    <dgm:effectClrLst/>
+    <dgm:txLinClrLst/>
+    <dgm:txFillClrLst meth="repeat">
+      <a:schemeClr val="dk1"/>
+    </dgm:txFillClrLst>
+    <dgm:txEffectClrLst/>
+  </dgm:styleLbl>
+  <dgm:styleLbl name="bgShp">
+    <dgm:fillClrLst meth="repeat">
+      <a:schemeClr val="accent1">
+        <a:tint val="40000"/>
+      </a:schemeClr>
+    </dgm:fillClrLst>
+    <dgm:linClrLst meth="repeat">
+      <a:schemeClr val="accent1"/>
+    </dgm:linClrLst>
+    <dgm:effectClrLst/>
+    <dgm:txLinClrLst/>
+    <dgm:txFillClrLst meth="repeat">
+      <a:schemeClr val="dk1"/>
+    </dgm:txFillClrLst>
+    <dgm:txEffectClrLst/>
+  </dgm:styleLbl>
+  <dgm:styleLbl name="dkBgShp">
+    <dgm:fillClrLst meth="repeat">
+      <a:schemeClr val="accent1">
+        <a:shade val="80000"/>
+      </a:schemeClr>
+    </dgm:fillClrLst>
+    <dgm:linClrLst meth="repeat">
+      <a:schemeClr val="accent1"/>
+    </dgm:linClrLst>
+    <dgm:effectClrLst/>
+    <dgm:txLinClrLst/>
+    <dgm:txFillClrLst meth="repeat">
+      <a:schemeClr val="lt1"/>
+    </dgm:txFillClrLst>
+    <dgm:txEffectClrLst/>
+  </dgm:styleLbl>
+  <dgm:styleLbl name="trBgShp">
+    <dgm:fillClrLst meth="repeat">
+      <a:schemeClr val="accent1">
+        <a:tint val="50000"/>
+        <a:alpha val="40000"/>
+      </a:schemeClr>
+    </dgm:fillClrLst>
+    <dgm:linClrLst meth="repeat">
+      <a:schemeClr val="accent1"/>
+    </dgm:linClrLst>
+    <dgm:effectClrLst/>
+    <dgm:txLinClrLst/>
+    <dgm:txFillClrLst meth="repeat">
+      <a:schemeClr val="lt1"/>
+    </dgm:txFillClrLst>
+    <dgm:txEffectClrLst/>
+  </dgm:styleLbl>
+  <dgm:styleLbl name="fgShp">
+    <dgm:fillClrLst meth="repeat">
+      <a:schemeClr val="accent1">
+        <a:tint val="60000"/>
+      </a:schemeClr>
+    </dgm:fillClrLst>
+    <dgm:linClrLst meth="repeat">
+      <a:schemeClr val="lt1"/>
+    </dgm:linClrLst>
+    <dgm:effectClrLst/>
+    <dgm:txLinClrLst/>
+    <dgm:txFillClrLst meth="repeat">
+      <a:schemeClr val="dk1"/>
+    </dgm:txFillClrLst>
+    <dgm:txEffectClrLst/>
+  </dgm:styleLbl>
+  <dgm:styleLbl name="revTx">
+    <dgm:fillClrLst meth="repeat">
+      <a:schemeClr val="lt1">
+        <a:alpha val="0"/>
+      </a:schemeClr>
+    </dgm:fillClrLst>
+    <dgm:linClrLst meth="repeat">
+      <a:schemeClr val="dk1">
+        <a:alpha val="0"/>
+      </a:schemeClr>
+    </dgm:linClrLst>
+    <dgm:effectClrLst/>
+    <dgm:txLinClrLst/>
+    <dgm:txFillClrLst meth="repeat">
+      <a:schemeClr val="tx1"/>
+    </dgm:txFillClrLst>
+    <dgm:txEffectClrLst/>
+  </dgm:styleLbl>
+</dgm:colorsDef>
+</file>
+
+<file path=ppt/diagrams/data1.xml><?xml version="1.0" encoding="utf-8"?>
+<dgm:dataModel xmlns:dgm="http://schemas.openxmlformats.org/drawingml/2006/diagram" xmlns:a="http://schemas.openxmlformats.org/drawingml/2006/main">
+  <dgm:ptLst>
+    <dgm:pt modelId="{9A9CB95D-5A3B-49A3-8EFD-9D2F9E515BA8}" type="doc">
+      <dgm:prSet loTypeId="urn:microsoft.com/office/officeart/2005/8/layout/cycle5" loCatId="cycle" qsTypeId="urn:microsoft.com/office/officeart/2005/8/quickstyle/simple1" qsCatId="simple" csTypeId="urn:microsoft.com/office/officeart/2005/8/colors/accent1_2" csCatId="accent1" phldr="1"/>
+      <dgm:spPr/>
+      <dgm:t>
+        <a:bodyPr/>
+        <a:lstStyle/>
+        <a:p>
+          <a:endParaRPr lang="es-EC"/>
+        </a:p>
+      </dgm:t>
+    </dgm:pt>
+    <dgm:pt modelId="{ED7323F7-AAB1-48A4-ABA4-43D87DA0BC0C}">
+      <dgm:prSet phldrT="[Text]"/>
+      <dgm:spPr/>
+      <dgm:t>
+        <a:bodyPr/>
+        <a:lstStyle/>
+        <a:p>
+          <a:r>
+            <a:rPr lang="en-US" dirty="0"/>
+            <a:t>Initialization</a:t>
+          </a:r>
+          <a:endParaRPr lang="es-EC" dirty="0"/>
+        </a:p>
+      </dgm:t>
+    </dgm:pt>
+    <dgm:pt modelId="{24808969-1BC2-406A-9210-F8150F382B14}" type="parTrans" cxnId="{52EF547E-738C-49ED-959A-24761A9B0483}">
+      <dgm:prSet/>
+      <dgm:spPr/>
+      <dgm:t>
+        <a:bodyPr/>
+        <a:lstStyle/>
+        <a:p>
+          <a:endParaRPr lang="es-EC"/>
+        </a:p>
+      </dgm:t>
+    </dgm:pt>
+    <dgm:pt modelId="{98298A1F-9C2D-4B90-BA59-EE9CF1884560}" type="sibTrans" cxnId="{52EF547E-738C-49ED-959A-24761A9B0483}">
+      <dgm:prSet/>
+      <dgm:spPr/>
+      <dgm:t>
+        <a:bodyPr/>
+        <a:lstStyle/>
+        <a:p>
+          <a:endParaRPr lang="es-EC"/>
+        </a:p>
+      </dgm:t>
+    </dgm:pt>
+    <dgm:pt modelId="{3EDDDCDD-9D7A-4072-AB8B-065358F5A15C}">
+      <dgm:prSet phldrT="[Text]"/>
+      <dgm:spPr/>
+      <dgm:t>
+        <a:bodyPr/>
+        <a:lstStyle/>
+        <a:p>
+          <a:r>
+            <a:rPr lang="en-US" dirty="0"/>
+            <a:t>Updating</a:t>
+          </a:r>
+          <a:endParaRPr lang="es-EC" dirty="0"/>
+        </a:p>
+      </dgm:t>
+    </dgm:pt>
+    <dgm:pt modelId="{05FE18B3-0BD2-49C3-9C3F-F8413AB0B807}" type="parTrans" cxnId="{B5F43A11-229E-4192-BA49-3B88E40D6582}">
+      <dgm:prSet/>
+      <dgm:spPr/>
+      <dgm:t>
+        <a:bodyPr/>
+        <a:lstStyle/>
+        <a:p>
+          <a:endParaRPr lang="es-EC"/>
+        </a:p>
+      </dgm:t>
+    </dgm:pt>
+    <dgm:pt modelId="{BFC3DF01-3F58-40AD-8CF3-F8603FDB5AE1}" type="sibTrans" cxnId="{B5F43A11-229E-4192-BA49-3B88E40D6582}">
+      <dgm:prSet/>
+      <dgm:spPr/>
+      <dgm:t>
+        <a:bodyPr/>
+        <a:lstStyle/>
+        <a:p>
+          <a:endParaRPr lang="es-EC"/>
+        </a:p>
+      </dgm:t>
+    </dgm:pt>
+    <dgm:pt modelId="{89F7B193-C652-416E-BB65-533BD192F1C5}">
+      <dgm:prSet phldrT="[Text]"/>
+      <dgm:spPr/>
+      <dgm:t>
+        <a:bodyPr/>
+        <a:lstStyle/>
+        <a:p>
+          <a:r>
+            <a:rPr lang="en-US" dirty="0"/>
+            <a:t>Unmounting</a:t>
+          </a:r>
+          <a:endParaRPr lang="es-EC" dirty="0"/>
+        </a:p>
+      </dgm:t>
+    </dgm:pt>
+    <dgm:pt modelId="{8B9CE612-764A-4E1F-A4B7-99DD053AF7F8}" type="parTrans" cxnId="{783BF064-78E6-48B8-8721-107745C67B3A}">
+      <dgm:prSet/>
+      <dgm:spPr/>
+      <dgm:t>
+        <a:bodyPr/>
+        <a:lstStyle/>
+        <a:p>
+          <a:endParaRPr lang="es-EC"/>
+        </a:p>
+      </dgm:t>
+    </dgm:pt>
+    <dgm:pt modelId="{F4A8F674-D6D5-4934-B2A3-391B59EA3277}" type="sibTrans" cxnId="{783BF064-78E6-48B8-8721-107745C67B3A}">
+      <dgm:prSet/>
+      <dgm:spPr/>
+      <dgm:t>
+        <a:bodyPr/>
+        <a:lstStyle/>
+        <a:p>
+          <a:endParaRPr lang="es-EC"/>
+        </a:p>
+      </dgm:t>
+    </dgm:pt>
+    <dgm:pt modelId="{E9BD68CC-ABDE-4513-8748-F0F75E9DDB62}">
+      <dgm:prSet phldrT="[Text]"/>
+      <dgm:spPr/>
+      <dgm:t>
+        <a:bodyPr/>
+        <a:lstStyle/>
+        <a:p>
+          <a:r>
+            <a:rPr lang="en-US" dirty="0"/>
+            <a:t>Mounting</a:t>
+          </a:r>
+          <a:endParaRPr lang="es-EC" dirty="0"/>
+        </a:p>
+      </dgm:t>
+    </dgm:pt>
+    <dgm:pt modelId="{6ACF5C99-982D-4C77-B79D-C1E068CF07AC}" type="parTrans" cxnId="{31C2BF4C-63AF-4227-91A5-7F0118BA0DEB}">
+      <dgm:prSet/>
+      <dgm:spPr/>
+      <dgm:t>
+        <a:bodyPr/>
+        <a:lstStyle/>
+        <a:p>
+          <a:endParaRPr lang="es-EC"/>
+        </a:p>
+      </dgm:t>
+    </dgm:pt>
+    <dgm:pt modelId="{0609CD72-325C-4E8C-9EEF-B7BAB28B565A}" type="sibTrans" cxnId="{31C2BF4C-63AF-4227-91A5-7F0118BA0DEB}">
+      <dgm:prSet/>
+      <dgm:spPr/>
+      <dgm:t>
+        <a:bodyPr/>
+        <a:lstStyle/>
+        <a:p>
+          <a:endParaRPr lang="es-EC"/>
+        </a:p>
+      </dgm:t>
+    </dgm:pt>
+    <dgm:pt modelId="{4BF704F4-16A4-4DE4-9695-0427F633EA2D}" type="pres">
+      <dgm:prSet presAssocID="{9A9CB95D-5A3B-49A3-8EFD-9D2F9E515BA8}" presName="cycle" presStyleCnt="0">
+        <dgm:presLayoutVars>
+          <dgm:dir/>
+          <dgm:resizeHandles val="exact"/>
+        </dgm:presLayoutVars>
+      </dgm:prSet>
+      <dgm:spPr/>
+    </dgm:pt>
+    <dgm:pt modelId="{F5F596F3-2B1B-416B-A1BC-4C4E1CCAC52F}" type="pres">
+      <dgm:prSet presAssocID="{ED7323F7-AAB1-48A4-ABA4-43D87DA0BC0C}" presName="node" presStyleLbl="node1" presStyleIdx="0" presStyleCnt="4">
+        <dgm:presLayoutVars>
+          <dgm:bulletEnabled val="1"/>
+        </dgm:presLayoutVars>
+      </dgm:prSet>
+      <dgm:spPr/>
+    </dgm:pt>
+    <dgm:pt modelId="{942B6283-5F76-4B8C-9B17-3DC7B8A6120A}" type="pres">
+      <dgm:prSet presAssocID="{ED7323F7-AAB1-48A4-ABA4-43D87DA0BC0C}" presName="spNode" presStyleCnt="0"/>
+      <dgm:spPr/>
+    </dgm:pt>
+    <dgm:pt modelId="{ECD4AE22-E4EC-4116-B738-5E581DBB87B3}" type="pres">
+      <dgm:prSet presAssocID="{98298A1F-9C2D-4B90-BA59-EE9CF1884560}" presName="sibTrans" presStyleLbl="sibTrans1D1" presStyleIdx="0" presStyleCnt="4"/>
+      <dgm:spPr/>
+    </dgm:pt>
+    <dgm:pt modelId="{23F081BE-2A38-4053-987A-69EA444B8CA5}" type="pres">
+      <dgm:prSet presAssocID="{E9BD68CC-ABDE-4513-8748-F0F75E9DDB62}" presName="node" presStyleLbl="node1" presStyleIdx="1" presStyleCnt="4">
+        <dgm:presLayoutVars>
+          <dgm:bulletEnabled val="1"/>
+        </dgm:presLayoutVars>
+      </dgm:prSet>
+      <dgm:spPr/>
+    </dgm:pt>
+    <dgm:pt modelId="{7CC615B0-7D41-4971-B42D-1186C6AC0317}" type="pres">
+      <dgm:prSet presAssocID="{E9BD68CC-ABDE-4513-8748-F0F75E9DDB62}" presName="spNode" presStyleCnt="0"/>
+      <dgm:spPr/>
+    </dgm:pt>
+    <dgm:pt modelId="{1D56489E-E25E-47C5-BD98-39D15C695986}" type="pres">
+      <dgm:prSet presAssocID="{0609CD72-325C-4E8C-9EEF-B7BAB28B565A}" presName="sibTrans" presStyleLbl="sibTrans1D1" presStyleIdx="1" presStyleCnt="4"/>
+      <dgm:spPr/>
+    </dgm:pt>
+    <dgm:pt modelId="{B34D844A-DC09-411B-B1DA-3A3AFF95B146}" type="pres">
+      <dgm:prSet presAssocID="{3EDDDCDD-9D7A-4072-AB8B-065358F5A15C}" presName="node" presStyleLbl="node1" presStyleIdx="2" presStyleCnt="4">
+        <dgm:presLayoutVars>
+          <dgm:bulletEnabled val="1"/>
+        </dgm:presLayoutVars>
+      </dgm:prSet>
+      <dgm:spPr/>
+    </dgm:pt>
+    <dgm:pt modelId="{7940EF9F-02F5-4A21-ADF5-2B49FA1723FF}" type="pres">
+      <dgm:prSet presAssocID="{3EDDDCDD-9D7A-4072-AB8B-065358F5A15C}" presName="spNode" presStyleCnt="0"/>
+      <dgm:spPr/>
+    </dgm:pt>
+    <dgm:pt modelId="{19185183-308D-4FFE-B66A-617DA7EDA285}" type="pres">
+      <dgm:prSet presAssocID="{BFC3DF01-3F58-40AD-8CF3-F8603FDB5AE1}" presName="sibTrans" presStyleLbl="sibTrans1D1" presStyleIdx="2" presStyleCnt="4"/>
+      <dgm:spPr/>
+    </dgm:pt>
+    <dgm:pt modelId="{1976E902-F512-4BB8-BFE8-89FD9000C711}" type="pres">
+      <dgm:prSet presAssocID="{89F7B193-C652-416E-BB65-533BD192F1C5}" presName="node" presStyleLbl="node1" presStyleIdx="3" presStyleCnt="4">
+        <dgm:presLayoutVars>
+          <dgm:bulletEnabled val="1"/>
+        </dgm:presLayoutVars>
+      </dgm:prSet>
+      <dgm:spPr/>
+    </dgm:pt>
+    <dgm:pt modelId="{E17059C7-9BC4-48BE-8B15-F683AF48CA4F}" type="pres">
+      <dgm:prSet presAssocID="{89F7B193-C652-416E-BB65-533BD192F1C5}" presName="spNode" presStyleCnt="0"/>
+      <dgm:spPr/>
+    </dgm:pt>
+    <dgm:pt modelId="{88F550DB-1703-40EE-9112-F575E26244FB}" type="pres">
+      <dgm:prSet presAssocID="{F4A8F674-D6D5-4934-B2A3-391B59EA3277}" presName="sibTrans" presStyleLbl="sibTrans1D1" presStyleIdx="3" presStyleCnt="4"/>
+      <dgm:spPr/>
+    </dgm:pt>
+  </dgm:ptLst>
+  <dgm:cxnLst>
+    <dgm:cxn modelId="{B5F43A11-229E-4192-BA49-3B88E40D6582}" srcId="{9A9CB95D-5A3B-49A3-8EFD-9D2F9E515BA8}" destId="{3EDDDCDD-9D7A-4072-AB8B-065358F5A15C}" srcOrd="2" destOrd="0" parTransId="{05FE18B3-0BD2-49C3-9C3F-F8413AB0B807}" sibTransId="{BFC3DF01-3F58-40AD-8CF3-F8603FDB5AE1}"/>
+    <dgm:cxn modelId="{533B3D23-AF3C-437D-84EE-FCC65C81E841}" type="presOf" srcId="{E9BD68CC-ABDE-4513-8748-F0F75E9DDB62}" destId="{23F081BE-2A38-4053-987A-69EA444B8CA5}" srcOrd="0" destOrd="0" presId="urn:microsoft.com/office/officeart/2005/8/layout/cycle5"/>
+    <dgm:cxn modelId="{F330403B-87A0-4CB7-A9E7-C9132B26A143}" type="presOf" srcId="{89F7B193-C652-416E-BB65-533BD192F1C5}" destId="{1976E902-F512-4BB8-BFE8-89FD9000C711}" srcOrd="0" destOrd="0" presId="urn:microsoft.com/office/officeart/2005/8/layout/cycle5"/>
+    <dgm:cxn modelId="{783BF064-78E6-48B8-8721-107745C67B3A}" srcId="{9A9CB95D-5A3B-49A3-8EFD-9D2F9E515BA8}" destId="{89F7B193-C652-416E-BB65-533BD192F1C5}" srcOrd="3" destOrd="0" parTransId="{8B9CE612-764A-4E1F-A4B7-99DD053AF7F8}" sibTransId="{F4A8F674-D6D5-4934-B2A3-391B59EA3277}"/>
+    <dgm:cxn modelId="{38E21167-6A45-4390-8BCF-65DE030E021F}" type="presOf" srcId="{BFC3DF01-3F58-40AD-8CF3-F8603FDB5AE1}" destId="{19185183-308D-4FFE-B66A-617DA7EDA285}" srcOrd="0" destOrd="0" presId="urn:microsoft.com/office/officeart/2005/8/layout/cycle5"/>
+    <dgm:cxn modelId="{8CAE7D6A-03F7-4724-9172-7EF0F3E4F886}" type="presOf" srcId="{3EDDDCDD-9D7A-4072-AB8B-065358F5A15C}" destId="{B34D844A-DC09-411B-B1DA-3A3AFF95B146}" srcOrd="0" destOrd="0" presId="urn:microsoft.com/office/officeart/2005/8/layout/cycle5"/>
+    <dgm:cxn modelId="{31C2BF4C-63AF-4227-91A5-7F0118BA0DEB}" srcId="{9A9CB95D-5A3B-49A3-8EFD-9D2F9E515BA8}" destId="{E9BD68CC-ABDE-4513-8748-F0F75E9DDB62}" srcOrd="1" destOrd="0" parTransId="{6ACF5C99-982D-4C77-B79D-C1E068CF07AC}" sibTransId="{0609CD72-325C-4E8C-9EEF-B7BAB28B565A}"/>
+    <dgm:cxn modelId="{1909D971-0F95-43F8-BBB0-6A95C836DCC4}" type="presOf" srcId="{ED7323F7-AAB1-48A4-ABA4-43D87DA0BC0C}" destId="{F5F596F3-2B1B-416B-A1BC-4C4E1CCAC52F}" srcOrd="0" destOrd="0" presId="urn:microsoft.com/office/officeart/2005/8/layout/cycle5"/>
+    <dgm:cxn modelId="{5DC47C56-F52F-4B60-B7E9-8726E0664A14}" type="presOf" srcId="{98298A1F-9C2D-4B90-BA59-EE9CF1884560}" destId="{ECD4AE22-E4EC-4116-B738-5E581DBB87B3}" srcOrd="0" destOrd="0" presId="urn:microsoft.com/office/officeart/2005/8/layout/cycle5"/>
+    <dgm:cxn modelId="{52EF547E-738C-49ED-959A-24761A9B0483}" srcId="{9A9CB95D-5A3B-49A3-8EFD-9D2F9E515BA8}" destId="{ED7323F7-AAB1-48A4-ABA4-43D87DA0BC0C}" srcOrd="0" destOrd="0" parTransId="{24808969-1BC2-406A-9210-F8150F382B14}" sibTransId="{98298A1F-9C2D-4B90-BA59-EE9CF1884560}"/>
+    <dgm:cxn modelId="{95946788-9CE2-4EA6-9F2E-01A065533016}" type="presOf" srcId="{0609CD72-325C-4E8C-9EEF-B7BAB28B565A}" destId="{1D56489E-E25E-47C5-BD98-39D15C695986}" srcOrd="0" destOrd="0" presId="urn:microsoft.com/office/officeart/2005/8/layout/cycle5"/>
+    <dgm:cxn modelId="{C0683AD8-8924-427D-87EE-6D79DC2646B2}" type="presOf" srcId="{9A9CB95D-5A3B-49A3-8EFD-9D2F9E515BA8}" destId="{4BF704F4-16A4-4DE4-9695-0427F633EA2D}" srcOrd="0" destOrd="0" presId="urn:microsoft.com/office/officeart/2005/8/layout/cycle5"/>
+    <dgm:cxn modelId="{57696EDC-D967-45AD-A82A-07426CBC7299}" type="presOf" srcId="{F4A8F674-D6D5-4934-B2A3-391B59EA3277}" destId="{88F550DB-1703-40EE-9112-F575E26244FB}" srcOrd="0" destOrd="0" presId="urn:microsoft.com/office/officeart/2005/8/layout/cycle5"/>
+    <dgm:cxn modelId="{2D3C37CE-078F-45FA-A62D-91045674C47E}" type="presParOf" srcId="{4BF704F4-16A4-4DE4-9695-0427F633EA2D}" destId="{F5F596F3-2B1B-416B-A1BC-4C4E1CCAC52F}" srcOrd="0" destOrd="0" presId="urn:microsoft.com/office/officeart/2005/8/layout/cycle5"/>
+    <dgm:cxn modelId="{F27618EF-D5D0-4AEC-828A-96153DDD0D83}" type="presParOf" srcId="{4BF704F4-16A4-4DE4-9695-0427F633EA2D}" destId="{942B6283-5F76-4B8C-9B17-3DC7B8A6120A}" srcOrd="1" destOrd="0" presId="urn:microsoft.com/office/officeart/2005/8/layout/cycle5"/>
+    <dgm:cxn modelId="{1D0B63F3-0F44-4E74-B51A-A81C19F406DF}" type="presParOf" srcId="{4BF704F4-16A4-4DE4-9695-0427F633EA2D}" destId="{ECD4AE22-E4EC-4116-B738-5E581DBB87B3}" srcOrd="2" destOrd="0" presId="urn:microsoft.com/office/officeart/2005/8/layout/cycle5"/>
+    <dgm:cxn modelId="{DA201954-BD2D-47BF-9F22-1B4A1EBB7D59}" type="presParOf" srcId="{4BF704F4-16A4-4DE4-9695-0427F633EA2D}" destId="{23F081BE-2A38-4053-987A-69EA444B8CA5}" srcOrd="3" destOrd="0" presId="urn:microsoft.com/office/officeart/2005/8/layout/cycle5"/>
+    <dgm:cxn modelId="{1F724B9D-F99E-43A7-BB35-60915EBA399C}" type="presParOf" srcId="{4BF704F4-16A4-4DE4-9695-0427F633EA2D}" destId="{7CC615B0-7D41-4971-B42D-1186C6AC0317}" srcOrd="4" destOrd="0" presId="urn:microsoft.com/office/officeart/2005/8/layout/cycle5"/>
+    <dgm:cxn modelId="{BDB1F798-05BB-4ACD-B018-4FEC9440B26D}" type="presParOf" srcId="{4BF704F4-16A4-4DE4-9695-0427F633EA2D}" destId="{1D56489E-E25E-47C5-BD98-39D15C695986}" srcOrd="5" destOrd="0" presId="urn:microsoft.com/office/officeart/2005/8/layout/cycle5"/>
+    <dgm:cxn modelId="{B47689D7-1188-4EDF-950A-DB14DFD991C5}" type="presParOf" srcId="{4BF704F4-16A4-4DE4-9695-0427F633EA2D}" destId="{B34D844A-DC09-411B-B1DA-3A3AFF95B146}" srcOrd="6" destOrd="0" presId="urn:microsoft.com/office/officeart/2005/8/layout/cycle5"/>
+    <dgm:cxn modelId="{0FCDC54F-68CA-4D4B-8F26-3B18686B006D}" type="presParOf" srcId="{4BF704F4-16A4-4DE4-9695-0427F633EA2D}" destId="{7940EF9F-02F5-4A21-ADF5-2B49FA1723FF}" srcOrd="7" destOrd="0" presId="urn:microsoft.com/office/officeart/2005/8/layout/cycle5"/>
+    <dgm:cxn modelId="{0994A124-DC22-48BC-9B77-020EAD7CE601}" type="presParOf" srcId="{4BF704F4-16A4-4DE4-9695-0427F633EA2D}" destId="{19185183-308D-4FFE-B66A-617DA7EDA285}" srcOrd="8" destOrd="0" presId="urn:microsoft.com/office/officeart/2005/8/layout/cycle5"/>
+    <dgm:cxn modelId="{EC5EB87F-70E5-4127-A58A-06EA042C54D9}" type="presParOf" srcId="{4BF704F4-16A4-4DE4-9695-0427F633EA2D}" destId="{1976E902-F512-4BB8-BFE8-89FD9000C711}" srcOrd="9" destOrd="0" presId="urn:microsoft.com/office/officeart/2005/8/layout/cycle5"/>
+    <dgm:cxn modelId="{46DF6D9D-65C2-4879-B086-C4680BD403EB}" type="presParOf" srcId="{4BF704F4-16A4-4DE4-9695-0427F633EA2D}" destId="{E17059C7-9BC4-48BE-8B15-F683AF48CA4F}" srcOrd="10" destOrd="0" presId="urn:microsoft.com/office/officeart/2005/8/layout/cycle5"/>
+    <dgm:cxn modelId="{E1F53772-449C-4236-9B44-286B9B818E1C}" type="presParOf" srcId="{4BF704F4-16A4-4DE4-9695-0427F633EA2D}" destId="{88F550DB-1703-40EE-9112-F575E26244FB}" srcOrd="11" destOrd="0" presId="urn:microsoft.com/office/officeart/2005/8/layout/cycle5"/>
+  </dgm:cxnLst>
+  <dgm:bg/>
+  <dgm:whole/>
+  <dgm:extLst>
+    <a:ext uri="http://schemas.microsoft.com/office/drawing/2008/diagram">
+      <dsp:dataModelExt xmlns:dsp="http://schemas.microsoft.com/office/drawing/2008/diagram" relId="rId6" minVer="http://schemas.openxmlformats.org/drawingml/2006/diagram"/>
+    </a:ext>
+  </dgm:extLst>
+</dgm:dataModel>
+</file>
+
+<file path=ppt/diagrams/drawing1.xml><?xml version="1.0" encoding="utf-8"?>
+<dsp:drawing xmlns:dgm="http://schemas.openxmlformats.org/drawingml/2006/diagram" xmlns:dsp="http://schemas.microsoft.com/office/drawing/2008/diagram" xmlns:a="http://schemas.openxmlformats.org/drawingml/2006/main">
+  <dsp:spTree>
+    <dsp:nvGrpSpPr>
+      <dsp:cNvPr id="0" name=""/>
+      <dsp:cNvGrpSpPr/>
+    </dsp:nvGrpSpPr>
+    <dsp:grpSpPr/>
+    <dsp:sp modelId="{F5F596F3-2B1B-416B-A1BC-4C4E1CCAC52F}">
+      <dsp:nvSpPr>
+        <dsp:cNvPr id="0" name=""/>
+        <dsp:cNvSpPr/>
+      </dsp:nvSpPr>
+      <dsp:spPr>
+        <a:xfrm>
+          <a:off x="2568199" y="347"/>
+          <a:ext cx="1703227" cy="1107097"/>
+        </a:xfrm>
+        <a:prstGeom prst="roundRect">
+          <a:avLst/>
+        </a:prstGeom>
+        <a:solidFill>
+          <a:schemeClr val="accent1">
+            <a:hueOff val="0"/>
+            <a:satOff val="0"/>
+            <a:lumOff val="0"/>
+            <a:alphaOff val="0"/>
+          </a:schemeClr>
+        </a:solidFill>
+        <a:ln w="19050" cap="flat" cmpd="sng" algn="ctr">
+          <a:solidFill>
+            <a:schemeClr val="lt1">
+              <a:hueOff val="0"/>
+              <a:satOff val="0"/>
+              <a:lumOff val="0"/>
+              <a:alphaOff val="0"/>
+            </a:schemeClr>
+          </a:solidFill>
+          <a:prstDash val="solid"/>
+          <a:miter lim="800000"/>
+        </a:ln>
+        <a:effectLst/>
+      </dsp:spPr>
+      <dsp:style>
+        <a:lnRef idx="2">
+          <a:scrgbClr r="0" g="0" b="0"/>
+        </a:lnRef>
+        <a:fillRef idx="1">
+          <a:scrgbClr r="0" g="0" b="0"/>
+        </a:fillRef>
+        <a:effectRef idx="0">
+          <a:scrgbClr r="0" g="0" b="0"/>
+        </a:effectRef>
+        <a:fontRef idx="minor">
+          <a:schemeClr val="lt1"/>
+        </a:fontRef>
+      </dsp:style>
+      <dsp:txBody>
+        <a:bodyPr spcFirstLastPara="0" vert="horz" wrap="square" lIns="80010" tIns="80010" rIns="80010" bIns="80010" numCol="1" spcCol="1270" anchor="ctr" anchorCtr="0">
+          <a:noAutofit/>
+        </a:bodyPr>
+        <a:lstStyle/>
+        <a:p>
+          <a:pPr marL="0" lvl="0" indent="0" algn="ctr" defTabSz="933450">
+            <a:lnSpc>
+              <a:spcPct val="90000"/>
+            </a:lnSpc>
+            <a:spcBef>
+              <a:spcPct val="0"/>
+            </a:spcBef>
+            <a:spcAft>
+              <a:spcPct val="35000"/>
+            </a:spcAft>
+            <a:buNone/>
+          </a:pPr>
+          <a:r>
+            <a:rPr lang="en-US" sz="2100" kern="1200" dirty="0"/>
+            <a:t>Initialization</a:t>
+          </a:r>
+          <a:endParaRPr lang="es-EC" sz="2100" kern="1200" dirty="0"/>
+        </a:p>
+      </dsp:txBody>
+      <dsp:txXfrm>
+        <a:off x="2622243" y="54391"/>
+        <a:ext cx="1595139" cy="999009"/>
+      </dsp:txXfrm>
+    </dsp:sp>
+    <dsp:sp modelId="{ECD4AE22-E4EC-4116-B738-5E581DBB87B3}">
+      <dsp:nvSpPr>
+        <dsp:cNvPr id="0" name=""/>
+        <dsp:cNvSpPr/>
+      </dsp:nvSpPr>
+      <dsp:spPr>
+        <a:xfrm>
+          <a:off x="1590342" y="553896"/>
+          <a:ext cx="3658940" cy="3658940"/>
+        </a:xfrm>
+        <a:custGeom>
+          <a:avLst/>
+          <a:gdLst/>
+          <a:ahLst/>
+          <a:cxnLst/>
+          <a:rect l="0" t="0" r="0" b="0"/>
+          <a:pathLst>
+            <a:path>
+              <a:moveTo>
+                <a:pt x="2916327" y="357837"/>
+              </a:moveTo>
+              <a:arcTo wR="1829470" hR="1829470" stAng="18386838" swAng="1634135"/>
+            </a:path>
+          </a:pathLst>
+        </a:custGeom>
+        <a:noFill/>
+        <a:ln w="12700" cap="flat" cmpd="sng" algn="ctr">
+          <a:solidFill>
+            <a:schemeClr val="accent1">
+              <a:hueOff val="0"/>
+              <a:satOff val="0"/>
+              <a:lumOff val="0"/>
+              <a:alphaOff val="0"/>
+            </a:schemeClr>
+          </a:solidFill>
+          <a:prstDash val="solid"/>
+          <a:miter lim="800000"/>
+          <a:tailEnd type="arrow"/>
+        </a:ln>
+        <a:effectLst/>
+      </dsp:spPr>
+      <dsp:style>
+        <a:lnRef idx="1">
+          <a:scrgbClr r="0" g="0" b="0"/>
+        </a:lnRef>
+        <a:fillRef idx="0">
+          <a:scrgbClr r="0" g="0" b="0"/>
+        </a:fillRef>
+        <a:effectRef idx="0">
+          <a:scrgbClr r="0" g="0" b="0"/>
+        </a:effectRef>
+        <a:fontRef idx="minor"/>
+      </dsp:style>
+    </dsp:sp>
+    <dsp:sp modelId="{23F081BE-2A38-4053-987A-69EA444B8CA5}">
+      <dsp:nvSpPr>
+        <dsp:cNvPr id="0" name=""/>
+        <dsp:cNvSpPr/>
+      </dsp:nvSpPr>
+      <dsp:spPr>
+        <a:xfrm>
+          <a:off x="4397669" y="1829817"/>
+          <a:ext cx="1703227" cy="1107097"/>
+        </a:xfrm>
+        <a:prstGeom prst="roundRect">
+          <a:avLst/>
+        </a:prstGeom>
+        <a:solidFill>
+          <a:schemeClr val="accent1">
+            <a:hueOff val="0"/>
+            <a:satOff val="0"/>
+            <a:lumOff val="0"/>
+            <a:alphaOff val="0"/>
+          </a:schemeClr>
+        </a:solidFill>
+        <a:ln w="19050" cap="flat" cmpd="sng" algn="ctr">
+          <a:solidFill>
+            <a:schemeClr val="lt1">
+              <a:hueOff val="0"/>
+              <a:satOff val="0"/>
+              <a:lumOff val="0"/>
+              <a:alphaOff val="0"/>
+            </a:schemeClr>
+          </a:solidFill>
+          <a:prstDash val="solid"/>
+          <a:miter lim="800000"/>
+        </a:ln>
+        <a:effectLst/>
+      </dsp:spPr>
+      <dsp:style>
+        <a:lnRef idx="2">
+          <a:scrgbClr r="0" g="0" b="0"/>
+        </a:lnRef>
+        <a:fillRef idx="1">
+          <a:scrgbClr r="0" g="0" b="0"/>
+        </a:fillRef>
+        <a:effectRef idx="0">
+          <a:scrgbClr r="0" g="0" b="0"/>
+        </a:effectRef>
+        <a:fontRef idx="minor">
+          <a:schemeClr val="lt1"/>
+        </a:fontRef>
+      </dsp:style>
+      <dsp:txBody>
+        <a:bodyPr spcFirstLastPara="0" vert="horz" wrap="square" lIns="80010" tIns="80010" rIns="80010" bIns="80010" numCol="1" spcCol="1270" anchor="ctr" anchorCtr="0">
+          <a:noAutofit/>
+        </a:bodyPr>
+        <a:lstStyle/>
+        <a:p>
+          <a:pPr marL="0" lvl="0" indent="0" algn="ctr" defTabSz="933450">
+            <a:lnSpc>
+              <a:spcPct val="90000"/>
+            </a:lnSpc>
+            <a:spcBef>
+              <a:spcPct val="0"/>
+            </a:spcBef>
+            <a:spcAft>
+              <a:spcPct val="35000"/>
+            </a:spcAft>
+            <a:buNone/>
+          </a:pPr>
+          <a:r>
+            <a:rPr lang="en-US" sz="2100" kern="1200" dirty="0"/>
+            <a:t>Mounting</a:t>
+          </a:r>
+          <a:endParaRPr lang="es-EC" sz="2100" kern="1200" dirty="0"/>
+        </a:p>
+      </dsp:txBody>
+      <dsp:txXfrm>
+        <a:off x="4451713" y="1883861"/>
+        <a:ext cx="1595139" cy="999009"/>
+      </dsp:txXfrm>
+    </dsp:sp>
+    <dsp:sp modelId="{1D56489E-E25E-47C5-BD98-39D15C695986}">
+      <dsp:nvSpPr>
+        <dsp:cNvPr id="0" name=""/>
+        <dsp:cNvSpPr/>
+      </dsp:nvSpPr>
+      <dsp:spPr>
+        <a:xfrm>
+          <a:off x="1590342" y="553896"/>
+          <a:ext cx="3658940" cy="3658940"/>
+        </a:xfrm>
+        <a:custGeom>
+          <a:avLst/>
+          <a:gdLst/>
+          <a:ahLst/>
+          <a:cxnLst/>
+          <a:rect l="0" t="0" r="0" b="0"/>
+          <a:pathLst>
+            <a:path>
+              <a:moveTo>
+                <a:pt x="3469323" y="2640545"/>
+              </a:moveTo>
+              <a:arcTo wR="1829470" hR="1829470" stAng="1579027" swAng="1634135"/>
+            </a:path>
+          </a:pathLst>
+        </a:custGeom>
+        <a:noFill/>
+        <a:ln w="12700" cap="flat" cmpd="sng" algn="ctr">
+          <a:solidFill>
+            <a:schemeClr val="accent1">
+              <a:hueOff val="0"/>
+              <a:satOff val="0"/>
+              <a:lumOff val="0"/>
+              <a:alphaOff val="0"/>
+            </a:schemeClr>
+          </a:solidFill>
+          <a:prstDash val="solid"/>
+          <a:miter lim="800000"/>
+          <a:tailEnd type="arrow"/>
+        </a:ln>
+        <a:effectLst/>
+      </dsp:spPr>
+      <dsp:style>
+        <a:lnRef idx="1">
+          <a:scrgbClr r="0" g="0" b="0"/>
+        </a:lnRef>
+        <a:fillRef idx="0">
+          <a:scrgbClr r="0" g="0" b="0"/>
+        </a:fillRef>
+        <a:effectRef idx="0">
+          <a:scrgbClr r="0" g="0" b="0"/>
+        </a:effectRef>
+        <a:fontRef idx="minor"/>
+      </dsp:style>
+    </dsp:sp>
+    <dsp:sp modelId="{B34D844A-DC09-411B-B1DA-3A3AFF95B146}">
+      <dsp:nvSpPr>
+        <dsp:cNvPr id="0" name=""/>
+        <dsp:cNvSpPr/>
+      </dsp:nvSpPr>
+      <dsp:spPr>
+        <a:xfrm>
+          <a:off x="2568199" y="3659287"/>
+          <a:ext cx="1703227" cy="1107097"/>
+        </a:xfrm>
+        <a:prstGeom prst="roundRect">
+          <a:avLst/>
+        </a:prstGeom>
+        <a:solidFill>
+          <a:schemeClr val="accent1">
+            <a:hueOff val="0"/>
+            <a:satOff val="0"/>
+            <a:lumOff val="0"/>
+            <a:alphaOff val="0"/>
+          </a:schemeClr>
+        </a:solidFill>
+        <a:ln w="19050" cap="flat" cmpd="sng" algn="ctr">
+          <a:solidFill>
+            <a:schemeClr val="lt1">
+              <a:hueOff val="0"/>
+              <a:satOff val="0"/>
+              <a:lumOff val="0"/>
+              <a:alphaOff val="0"/>
+            </a:schemeClr>
+          </a:solidFill>
+          <a:prstDash val="solid"/>
+          <a:miter lim="800000"/>
+        </a:ln>
+        <a:effectLst/>
+      </dsp:spPr>
+      <dsp:style>
+        <a:lnRef idx="2">
+          <a:scrgbClr r="0" g="0" b="0"/>
+        </a:lnRef>
+        <a:fillRef idx="1">
+          <a:scrgbClr r="0" g="0" b="0"/>
+        </a:fillRef>
+        <a:effectRef idx="0">
+          <a:scrgbClr r="0" g="0" b="0"/>
+        </a:effectRef>
+        <a:fontRef idx="minor">
+          <a:schemeClr val="lt1"/>
+        </a:fontRef>
+      </dsp:style>
+      <dsp:txBody>
+        <a:bodyPr spcFirstLastPara="0" vert="horz" wrap="square" lIns="80010" tIns="80010" rIns="80010" bIns="80010" numCol="1" spcCol="1270" anchor="ctr" anchorCtr="0">
+          <a:noAutofit/>
+        </a:bodyPr>
+        <a:lstStyle/>
+        <a:p>
+          <a:pPr marL="0" lvl="0" indent="0" algn="ctr" defTabSz="933450">
+            <a:lnSpc>
+              <a:spcPct val="90000"/>
+            </a:lnSpc>
+            <a:spcBef>
+              <a:spcPct val="0"/>
+            </a:spcBef>
+            <a:spcAft>
+              <a:spcPct val="35000"/>
+            </a:spcAft>
+            <a:buNone/>
+          </a:pPr>
+          <a:r>
+            <a:rPr lang="en-US" sz="2100" kern="1200" dirty="0"/>
+            <a:t>Updating</a:t>
+          </a:r>
+          <a:endParaRPr lang="es-EC" sz="2100" kern="1200" dirty="0"/>
+        </a:p>
+      </dsp:txBody>
+      <dsp:txXfrm>
+        <a:off x="2622243" y="3713331"/>
+        <a:ext cx="1595139" cy="999009"/>
+      </dsp:txXfrm>
+    </dsp:sp>
+    <dsp:sp modelId="{19185183-308D-4FFE-B66A-617DA7EDA285}">
+      <dsp:nvSpPr>
+        <dsp:cNvPr id="0" name=""/>
+        <dsp:cNvSpPr/>
+      </dsp:nvSpPr>
+      <dsp:spPr>
+        <a:xfrm>
+          <a:off x="1590342" y="553896"/>
+          <a:ext cx="3658940" cy="3658940"/>
+        </a:xfrm>
+        <a:custGeom>
+          <a:avLst/>
+          <a:gdLst/>
+          <a:ahLst/>
+          <a:cxnLst/>
+          <a:rect l="0" t="0" r="0" b="0"/>
+          <a:pathLst>
+            <a:path>
+              <a:moveTo>
+                <a:pt x="742612" y="3301102"/>
+              </a:moveTo>
+              <a:arcTo wR="1829470" hR="1829470" stAng="7586838" swAng="1634135"/>
+            </a:path>
+          </a:pathLst>
+        </a:custGeom>
+        <a:noFill/>
+        <a:ln w="12700" cap="flat" cmpd="sng" algn="ctr">
+          <a:solidFill>
+            <a:schemeClr val="accent1">
+              <a:hueOff val="0"/>
+              <a:satOff val="0"/>
+              <a:lumOff val="0"/>
+              <a:alphaOff val="0"/>
+            </a:schemeClr>
+          </a:solidFill>
+          <a:prstDash val="solid"/>
+          <a:miter lim="800000"/>
+          <a:tailEnd type="arrow"/>
+        </a:ln>
+        <a:effectLst/>
+      </dsp:spPr>
+      <dsp:style>
+        <a:lnRef idx="1">
+          <a:scrgbClr r="0" g="0" b="0"/>
+        </a:lnRef>
+        <a:fillRef idx="0">
+          <a:scrgbClr r="0" g="0" b="0"/>
+        </a:fillRef>
+        <a:effectRef idx="0">
+          <a:scrgbClr r="0" g="0" b="0"/>
+        </a:effectRef>
+        <a:fontRef idx="minor"/>
+      </dsp:style>
+    </dsp:sp>
+    <dsp:sp modelId="{1976E902-F512-4BB8-BFE8-89FD9000C711}">
+      <dsp:nvSpPr>
+        <dsp:cNvPr id="0" name=""/>
+        <dsp:cNvSpPr/>
+      </dsp:nvSpPr>
+      <dsp:spPr>
+        <a:xfrm>
+          <a:off x="738729" y="1829817"/>
+          <a:ext cx="1703227" cy="1107097"/>
+        </a:xfrm>
+        <a:prstGeom prst="roundRect">
+          <a:avLst/>
+        </a:prstGeom>
+        <a:solidFill>
+          <a:schemeClr val="accent1">
+            <a:hueOff val="0"/>
+            <a:satOff val="0"/>
+            <a:lumOff val="0"/>
+            <a:alphaOff val="0"/>
+          </a:schemeClr>
+        </a:solidFill>
+        <a:ln w="19050" cap="flat" cmpd="sng" algn="ctr">
+          <a:solidFill>
+            <a:schemeClr val="lt1">
+              <a:hueOff val="0"/>
+              <a:satOff val="0"/>
+              <a:lumOff val="0"/>
+              <a:alphaOff val="0"/>
+            </a:schemeClr>
+          </a:solidFill>
+          <a:prstDash val="solid"/>
+          <a:miter lim="800000"/>
+        </a:ln>
+        <a:effectLst/>
+      </dsp:spPr>
+      <dsp:style>
+        <a:lnRef idx="2">
+          <a:scrgbClr r="0" g="0" b="0"/>
+        </a:lnRef>
+        <a:fillRef idx="1">
+          <a:scrgbClr r="0" g="0" b="0"/>
+        </a:fillRef>
+        <a:effectRef idx="0">
+          <a:scrgbClr r="0" g="0" b="0"/>
+        </a:effectRef>
+        <a:fontRef idx="minor">
+          <a:schemeClr val="lt1"/>
+        </a:fontRef>
+      </dsp:style>
+      <dsp:txBody>
+        <a:bodyPr spcFirstLastPara="0" vert="horz" wrap="square" lIns="80010" tIns="80010" rIns="80010" bIns="80010" numCol="1" spcCol="1270" anchor="ctr" anchorCtr="0">
+          <a:noAutofit/>
+        </a:bodyPr>
+        <a:lstStyle/>
+        <a:p>
+          <a:pPr marL="0" lvl="0" indent="0" algn="ctr" defTabSz="933450">
+            <a:lnSpc>
+              <a:spcPct val="90000"/>
+            </a:lnSpc>
+            <a:spcBef>
+              <a:spcPct val="0"/>
+            </a:spcBef>
+            <a:spcAft>
+              <a:spcPct val="35000"/>
+            </a:spcAft>
+            <a:buNone/>
+          </a:pPr>
+          <a:r>
+            <a:rPr lang="en-US" sz="2100" kern="1200" dirty="0"/>
+            <a:t>Unmounting</a:t>
+          </a:r>
+          <a:endParaRPr lang="es-EC" sz="2100" kern="1200" dirty="0"/>
+        </a:p>
+      </dsp:txBody>
+      <dsp:txXfrm>
+        <a:off x="792773" y="1883861"/>
+        <a:ext cx="1595139" cy="999009"/>
+      </dsp:txXfrm>
+    </dsp:sp>
+    <dsp:sp modelId="{88F550DB-1703-40EE-9112-F575E26244FB}">
+      <dsp:nvSpPr>
+        <dsp:cNvPr id="0" name=""/>
+        <dsp:cNvSpPr/>
+      </dsp:nvSpPr>
+      <dsp:spPr>
+        <a:xfrm>
+          <a:off x="1590342" y="553896"/>
+          <a:ext cx="3658940" cy="3658940"/>
+        </a:xfrm>
+        <a:custGeom>
+          <a:avLst/>
+          <a:gdLst/>
+          <a:ahLst/>
+          <a:cxnLst/>
+          <a:rect l="0" t="0" r="0" b="0"/>
+          <a:pathLst>
+            <a:path>
+              <a:moveTo>
+                <a:pt x="189617" y="1018394"/>
+              </a:moveTo>
+              <a:arcTo wR="1829470" hR="1829470" stAng="12379027" swAng="1634135"/>
+            </a:path>
+          </a:pathLst>
+        </a:custGeom>
+        <a:noFill/>
+        <a:ln w="12700" cap="flat" cmpd="sng" algn="ctr">
+          <a:solidFill>
+            <a:schemeClr val="accent1">
+              <a:hueOff val="0"/>
+              <a:satOff val="0"/>
+              <a:lumOff val="0"/>
+              <a:alphaOff val="0"/>
+            </a:schemeClr>
+          </a:solidFill>
+          <a:prstDash val="solid"/>
+          <a:miter lim="800000"/>
+          <a:tailEnd type="arrow"/>
+        </a:ln>
+        <a:effectLst/>
+      </dsp:spPr>
+      <dsp:style>
+        <a:lnRef idx="1">
+          <a:scrgbClr r="0" g="0" b="0"/>
+        </a:lnRef>
+        <a:fillRef idx="0">
+          <a:scrgbClr r="0" g="0" b="0"/>
+        </a:fillRef>
+        <a:effectRef idx="0">
+          <a:scrgbClr r="0" g="0" b="0"/>
+        </a:effectRef>
+        <a:fontRef idx="minor"/>
+      </dsp:style>
+    </dsp:sp>
+  </dsp:spTree>
+</dsp:drawing>
+</file>
+
+<file path=ppt/diagrams/layout1.xml><?xml version="1.0" encoding="utf-8"?>
+<dgm:layoutDef xmlns:dgm="http://schemas.openxmlformats.org/drawingml/2006/diagram" xmlns:a="http://schemas.openxmlformats.org/drawingml/2006/main" uniqueId="urn:microsoft.com/office/officeart/2005/8/layout/cycle5">
+  <dgm:title val=""/>
+  <dgm:desc val=""/>
+  <dgm:catLst>
+    <dgm:cat type="cycle" pri="3000"/>
+  </dgm:catLst>
+  <dgm:sampData>
+    <dgm:dataModel>
+      <dgm:ptLst>
+        <dgm:pt modelId="0" type="doc"/>
+        <dgm:pt modelId="1">
+          <dgm:prSet phldr="1"/>
+        </dgm:pt>
+        <dgm:pt modelId="2">
+          <dgm:prSet phldr="1"/>
+        </dgm:pt>
+        <dgm:pt modelId="3">
+          <dgm:prSet phldr="1"/>
+        </dgm:pt>
+        <dgm:pt modelId="4">
+          <dgm:prSet phldr="1"/>
+        </dgm:pt>
+        <dgm:pt modelId="5">
+          <dgm:prSet phldr="1"/>
+        </dgm:pt>
+      </dgm:ptLst>
+      <dgm:cxnLst>
+        <dgm:cxn modelId="6" srcId="0" destId="1" srcOrd="0" destOrd="0"/>
+        <dgm:cxn modelId="7" srcId="0" destId="2" srcOrd="1" destOrd="0"/>
+        <dgm:cxn modelId="8" srcId="0" destId="3" srcOrd="2" destOrd="0"/>
+        <dgm:cxn modelId="9" srcId="0" destId="4" srcOrd="3" destOrd="0"/>
+        <dgm:cxn modelId="10" srcId="0" destId="5" srcOrd="4" destOrd="0"/>
+      </dgm:cxnLst>
+      <dgm:bg/>
+      <dgm:whole/>
+    </dgm:dataModel>
+  </dgm:sampData>
+  <dgm:styleData>
+    <dgm:dataModel>
+      <dgm:ptLst>
+        <dgm:pt modelId="0" type="doc"/>
+        <dgm:pt modelId="1"/>
+        <dgm:pt modelId="2"/>
+        <dgm:pt modelId="3"/>
+      </dgm:ptLst>
+      <dgm:cxnLst>
+        <dgm:cxn modelId="4" srcId="0" destId="1" srcOrd="0" destOrd="0"/>
+        <dgm:cxn modelId="5" srcId="0" destId="2" srcOrd="1" destOrd="0"/>
+        <dgm:cxn modelId="6" srcId="0" destId="3" srcOrd="2" destOrd="0"/>
+      </dgm:cxnLst>
+      <dgm:bg/>
+      <dgm:whole/>
+    </dgm:dataModel>
+  </dgm:styleData>
+  <dgm:clrData>
+    <dgm:dataModel>
+      <dgm:ptLst>
+        <dgm:pt modelId="0" type="doc"/>
+        <dgm:pt modelId="1"/>
+        <dgm:pt modelId="2"/>
+        <dgm:pt modelId="3"/>
+        <dgm:pt modelId="4"/>
+        <dgm:pt modelId="5"/>
+        <dgm:pt modelId="6"/>
+      </dgm:ptLst>
+      <dgm:cxnLst>
+        <dgm:cxn modelId="7" srcId="0" destId="1" srcOrd="0" destOrd="0"/>
+        <dgm:cxn modelId="8" srcId="0" destId="2" srcOrd="1" destOrd="0"/>
+        <dgm:cxn modelId="9" srcId="0" destId="3" srcOrd="2" destOrd="0"/>
+        <dgm:cxn modelId="10" srcId="0" destId="4" srcOrd="3" destOrd="0"/>
+        <dgm:cxn modelId="11" srcId="0" destId="5" srcOrd="4" destOrd="0"/>
+        <dgm:cxn modelId="12" srcId="0" destId="6" srcOrd="5" destOrd="0"/>
+      </dgm:cxnLst>
+      <dgm:bg/>
+      <dgm:whole/>
+    </dgm:dataModel>
+  </dgm:clrData>
+  <dgm:layoutNode name="cycle">
+    <dgm:varLst>
+      <dgm:dir/>
+      <dgm:resizeHandles val="exact"/>
+    </dgm:varLst>
+    <dgm:choose name="Name0">
+      <dgm:if name="Name1" func="var" arg="dir" op="equ" val="norm">
+        <dgm:choose name="Name2">
+          <dgm:if name="Name3" axis="ch" ptType="node" func="cnt" op="gt" val="2">
+            <dgm:alg type="cycle">
+              <dgm:param type="stAng" val="0"/>
+              <dgm:param type="spanAng" val="360"/>
+            </dgm:alg>
+          </dgm:if>
+          <dgm:else name="Name4">
+            <dgm:alg type="cycle">
+              <dgm:param type="stAng" val="-90"/>
+              <dgm:param type="spanAng" val="360"/>
+            </dgm:alg>
+          </dgm:else>
+        </dgm:choose>
+      </dgm:if>
+      <dgm:else name="Name5">
+        <dgm:choose name="Name6">
+          <dgm:if name="Name7" axis="ch" ptType="node" func="cnt" op="gt" val="2">
+            <dgm:alg type="cycle">
+              <dgm:param type="stAng" val="0"/>
+              <dgm:param type="spanAng" val="-360"/>
+            </dgm:alg>
+          </dgm:if>
+          <dgm:else name="Name8">
+            <dgm:alg type="cycle">
+              <dgm:param type="stAng" val="90"/>
+              <dgm:param type="spanAng" val="-360"/>
+            </dgm:alg>
+          </dgm:else>
+        </dgm:choose>
+      </dgm:else>
+    </dgm:choose>
+    <dgm:shape xmlns:r="http://schemas.openxmlformats.org/officeDocument/2006/relationships" r:blip="">
+      <dgm:adjLst/>
+    </dgm:shape>
+    <dgm:presOf/>
+    <dgm:choose name="Name9">
+      <dgm:if name="Name10" func="var" arg="dir" op="equ" val="norm">
+        <dgm:constrLst>
+          <dgm:constr type="w" for="ch" forName="node" refType="w"/>
+          <dgm:constr type="w" for="ch" ptType="sibTrans" refType="w" refFor="ch" refForName="node" op="equ" fact="0.3"/>
+          <dgm:constr type="diam" for="ch" ptType="sibTrans" refType="diam" op="equ"/>
+          <dgm:constr type="sibSp" refType="w" refFor="ch" refForName="node" op="equ" fact="0.15"/>
+          <dgm:constr type="w" for="ch" forName="spNode" refType="sibSp" fact="1.6"/>
+          <dgm:constr type="primFontSz" for="ch" forName="node" op="equ" val="65"/>
+        </dgm:constrLst>
+      </dgm:if>
+      <dgm:else name="Name11">
+        <dgm:constrLst>
+          <dgm:constr type="w" for="ch" forName="node" refType="w"/>
+          <dgm:constr type="w" for="ch" ptType="sibTrans" refType="w" refFor="ch" refForName="node" op="equ" fact="0.3"/>
+          <dgm:constr type="diam" for="ch" ptType="sibTrans" refType="diam" fact="-1"/>
+          <dgm:constr type="diam" for="ch" refType="diam" op="equ" fact="-1"/>
+          <dgm:constr type="sibSp" refType="w" refFor="ch" refForName="node" op="equ" fact="0.15"/>
+          <dgm:constr type="w" for="ch" forName="spNode" refType="sibSp" fact="1.6"/>
+          <dgm:constr type="primFontSz" for="ch" forName="node" op="equ" val="65"/>
+        </dgm:constrLst>
+      </dgm:else>
+    </dgm:choose>
+    <dgm:ruleLst/>
+    <dgm:forEach name="Name12" axis="ch" ptType="node">
+      <dgm:layoutNode name="node">
+        <dgm:varLst>
+          <dgm:bulletEnabled val="1"/>
+        </dgm:varLst>
+        <dgm:alg type="tx"/>
+        <dgm:shape xmlns:r="http://schemas.openxmlformats.org/officeDocument/2006/relationships" type="roundRect" r:blip="">
+          <dgm:adjLst/>
+        </dgm:shape>
+        <dgm:presOf axis="desOrSelf" ptType="node"/>
+        <dgm:constrLst>
+          <dgm:constr type="h" refType="w" fact="0.65"/>
+          <dgm:constr type="tMarg" refType="primFontSz" fact="0.3"/>
+          <dgm:constr type="bMarg" refType="primFontSz" fact="0.3"/>
+          <dgm:constr type="lMarg" refType="primFontSz" fact="0.3"/>
+          <dgm:constr type="rMarg" refType="primFontSz" fact="0.3"/>
+        </dgm:constrLst>
+        <dgm:ruleLst>
+          <dgm:rule type="primFontSz" val="5" fact="NaN" max="NaN"/>
+        </dgm:ruleLst>
+      </dgm:layoutNode>
+      <dgm:choose name="Name13">
+        <dgm:if name="Name14" axis="par ch" ptType="doc node" func="cnt" op="gt" val="1">
+          <dgm:layoutNode name="spNode">
+            <dgm:alg type="sp"/>
+            <dgm:shape xmlns:r="http://schemas.openxmlformats.org/officeDocument/2006/relationships" r:blip="">
+              <dgm:adjLst/>
+            </dgm:shape>
+            <dgm:presOf/>
+            <dgm:constrLst>
+              <dgm:constr type="h" refType="w"/>
+            </dgm:constrLst>
+            <dgm:ruleLst/>
+          </dgm:layoutNode>
+          <dgm:forEach name="Name15" axis="followSib" ptType="sibTrans" hideLastTrans="0" cnt="1">
+            <dgm:layoutNode name="sibTrans">
+              <dgm:alg type="conn">
+                <dgm:param type="dim" val="1D"/>
+                <dgm:param type="connRout" val="curve"/>
+                <dgm:param type="begPts" val="radial"/>
+                <dgm:param type="endPts" val="radial"/>
+              </dgm:alg>
+              <dgm:shape xmlns:r="http://schemas.openxmlformats.org/officeDocument/2006/relationships" type="conn" r:blip="">
+                <dgm:adjLst/>
+              </dgm:shape>
+              <dgm:presOf axis="self"/>
+              <dgm:constrLst>
+                <dgm:constr type="h" refType="w" fact="0.65"/>
+                <dgm:constr type="connDist"/>
+                <dgm:constr type="begPad" refType="connDist" fact="0.2"/>
+                <dgm:constr type="endPad" refType="connDist" fact="0.2"/>
+              </dgm:constrLst>
+              <dgm:ruleLst/>
+            </dgm:layoutNode>
+          </dgm:forEach>
+        </dgm:if>
+        <dgm:else name="Name16"/>
+      </dgm:choose>
+    </dgm:forEach>
+  </dgm:layoutNode>
+</dgm:layoutDef>
+</file>
+
+<file path=ppt/diagrams/quickStyle1.xml><?xml version="1.0" encoding="utf-8"?>
+<dgm:styleDef xmlns:dgm="http://schemas.openxmlformats.org/drawingml/2006/diagram" xmlns:a="http://schemas.openxmlformats.org/drawingml/2006/main" uniqueId="urn:microsoft.com/office/officeart/2005/8/quickstyle/simple1">
+  <dgm:title val=""/>
+  <dgm:desc val=""/>
+  <dgm:catLst>
+    <dgm:cat type="simple" pri="10100"/>
+  </dgm:catLst>
+  <dgm:scene3d>
+    <a:camera prst="orthographicFront"/>
+    <a:lightRig rig="threePt" dir="t"/>
+  </dgm:scene3d>
+  <dgm:styleLbl name="node0">
+    <dgm:scene3d>
+      <a:camera prst="orthographicFront"/>
+      <a:lightRig rig="threePt" dir="t"/>
+    </dgm:scene3d>
+    <dgm:sp3d/>
+    <dgm:txPr/>
+    <dgm:style>
+      <a:lnRef idx="2">
+        <a:scrgbClr r="0" g="0" b="0"/>
+      </a:lnRef>
+      <a:fillRef idx="1">
+        <a:scrgbClr r="0" g="0" b="0"/>
+      </a:fillRef>
+      <a:effectRef idx="0">
+        <a:scrgbClr r="0" g="0" b="0"/>
+      </a:effectRef>
+      <a:fontRef idx="minor">
+        <a:schemeClr val="lt1"/>
+      </a:fontRef>
+    </dgm:style>
+  </dgm:styleLbl>
+  <dgm:styleLbl name="lnNode1">
+    <dgm:scene3d>
+      <a:camera prst="orthographicFront"/>
+      <a:lightRig rig="threePt" dir="t"/>
+    </dgm:scene3d>
+    <dgm:sp3d/>
+    <dgm:txPr/>
+    <dgm:style>
+      <a:lnRef idx="2">
+        <a:scrgbClr r="0" g="0" b="0"/>
+      </a:lnRef>
+      <a:fillRef idx="1">
+        <a:scrgbClr r="0" g="0" b="0"/>
+      </a:fillRef>
+      <a:effectRef idx="0">
+        <a:scrgbClr r="0" g="0" b="0"/>
+      </a:effectRef>
+      <a:fontRef idx="minor">
+        <a:schemeClr val="lt1"/>
+      </a:fontRef>
+    </dgm:style>
+  </dgm:styleLbl>
+  <dgm:styleLbl name="vennNode1">
+    <dgm:scene3d>
+      <a:camera prst="orthographicFront"/>
+      <a:lightRig rig="threePt" dir="t"/>
+    </dgm:scene3d>
+    <dgm:sp3d/>
+    <dgm:txPr/>
+    <dgm:style>
+      <a:lnRef idx="2">
+        <a:scrgbClr r="0" g="0" b="0"/>
+      </a:lnRef>
+      <a:fillRef idx="1">
+        <a:scrgbClr r="0" g="0" b="0"/>
+      </a:fillRef>
+      <a:effectRef idx="0">
+        <a:scrgbClr r="0" g="0" b="0"/>
+      </a:effectRef>
+      <a:fontRef idx="minor">
+        <a:schemeClr val="tx1"/>
+      </a:fontRef>
+    </dgm:style>
+  </dgm:styleLbl>
+  <dgm:styleLbl name="alignNode1">
+    <dgm:scene3d>
+      <a:camera prst="orthographicFront"/>
+      <a:lightRig rig="threePt" dir="t"/>
+    </dgm:scene3d>
+    <dgm:sp3d/>
+    <dgm:txPr/>
+    <dgm:style>
+      <a:lnRef idx="2">
+        <a:scrgbClr r="0" g="0" b="0"/>
+      </a:lnRef>
+      <a:fillRef idx="1">
+        <a:scrgbClr r="0" g="0" b="0"/>
+      </a:fillRef>
+      <a:effectRef idx="0">
+        <a:scrgbClr r="0" g="0" b="0"/>
+      </a:effectRef>
+      <a:fontRef idx="minor">
+        <a:schemeClr val="lt1"/>
+      </a:fontRef>
+    </dgm:style>
+  </dgm:styleLbl>
+  <dgm:styleLbl name="node1">
+    <dgm:scene3d>
+      <a:camera prst="orthographicFront"/>
+      <a:lightRig rig="threePt" dir="t"/>
+    </dgm:scene3d>
+    <dgm:sp3d/>
+    <dgm:txPr/>
+    <dgm:style>
+      <a:lnRef idx="2">
+        <a:scrgbClr r="0" g="0" b="0"/>
+      </a:lnRef>
+      <a:fillRef idx="1">
+        <a:scrgbClr r="0" g="0" b="0"/>
+      </a:fillRef>
+      <a:effectRef idx="0">
+        <a:scrgbClr r="0" g="0" b="0"/>
+      </a:effectRef>
+      <a:fontRef idx="minor">
+        <a:schemeClr val="lt1"/>
+      </a:fontRef>
+    </dgm:style>
+  </dgm:styleLbl>
+  <dgm:styleLbl name="node2">
+    <dgm:scene3d>
+      <a:camera prst="orthographicFront"/>
+      <a:lightRig rig="threePt" dir="t"/>
+    </dgm:scene3d>
+    <dgm:sp3d/>
+    <dgm:txPr/>
+    <dgm:style>
+      <a:lnRef idx="2">
+        <a:scrgbClr r="0" g="0" b="0"/>
+      </a:lnRef>
+      <a:fillRef idx="1">
+        <a:scrgbClr r="0" g="0" b="0"/>
+      </a:fillRef>
+      <a:effectRef idx="0">
+        <a:scrgbClr r="0" g="0" b="0"/>
+      </a:effectRef>
+      <a:fontRef idx="minor">
+        <a:schemeClr val="lt1"/>
+      </a:fontRef>
+    </dgm:style>
+  </dgm:styleLbl>
+  <dgm:styleLbl name="node3">
+    <dgm:scene3d>
+      <a:camera prst="orthographicFront"/>
+      <a:lightRig rig="threePt" dir="t"/>
+    </dgm:scene3d>
+    <dgm:sp3d/>
+    <dgm:txPr/>
+    <dgm:style>
+      <a:lnRef idx="2">
+        <a:scrgbClr r="0" g="0" b="0"/>
+      </a:lnRef>
+      <a:fillRef idx="1">
+        <a:scrgbClr r="0" g="0" b="0"/>
+      </a:fillRef>
+      <a:effectRef idx="0">
+        <a:scrgbClr r="0" g="0" b="0"/>
+      </a:effectRef>
+      <a:fontRef idx="minor">
+        <a:schemeClr val="lt1"/>
+      </a:fontRef>
+    </dgm:style>
+  </dgm:styleLbl>
+  <dgm:styleLbl name="node4">
+    <dgm:scene3d>
+      <a:camera prst="orthographicFront"/>
+      <a:lightRig rig="threePt" dir="t"/>
+    </dgm:scene3d>
+    <dgm:sp3d/>
+    <dgm:txPr/>
+    <dgm:style>
+      <a:lnRef idx="2">
+        <a:scrgbClr r="0" g="0" b="0"/>
+      </a:lnRef>
+      <a:fillRef idx="1">
+        <a:scrgbClr r="0" g="0" b="0"/>
+      </a:fillRef>
+      <a:effectRef idx="0">
+        <a:scrgbClr r="0" g="0" b="0"/>
+      </a:effectRef>
+      <a:fontRef idx="minor">
+        <a:schemeClr val="lt1"/>
+      </a:fontRef>
+    </dgm:style>
+  </dgm:styleLbl>
+  <dgm:styleLbl name="fgImgPlace1">
+    <dgm:scene3d>
+      <a:camera prst="orthographicFront"/>
+      <a:lightRig rig="threePt" dir="t"/>
+    </dgm:scene3d>
+    <dgm:sp3d/>
+    <dgm:txPr/>
+    <dgm:style>
+      <a:lnRef idx="2">
+        <a:scrgbClr r="0" g="0" b="0"/>
+      </a:lnRef>
+      <a:fillRef idx="1">
+        <a:scrgbClr r="0" g="0" b="0"/>
+      </a:fillRef>
+      <a:effectRef idx="0">
+        <a:scrgbClr r="0" g="0" b="0"/>
+      </a:effectRef>
+      <a:fontRef idx="minor"/>
+    </dgm:style>
+  </dgm:styleLbl>
+  <dgm:styleLbl name="alignImgPlace1">
+    <dgm:scene3d>
+      <a:camera prst="orthographicFront"/>
+      <a:lightRig rig="threePt" dir="t"/>
+    </dgm:scene3d>
+    <dgm:sp3d/>
+    <dgm:txPr/>
+    <dgm:style>
+      <a:lnRef idx="2">
+        <a:scrgbClr r="0" g="0" b="0"/>
+      </a:lnRef>
+      <a:fillRef idx="1">
+        <a:scrgbClr r="0" g="0" b="0"/>
+      </a:fillRef>
+      <a:effectRef idx="0">
+        <a:scrgbClr r="0" g="0" b="0"/>
+      </a:effectRef>
+      <a:fontRef idx="minor"/>
+    </dgm:style>
+  </dgm:styleLbl>
+  <dgm:styleLbl name="bgImgPlace1">
+    <dgm:scene3d>
+      <a:camera prst="orthographicFront"/>
+      <a:lightRig rig="threePt" dir="t"/>
+    </dgm:scene3d>
+    <dgm:sp3d/>
+    <dgm:txPr/>
+    <dgm:style>
+      <a:lnRef idx="2">
+        <a:scrgbClr r="0" g="0" b="0"/>
+      </a:lnRef>
+      <a:fillRef idx="1">
+        <a:scrgbClr r="0" g="0" b="0"/>
+      </a:fillRef>
+      <a:effectRef idx="0">
+        <a:scrgbClr r="0" g="0" b="0"/>
+      </a:effectRef>
+      <a:fontRef idx="minor"/>
+    </dgm:style>
+  </dgm:styleLbl>
+  <dgm:styleLbl name="sibTrans2D1">
+    <dgm:scene3d>
+      <a:camera prst="orthographicFront"/>
+      <a:lightRig rig="threePt" dir="t"/>
+    </dgm:scene3d>
+    <dgm:sp3d/>
+    <dgm:txPr/>
+    <dgm:style>
+      <a:lnRef idx="0">
+        <a:scrgbClr r="0" g="0" b="0"/>
+      </a:lnRef>
+      <a:fillRef idx="1">
+        <a:scrgbClr r="0" g="0" b="0"/>
+      </a:fillRef>
+      <a:effectRef idx="0">
+        <a:scrgbClr r="0" g="0" b="0"/>
+      </a:effectRef>
+      <a:fontRef idx="minor">
+        <a:schemeClr val="lt1"/>
+      </a:fontRef>
+    </dgm:style>
+  </dgm:styleLbl>
+  <dgm:styleLbl name="fgSibTrans2D1">
+    <dgm:scene3d>
+      <a:camera prst="orthographicFront"/>
+      <a:lightRig rig="threePt" dir="t"/>
+    </dgm:scene3d>
+    <dgm:sp3d/>
+    <dgm:txPr/>
+    <dgm:style>
+      <a:lnRef idx="0">
+        <a:scrgbClr r="0" g="0" b="0"/>
+      </a:lnRef>
+      <a:fillRef idx="1">
+        <a:scrgbClr r="0" g="0" b="0"/>
+      </a:fillRef>
+      <a:effectRef idx="0">
+        <a:scrgbClr r="0" g="0" b="0"/>
+      </a:effectRef>
+      <a:fontRef idx="minor">
+        <a:schemeClr val="lt1"/>
+      </a:fontRef>
+    </dgm:style>
+  </dgm:styleLbl>
+  <dgm:styleLbl name="bgSibTrans2D1">
+    <dgm:scene3d>
+      <a:camera prst="orthographicFront"/>
+      <a:lightRig rig="threePt" dir="t"/>
+    </dgm:scene3d>
+    <dgm:sp3d/>
+    <dgm:txPr/>
+    <dgm:style>
+      <a:lnRef idx="0">
+        <a:scrgbClr r="0" g="0" b="0"/>
+      </a:lnRef>
+      <a:fillRef idx="1">
+        <a:scrgbClr r="0" g="0" b="0"/>
+      </a:fillRef>
+      <a:effectRef idx="0">
+        <a:scrgbClr r="0" g="0" b="0"/>
+      </a:effectRef>
+      <a:fontRef idx="minor">
+        <a:schemeClr val="lt1"/>
+      </a:fontRef>
+    </dgm:style>
+  </dgm:styleLbl>
+  <dgm:styleLbl name="sibTrans1D1">
+    <dgm:scene3d>
+      <a:camera prst="orthographicFront"/>
+      <a:lightRig rig="threePt" dir="t"/>
+    </dgm:scene3d>
+    <dgm:sp3d/>
+    <dgm:txPr/>
+    <dgm:style>
+      <a:lnRef idx="1">
+        <a:scrgbClr r="0" g="0" b="0"/>
+      </a:lnRef>
+      <a:fillRef idx="0">
+        <a:scrgbClr r="0" g="0" b="0"/>
+      </a:fillRef>
+      <a:effectRef idx="0">
+        <a:scrgbClr r="0" g="0" b="0"/>
+      </a:effectRef>
+      <a:fontRef idx="minor"/>
+    </dgm:style>
+  </dgm:styleLbl>
+  <dgm:styleLbl name="callout">
+    <dgm:scene3d>
+      <a:camera prst="orthographicFront"/>
+      <a:lightRig rig="threePt" dir="t"/>
+    </dgm:scene3d>
+    <dgm:sp3d/>
+    <dgm:txPr/>
+    <dgm:style>
+      <a:lnRef idx="2">
+        <a:scrgbClr r="0" g="0" b="0"/>
+      </a:lnRef>
+      <a:fillRef idx="1">
+        <a:scrgbClr r="0" g="0" b="0"/>
+      </a:fillRef>
+      <a:effectRef idx="0">
+        <a:scrgbClr r="0" g="0" b="0"/>
+      </a:effectRef>
+      <a:fontRef idx="minor"/>
+    </dgm:style>
+  </dgm:styleLbl>
+  <dgm:styleLbl name="asst0">
+    <dgm:scene3d>
+      <a:camera prst="orthographicFront"/>
+      <a:lightRig rig="threePt" dir="t"/>
+    </dgm:scene3d>
+    <dgm:sp3d/>
+    <dgm:txPr/>
+    <dgm:style>
+      <a:lnRef idx="2">
+        <a:scrgbClr r="0" g="0" b="0"/>
+      </a:lnRef>
+      <a:fillRef idx="1">
+        <a:scrgbClr r="0" g="0" b="0"/>
+      </a:fillRef>
+      <a:effectRef idx="0">
+        <a:scrgbClr r="0" g="0" b="0"/>
+      </a:effectRef>
+      <a:fontRef idx="minor">
+        <a:schemeClr val="lt1"/>
+      </a:fontRef>
+    </dgm:style>
+  </dgm:styleLbl>
+  <dgm:styleLbl name="asst1">
+    <dgm:scene3d>
+      <a:camera prst="orthographicFront"/>
+      <a:lightRig rig="threePt" dir="t"/>
+    </dgm:scene3d>
+    <dgm:sp3d/>
+    <dgm:txPr/>
+    <dgm:style>
+      <a:lnRef idx="2">
+        <a:scrgbClr r="0" g="0" b="0"/>
+      </a:lnRef>
+      <a:fillRef idx="1">
+        <a:scrgbClr r="0" g="0" b="0"/>
+      </a:fillRef>
+      <a:effectRef idx="0">
+        <a:scrgbClr r="0" g="0" b="0"/>
+      </a:effectRef>
+      <a:fontRef idx="minor">
+        <a:schemeClr val="lt1"/>
+      </a:fontRef>
+    </dgm:style>
+  </dgm:styleLbl>
+  <dgm:styleLbl name="asst2">
+    <dgm:scene3d>
+      <a:camera prst="orthographicFront"/>
+      <a:lightRig rig="threePt" dir="t"/>
+    </dgm:scene3d>
+    <dgm:sp3d/>
+    <dgm:txPr/>
+    <dgm:style>
+      <a:lnRef idx="2">
+        <a:scrgbClr r="0" g="0" b="0"/>
+      </a:lnRef>
+      <a:fillRef idx="1">
+        <a:scrgbClr r="0" g="0" b="0"/>
+      </a:fillRef>
+      <a:effectRef idx="0">
+        <a:scrgbClr r="0" g="0" b="0"/>
+      </a:effectRef>
+      <a:fontRef idx="minor">
+        <a:schemeClr val="lt1"/>
+      </a:fontRef>
+    </dgm:style>
+  </dgm:styleLbl>
+  <dgm:styleLbl name="asst3">
+    <dgm:scene3d>
+      <a:camera prst="orthographicFront"/>
+      <a:lightRig rig="threePt" dir="t"/>
+    </dgm:scene3d>
+    <dgm:sp3d/>
+    <dgm:txPr/>
+    <dgm:style>
+      <a:lnRef idx="2">
+        <a:scrgbClr r="0" g="0" b="0"/>
+      </a:lnRef>
+      <a:fillRef idx="1">
+        <a:scrgbClr r="0" g="0" b="0"/>
+      </a:fillRef>
+      <a:effectRef idx="0">
+        <a:scrgbClr r="0" g="0" b="0"/>
+      </a:effectRef>
+      <a:fontRef idx="minor">
+        <a:schemeClr val="lt1"/>
+      </a:fontRef>
+    </dgm:style>
+  </dgm:styleLbl>
+  <dgm:styleLbl name="asst4">
+    <dgm:scene3d>
+      <a:camera prst="orthographicFront"/>
+      <a:lightRig rig="threePt" dir="t"/>
+    </dgm:scene3d>
+    <dgm:sp3d/>
+    <dgm:txPr/>
+    <dgm:style>
+      <a:lnRef idx="2">
+        <a:scrgbClr r="0" g="0" b="0"/>
+      </a:lnRef>
+      <a:fillRef idx="1">
+        <a:scrgbClr r="0" g="0" b="0"/>
+      </a:fillRef>
+      <a:effectRef idx="0">
+        <a:scrgbClr r="0" g="0" b="0"/>
+      </a:effectRef>
+      <a:fontRef idx="minor">
+        <a:schemeClr val="lt1"/>
+      </a:fontRef>
+    </dgm:style>
+  </dgm:styleLbl>
+  <dgm:styleLbl name="parChTrans2D1">
+    <dgm:scene3d>
+      <a:camera prst="orthographicFront"/>
+      <a:lightRig rig="threePt" dir="t"/>
+    </dgm:scene3d>
+    <dgm:sp3d/>
+    <dgm:txPr/>
+    <dgm:style>
+      <a:lnRef idx="2">
+        <a:scrgbClr r="0" g="0" b="0"/>
+      </a:lnRef>
+      <a:fillRef idx="1">
+        <a:scrgbClr r="0" g="0" b="0"/>
+      </a:fillRef>
+      <a:effectRef idx="0">
+        <a:scrgbClr r="0" g="0" b="0"/>
+      </a:effectRef>
+      <a:fontRef idx="minor">
+        <a:schemeClr val="lt1"/>
+      </a:fontRef>
+    </dgm:style>
+  </dgm:styleLbl>
+  <dgm:styleLbl name="parChTrans2D2">
+    <dgm:scene3d>
+      <a:camera prst="orthographicFront"/>
+      <a:lightRig rig="threePt" dir="t"/>
+    </dgm:scene3d>
+    <dgm:sp3d/>
+    <dgm:txPr/>
+    <dgm:style>
+      <a:lnRef idx="2">
+        <a:scrgbClr r="0" g="0" b="0"/>
+      </a:lnRef>
+      <a:fillRef idx="1">
+        <a:scrgbClr r="0" g="0" b="0"/>
+      </a:fillRef>
+      <a:effectRef idx="0">
+        <a:scrgbClr r="0" g="0" b="0"/>
+      </a:effectRef>
+      <a:fontRef idx="minor">
+        <a:schemeClr val="lt1"/>
+      </a:fontRef>
+    </dgm:style>
+  </dgm:styleLbl>
+  <dgm:styleLbl name="parChTrans2D3">
+    <dgm:scene3d>
+      <a:camera prst="orthographicFront"/>
+      <a:lightRig rig="threePt" dir="t"/>
+    </dgm:scene3d>
+    <dgm:sp3d/>
+    <dgm:txPr/>
+    <dgm:style>
+      <a:lnRef idx="2">
+        <a:scrgbClr r="0" g="0" b="0"/>
+      </a:lnRef>
+      <a:fillRef idx="1">
+        <a:scrgbClr r="0" g="0" b="0"/>
+      </a:fillRef>
+      <a:effectRef idx="0">
+        <a:scrgbClr r="0" g="0" b="0"/>
+      </a:effectRef>
+      <a:fontRef idx="minor">
+        <a:schemeClr val="lt1"/>
+      </a:fontRef>
+    </dgm:style>
+  </dgm:styleLbl>
+  <dgm:styleLbl name="parChTrans2D4">
+    <dgm:scene3d>
+      <a:camera prst="orthographicFront"/>
+      <a:lightRig rig="threePt" dir="t"/>
+    </dgm:scene3d>
+    <dgm:sp3d/>
+    <dgm:txPr/>
+    <dgm:style>
+      <a:lnRef idx="2">
+        <a:scrgbClr r="0" g="0" b="0"/>
+      </a:lnRef>
+      <a:fillRef idx="1">
+        <a:scrgbClr r="0" g="0" b="0"/>
+      </a:fillRef>
+      <a:effectRef idx="0">
+        <a:scrgbClr r="0" g="0" b="0"/>
+      </a:effectRef>
+      <a:fontRef idx="minor">
+        <a:schemeClr val="lt1"/>
+      </a:fontRef>
+    </dgm:style>
+  </dgm:styleLbl>
+  <dgm:styleLbl name="parChTrans1D1">
+    <dgm:scene3d>
+      <a:camera prst="orthographicFront"/>
+      <a:lightRig rig="threePt" dir="t"/>
+    </dgm:scene3d>
+    <dgm:sp3d/>
+    <dgm:txPr/>
+    <dgm:style>
+      <a:lnRef idx="2">
+        <a:scrgbClr r="0" g="0" b="0"/>
+      </a:lnRef>
+      <a:fillRef idx="0">
+        <a:scrgbClr r="0" g="0" b="0"/>
+      </a:fillRef>
+      <a:effectRef idx="0">
+        <a:scrgbClr r="0" g="0" b="0"/>
+      </a:effectRef>
+      <a:fontRef idx="minor"/>
+    </dgm:style>
+  </dgm:styleLbl>
+  <dgm:styleLbl name="parChTrans1D2">
+    <dgm:scene3d>
+      <a:camera prst="orthographicFront"/>
+      <a:lightRig rig="threePt" dir="t"/>
+    </dgm:scene3d>
+    <dgm:sp3d/>
+    <dgm:txPr/>
+    <dgm:style>
+      <a:lnRef idx="2">
+        <a:scrgbClr r="0" g="0" b="0"/>
+      </a:lnRef>
+      <a:fillRef idx="0">
+        <a:scrgbClr r="0" g="0" b="0"/>
+      </a:fillRef>
+      <a:effectRef idx="0">
+        <a:scrgbClr r="0" g="0" b="0"/>
+      </a:effectRef>
+      <a:fontRef idx="minor"/>
+    </dgm:style>
+  </dgm:styleLbl>
+  <dgm:styleLbl name="parChTrans1D3">
+    <dgm:scene3d>
+      <a:camera prst="orthographicFront"/>
+      <a:lightRig rig="threePt" dir="t"/>
+    </dgm:scene3d>
+    <dgm:sp3d/>
+    <dgm:txPr/>
+    <dgm:style>
+      <a:lnRef idx="2">
+        <a:scrgbClr r="0" g="0" b="0"/>
+      </a:lnRef>
+      <a:fillRef idx="0">
+        <a:scrgbClr r="0" g="0" b="0"/>
+      </a:fillRef>
+      <a:effectRef idx="0">
+        <a:scrgbClr r="0" g="0" b="0"/>
+      </a:effectRef>
+      <a:fontRef idx="minor"/>
+    </dgm:style>
+  </dgm:styleLbl>
+  <dgm:styleLbl name="parChTrans1D4">
+    <dgm:scene3d>
+      <a:camera prst="orthographicFront"/>
+      <a:lightRig rig="threePt" dir="t"/>
+    </dgm:scene3d>
+    <dgm:sp3d/>
+    <dgm:txPr/>
+    <dgm:style>
+      <a:lnRef idx="2">
+        <a:scrgbClr r="0" g="0" b="0"/>
+      </a:lnRef>
+      <a:fillRef idx="0">
+        <a:scrgbClr r="0" g="0" b="0"/>
+      </a:fillRef>
+      <a:effectRef idx="0">
+        <a:scrgbClr r="0" g="0" b="0"/>
+      </a:effectRef>
+      <a:fontRef idx="minor"/>
+    </dgm:style>
+  </dgm:styleLbl>
+  <dgm:styleLbl name="fgAcc1">
+    <dgm:scene3d>
+      <a:camera prst="orthographicFront"/>
+      <a:lightRig rig="threePt" dir="t"/>
+    </dgm:scene3d>
+    <dgm:sp3d/>
+    <dgm:txPr/>
+    <dgm:style>
+      <a:lnRef idx="2">
+        <a:scrgbClr r="0" g="0" b="0"/>
+      </a:lnRef>
+      <a:fillRef idx="1">
+        <a:scrgbClr r="0" g="0" b="0"/>
+      </a:fillRef>
+      <a:effectRef idx="0">
+        <a:scrgbClr r="0" g="0" b="0"/>
+      </a:effectRef>
+      <a:fontRef idx="minor"/>
+    </dgm:style>
+  </dgm:styleLbl>
+  <dgm:styleLbl name="conFgAcc1">
+    <dgm:scene3d>
+      <a:camera prst="orthographicFront"/>
+      <a:lightRig rig="threePt" dir="t"/>
+    </dgm:scene3d>
+    <dgm:sp3d/>
+    <dgm:txPr/>
+    <dgm:style>
+      <a:lnRef idx="2">
+        <a:scrgbClr r="0" g="0" b="0"/>
+      </a:lnRef>
+      <a:fillRef idx="1">
+        <a:scrgbClr r="0" g="0" b="0"/>
+      </a:fillRef>
+      <a:effectRef idx="0">
+        <a:scrgbClr r="0" g="0" b="0"/>
+      </a:effectRef>
+      <a:fontRef idx="minor"/>
+    </dgm:style>
+  </dgm:styleLbl>
+  <dgm:styleLbl name="alignAcc1">
+    <dgm:scene3d>
+      <a:camera prst="orthographicFront"/>
+      <a:lightRig rig="threePt" dir="t"/>
+    </dgm:scene3d>
+    <dgm:sp3d/>
+    <dgm:txPr/>
+    <dgm:style>
+      <a:lnRef idx="2">
+        <a:scrgbClr r="0" g="0" b="0"/>
+      </a:lnRef>
+      <a:fillRef idx="1">
+        <a:scrgbClr r="0" g="0" b="0"/>
+      </a:fillRef>
+      <a:effectRef idx="0">
+        <a:scrgbClr r="0" g="0" b="0"/>
+      </a:effectRef>
+      <a:fontRef idx="minor"/>
+    </dgm:style>
+  </dgm:styleLbl>
+  <dgm:styleLbl name="trAlignAcc1">
+    <dgm:scene3d>
+      <a:camera prst="orthographicFront"/>
+      <a:lightRig rig="threePt" dir="t"/>
+    </dgm:scene3d>
+    <dgm:sp3d/>
+    <dgm:txPr/>
+    <dgm:style>
+      <a:lnRef idx="1">
+        <a:scrgbClr r="0" g="0" b="0"/>
+      </a:lnRef>
+      <a:fillRef idx="1">
+        <a:scrgbClr r="0" g="0" b="0"/>
+      </a:fillRef>
+      <a:effectRef idx="0">
+        <a:scrgbClr r="0" g="0" b="0"/>
+      </a:effectRef>
+      <a:fontRef idx="minor"/>
+    </dgm:style>
+  </dgm:styleLbl>
+  <dgm:styleLbl name="bgAcc1">
+    <dgm:scene3d>
+      <a:camera prst="orthographicFront"/>
+      <a:lightRig rig="threePt" dir="t"/>
+    </dgm:scene3d>
+    <dgm:sp3d/>
+    <dgm:txPr/>
+    <dgm:style>
+      <a:lnRef idx="2">
+        <a:scrgbClr r="0" g="0" b="0"/>
+      </a:lnRef>
+      <a:fillRef idx="1">
+        <a:scrgbClr r="0" g="0" b="0"/>
+      </a:fillRef>
+      <a:effectRef idx="0">
+        <a:scrgbClr r="0" g="0" b="0"/>
+      </a:effectRef>
+      <a:fontRef idx="minor"/>
+    </dgm:style>
+  </dgm:styleLbl>
+  <dgm:styleLbl name="solidFgAcc1">
+    <dgm:scene3d>
+      <a:camera prst="orthographicFront"/>
+      <a:lightRig rig="threePt" dir="t"/>
+    </dgm:scene3d>
+    <dgm:sp3d/>
+    <dgm:txPr/>
+    <dgm:style>
+      <a:lnRef idx="2">
+        <a:scrgbClr r="0" g="0" b="0"/>
+      </a:lnRef>
+      <a:fillRef idx="1">
+        <a:scrgbClr r="0" g="0" b="0"/>
+      </a:fillRef>
+      <a:effectRef idx="0">
+        <a:scrgbClr r="0" g="0" b="0"/>
+      </a:effectRef>
+      <a:fontRef idx="minor"/>
+    </dgm:style>
+  </dgm:styleLbl>
+  <dgm:styleLbl name="solidAlignAcc1">
+    <dgm:scene3d>
+      <a:camera prst="orthographicFront"/>
+      <a:lightRig rig="threePt" dir="t"/>
+    </dgm:scene3d>
+    <dgm:sp3d/>
+    <dgm:txPr/>
+    <dgm:style>
+      <a:lnRef idx="2">
+        <a:scrgbClr r="0" g="0" b="0"/>
+      </a:lnRef>
+      <a:fillRef idx="1">
+        <a:scrgbClr r="0" g="0" b="0"/>
+      </a:fillRef>
+      <a:effectRef idx="0">
+        <a:scrgbClr r="0" g="0" b="0"/>
+      </a:effectRef>
+      <a:fontRef idx="minor"/>
+    </dgm:style>
+  </dgm:styleLbl>
+  <dgm:styleLbl name="solidBgAcc1">
+    <dgm:scene3d>
+      <a:camera prst="orthographicFront"/>
+      <a:lightRig rig="threePt" dir="t"/>
+    </dgm:scene3d>
+    <dgm:sp3d/>
+    <dgm:txPr/>
+    <dgm:style>
+      <a:lnRef idx="2">
+        <a:scrgbClr r="0" g="0" b="0"/>
+      </a:lnRef>
+      <a:fillRef idx="1">
+        <a:scrgbClr r="0" g="0" b="0"/>
+      </a:fillRef>
+      <a:effectRef idx="0">
+        <a:scrgbClr r="0" g="0" b="0"/>
+      </a:effectRef>
+      <a:fontRef idx="minor"/>
+    </dgm:style>
+  </dgm:styleLbl>
+  <dgm:styleLbl name="fgAccFollowNode1">
+    <dgm:scene3d>
+      <a:camera prst="orthographicFront"/>
+      <a:lightRig rig="threePt" dir="t"/>
+    </dgm:scene3d>
+    <dgm:sp3d/>
+    <dgm:txPr/>
+    <dgm:style>
+      <a:lnRef idx="2">
+        <a:scrgbClr r="0" g="0" b="0"/>
+      </a:lnRef>
+      <a:fillRef idx="1">
+        <a:scrgbClr r="0" g="0" b="0"/>
+      </a:fillRef>
+      <a:effectRef idx="0">
+        <a:scrgbClr r="0" g="0" b="0"/>
+      </a:effectRef>
+      <a:fontRef idx="minor"/>
+    </dgm:style>
+  </dgm:styleLbl>
+  <dgm:styleLbl name="alignAccFollowNode1">
+    <dgm:scene3d>
+      <a:camera prst="orthographicFront"/>
+      <a:lightRig rig="threePt" dir="t"/>
+    </dgm:scene3d>
+    <dgm:sp3d/>
+    <dgm:txPr/>
+    <dgm:style>
+      <a:lnRef idx="2">
+        <a:scrgbClr r="0" g="0" b="0"/>
+      </a:lnRef>
+      <a:fillRef idx="1">
+        <a:scrgbClr r="0" g="0" b="0"/>
+      </a:fillRef>
+      <a:effectRef idx="0">
+        <a:scrgbClr r="0" g="0" b="0"/>
+      </a:effectRef>
+      <a:fontRef idx="minor"/>
+    </dgm:style>
+  </dgm:styleLbl>
+  <dgm:styleLbl name="bgAccFollowNode1">
+    <dgm:scene3d>
+      <a:camera prst="orthographicFront"/>
+      <a:lightRig rig="threePt" dir="t"/>
+    </dgm:scene3d>
+    <dgm:sp3d/>
+    <dgm:txPr/>
+    <dgm:style>
+      <a:lnRef idx="2">
+        <a:scrgbClr r="0" g="0" b="0"/>
+      </a:lnRef>
+      <a:fillRef idx="1">
+        <a:scrgbClr r="0" g="0" b="0"/>
+      </a:fillRef>
+      <a:effectRef idx="0">
+        <a:scrgbClr r="0" g="0" b="0"/>
+      </a:effectRef>
+      <a:fontRef idx="minor"/>
+    </dgm:style>
+  </dgm:styleLbl>
+  <dgm:styleLbl name="fgAcc0">
+    <dgm:scene3d>
+      <a:camera prst="orthographicFront"/>
+      <a:lightRig rig="threePt" dir="t"/>
+    </dgm:scene3d>
+    <dgm:sp3d/>
+    <dgm:txPr/>
+    <dgm:style>
+      <a:lnRef idx="2">
+        <a:scrgbClr r="0" g="0" b="0"/>
+      </a:lnRef>
+      <a:fillRef idx="1">
+        <a:scrgbClr r="0" g="0" b="0"/>
+      </a:fillRef>
+      <a:effectRef idx="0">
+        <a:scrgbClr r="0" g="0" b="0"/>
+      </a:effectRef>
+      <a:fontRef idx="minor"/>
+    </dgm:style>
+  </dgm:styleLbl>
+  <dgm:styleLbl name="fgAcc2">
+    <dgm:scene3d>
+      <a:camera prst="orthographicFront"/>
+      <a:lightRig rig="threePt" dir="t"/>
+    </dgm:scene3d>
+    <dgm:sp3d/>
+    <dgm:txPr/>
+    <dgm:style>
+      <a:lnRef idx="2">
+        <a:scrgbClr r="0" g="0" b="0"/>
+      </a:lnRef>
+      <a:fillRef idx="1">
+        <a:scrgbClr r="0" g="0" b="0"/>
+      </a:fillRef>
+      <a:effectRef idx="0">
+        <a:scrgbClr r="0" g="0" b="0"/>
+      </a:effectRef>
+      <a:fontRef idx="minor"/>
+    </dgm:style>
+  </dgm:styleLbl>
+  <dgm:styleLbl name="fgAcc3">
+    <dgm:scene3d>
+      <a:camera prst="orthographicFront"/>
+      <a:lightRig rig="threePt" dir="t"/>
+    </dgm:scene3d>
+    <dgm:sp3d/>
+    <dgm:txPr/>
+    <dgm:style>
+      <a:lnRef idx="2">
+        <a:scrgbClr r="0" g="0" b="0"/>
+      </a:lnRef>
+      <a:fillRef idx="1">
+        <a:scrgbClr r="0" g="0" b="0"/>
+      </a:fillRef>
+      <a:effectRef idx="0">
+        <a:scrgbClr r="0" g="0" b="0"/>
+      </a:effectRef>
+      <a:fontRef idx="minor"/>
+    </dgm:style>
+  </dgm:styleLbl>
+  <dgm:styleLbl name="fgAcc4">
+    <dgm:scene3d>
+      <a:camera prst="orthographicFront"/>
+      <a:lightRig rig="threePt" dir="t"/>
+    </dgm:scene3d>
+    <dgm:sp3d/>
+    <dgm:txPr/>
+    <dgm:style>
+      <a:lnRef idx="2">
+        <a:scrgbClr r="0" g="0" b="0"/>
+      </a:lnRef>
+      <a:fillRef idx="1">
+        <a:scrgbClr r="0" g="0" b="0"/>
+      </a:fillRef>
+      <a:effectRef idx="0">
+        <a:scrgbClr r="0" g="0" b="0"/>
+      </a:effectRef>
+      <a:fontRef idx="minor"/>
+    </dgm:style>
+  </dgm:styleLbl>
+  <dgm:styleLbl name="bgShp">
+    <dgm:scene3d>
+      <a:camera prst="orthographicFront"/>
+      <a:lightRig rig="threePt" dir="t"/>
+    </dgm:scene3d>
+    <dgm:sp3d/>
+    <dgm:txPr/>
+    <dgm:style>
+      <a:lnRef idx="0">
+        <a:scrgbClr r="0" g="0" b="0"/>
+      </a:lnRef>
+      <a:fillRef idx="1">
+        <a:scrgbClr r="0" g="0" b="0"/>
+      </a:fillRef>
+      <a:effectRef idx="0">
+        <a:scrgbClr r="0" g="0" b="0"/>
+      </a:effectRef>
+      <a:fontRef idx="minor"/>
+    </dgm:style>
+  </dgm:styleLbl>
+  <dgm:styleLbl name="dkBgShp">
+    <dgm:scene3d>
+      <a:camera prst="orthographicFront"/>
+      <a:lightRig rig="threePt" dir="t"/>
+    </dgm:scene3d>
+    <dgm:sp3d/>
+    <dgm:txPr/>
+    <dgm:style>
+      <a:lnRef idx="0">
+        <a:scrgbClr r="0" g="0" b="0"/>
+      </a:lnRef>
+      <a:fillRef idx="1">
+        <a:scrgbClr r="0" g="0" b="0"/>
+      </a:fillRef>
+      <a:effectRef idx="0">
+        <a:scrgbClr r="0" g="0" b="0"/>
+      </a:effectRef>
+      <a:fontRef idx="minor"/>
+    </dgm:style>
+  </dgm:styleLbl>
+  <dgm:styleLbl name="trBgShp">
+    <dgm:scene3d>
+      <a:camera prst="orthographicFront"/>
+      <a:lightRig rig="threePt" dir="t"/>
+    </dgm:scene3d>
+    <dgm:sp3d/>
+    <dgm:txPr/>
+    <dgm:style>
+      <a:lnRef idx="0">
+        <a:scrgbClr r="0" g="0" b="0"/>
+      </a:lnRef>
+      <a:fillRef idx="1">
+        <a:scrgbClr r="0" g="0" b="0"/>
+      </a:fillRef>
+      <a:effectRef idx="0">
+        <a:scrgbClr r="0" g="0" b="0"/>
+      </a:effectRef>
+      <a:fontRef idx="minor"/>
+    </dgm:style>
+  </dgm:styleLbl>
+  <dgm:styleLbl name="fgShp">
+    <dgm:scene3d>
+      <a:camera prst="orthographicFront"/>
+      <a:lightRig rig="threePt" dir="t"/>
+    </dgm:scene3d>
+    <dgm:sp3d/>
+    <dgm:txPr/>
+    <dgm:style>
+      <a:lnRef idx="2">
+        <a:scrgbClr r="0" g="0" b="0"/>
+      </a:lnRef>
+      <a:fillRef idx="1">
+        <a:scrgbClr r="0" g="0" b="0"/>
+      </a:fillRef>
+      <a:effectRef idx="0">
+        <a:scrgbClr r="0" g="0" b="0"/>
+      </a:effectRef>
+      <a:fontRef idx="minor"/>
+    </dgm:style>
+  </dgm:styleLbl>
+  <dgm:styleLbl name="revTx">
+    <dgm:scene3d>
+      <a:camera prst="orthographicFront"/>
+      <a:lightRig rig="threePt" dir="t"/>
+    </dgm:scene3d>
+    <dgm:sp3d/>
+    <dgm:txPr/>
+    <dgm:style>
+      <a:lnRef idx="0">
+        <a:scrgbClr r="0" g="0" b="0"/>
+      </a:lnRef>
+      <a:fillRef idx="0">
+        <a:scrgbClr r="0" g="0" b="0"/>
+      </a:fillRef>
+      <a:effectRef idx="0">
+        <a:scrgbClr r="0" g="0" b="0"/>
+      </a:effectRef>
+      <a:fontRef idx="minor"/>
+    </dgm:style>
+  </dgm:styleLbl>
+</dgm:styleDef>
+</file>
+
 <file path=ppt/notesMasters/notesMaster1.xml><?xml version="1.0" encoding="utf-8"?>
 <p:notesMaster xmlns:a="http://schemas.openxmlformats.org/drawingml/2006/main" xmlns:r="http://schemas.openxmlformats.org/officeDocument/2006/relationships" xmlns:p="http://schemas.openxmlformats.org/presentationml/2006/main">
   <p:cSld>
@@ -211,7 +3018,7 @@
           <a:p>
             <a:fld id="{F29DC657-A5B9-41B4-AB57-79E3DB3481E8}" type="datetimeFigureOut">
               <a:rPr lang="en-US" smtClean="0"/>
-              <a:t>9/19/24</a:t>
+              <a:t>9/19/2024</a:t>
             </a:fld>
             <a:endParaRPr lang="en-US"/>
           </a:p>
@@ -709,7 +3516,7 @@
           <a:p>
             <a:fld id="{E0B89D21-97A6-4434-B3B1-BAF5738D61F3}" type="datetimeFigureOut">
               <a:rPr lang="en-US" smtClean="0"/>
-              <a:t>9/19/24</a:t>
+              <a:t>9/19/2024</a:t>
             </a:fld>
             <a:endParaRPr lang="en-US"/>
           </a:p>
@@ -907,7 +3714,7 @@
           <a:p>
             <a:fld id="{E0B89D21-97A6-4434-B3B1-BAF5738D61F3}" type="datetimeFigureOut">
               <a:rPr lang="en-US" smtClean="0"/>
-              <a:t>9/19/24</a:t>
+              <a:t>9/19/2024</a:t>
             </a:fld>
             <a:endParaRPr lang="en-US"/>
           </a:p>
@@ -1115,7 +3922,7 @@
           <a:p>
             <a:fld id="{E0B89D21-97A6-4434-B3B1-BAF5738D61F3}" type="datetimeFigureOut">
               <a:rPr lang="en-US" smtClean="0"/>
-              <a:t>9/19/24</a:t>
+              <a:t>9/19/2024</a:t>
             </a:fld>
             <a:endParaRPr lang="en-US"/>
           </a:p>
@@ -1382,7 +4189,7 @@
           <a:p>
             <a:fld id="{E0B89D21-97A6-4434-B3B1-BAF5738D61F3}" type="datetimeFigureOut">
               <a:rPr lang="en-US" smtClean="0"/>
-              <a:t>9/19/24</a:t>
+              <a:t>9/19/2024</a:t>
             </a:fld>
             <a:endParaRPr lang="en-US"/>
           </a:p>
@@ -1657,7 +4464,7 @@
           <a:p>
             <a:fld id="{E0B89D21-97A6-4434-B3B1-BAF5738D61F3}" type="datetimeFigureOut">
               <a:rPr lang="en-US" smtClean="0"/>
-              <a:t>9/19/24</a:t>
+              <a:t>9/19/2024</a:t>
             </a:fld>
             <a:endParaRPr lang="en-US"/>
           </a:p>
@@ -1922,7 +4729,7 @@
           <a:p>
             <a:fld id="{E0B89D21-97A6-4434-B3B1-BAF5738D61F3}" type="datetimeFigureOut">
               <a:rPr lang="en-US" smtClean="0"/>
-              <a:t>9/19/24</a:t>
+              <a:t>9/19/2024</a:t>
             </a:fld>
             <a:endParaRPr lang="en-US"/>
           </a:p>
@@ -2334,7 +5141,7 @@
           <a:p>
             <a:fld id="{E0B89D21-97A6-4434-B3B1-BAF5738D61F3}" type="datetimeFigureOut">
               <a:rPr lang="en-US" smtClean="0"/>
-              <a:t>9/19/24</a:t>
+              <a:t>9/19/2024</a:t>
             </a:fld>
             <a:endParaRPr lang="en-US"/>
           </a:p>
@@ -2475,7 +5282,7 @@
           <a:p>
             <a:fld id="{E0B89D21-97A6-4434-B3B1-BAF5738D61F3}" type="datetimeFigureOut">
               <a:rPr lang="en-US" smtClean="0"/>
-              <a:t>9/19/24</a:t>
+              <a:t>9/19/2024</a:t>
             </a:fld>
             <a:endParaRPr lang="en-US"/>
           </a:p>
@@ -2588,7 +5395,7 @@
           <a:p>
             <a:fld id="{E0B89D21-97A6-4434-B3B1-BAF5738D61F3}" type="datetimeFigureOut">
               <a:rPr lang="en-US" smtClean="0"/>
-              <a:t>9/19/24</a:t>
+              <a:t>9/19/2024</a:t>
             </a:fld>
             <a:endParaRPr lang="en-US"/>
           </a:p>
@@ -2899,7 +5706,7 @@
           <a:p>
             <a:fld id="{E0B89D21-97A6-4434-B3B1-BAF5738D61F3}" type="datetimeFigureOut">
               <a:rPr lang="en-US" smtClean="0"/>
-              <a:t>9/19/24</a:t>
+              <a:t>9/19/2024</a:t>
             </a:fld>
             <a:endParaRPr lang="en-US"/>
           </a:p>
@@ -3187,7 +5994,7 @@
           <a:p>
             <a:fld id="{E0B89D21-97A6-4434-B3B1-BAF5738D61F3}" type="datetimeFigureOut">
               <a:rPr lang="en-US" smtClean="0"/>
-              <a:t>9/19/24</a:t>
+              <a:t>9/19/2024</a:t>
             </a:fld>
             <a:endParaRPr lang="en-US"/>
           </a:p>
@@ -3428,7 +6235,7 @@
           <a:p>
             <a:fld id="{E0B89D21-97A6-4434-B3B1-BAF5738D61F3}" type="datetimeFigureOut">
               <a:rPr lang="en-US" smtClean="0"/>
-              <a:t>9/19/24</a:t>
+              <a:t>9/19/2024</a:t>
             </a:fld>
             <a:endParaRPr lang="en-US"/>
           </a:p>
@@ -3940,6 +6747,109 @@
           <p:cNvPr id="2" name="Title 1">
             <a:extLst>
               <a:ext uri="{FF2B5EF4-FFF2-40B4-BE49-F238E27FC236}">
+                <a16:creationId xmlns:a16="http://schemas.microsoft.com/office/drawing/2014/main" id="{5849CF70-A3E2-5E9C-3F33-4B712AFF0934}"/>
+              </a:ext>
+            </a:extLst>
+          </p:cNvPr>
+          <p:cNvSpPr>
+            <a:spLocks noGrp="1"/>
+          </p:cNvSpPr>
+          <p:nvPr>
+            <p:ph type="title"/>
+          </p:nvPr>
+        </p:nvSpPr>
+        <p:spPr/>
+        <p:txBody>
+          <a:bodyPr/>
+          <a:lstStyle/>
+          <a:p>
+            <a:r>
+              <a:rPr lang="en-US" dirty="0" err="1"/>
+              <a:t>Ciclo</a:t>
+            </a:r>
+            <a:r>
+              <a:rPr lang="en-US" dirty="0"/>
+              <a:t> de </a:t>
+            </a:r>
+            <a:r>
+              <a:rPr lang="en-US" dirty="0" err="1"/>
+              <a:t>vida</a:t>
+            </a:r>
+            <a:r>
+              <a:rPr lang="en-US" dirty="0"/>
+              <a:t> del </a:t>
+            </a:r>
+            <a:r>
+              <a:rPr lang="en-US" dirty="0" err="1"/>
+              <a:t>componente</a:t>
+            </a:r>
+            <a:endParaRPr lang="es-EC" dirty="0"/>
+          </a:p>
+        </p:txBody>
+      </p:sp>
+      <p:graphicFrame>
+        <p:nvGraphicFramePr>
+          <p:cNvPr id="3" name="Diagram 2">
+            <a:extLst>
+              <a:ext uri="{FF2B5EF4-FFF2-40B4-BE49-F238E27FC236}">
+                <a16:creationId xmlns:a16="http://schemas.microsoft.com/office/drawing/2014/main" id="{2459776A-CDFA-F2FB-D0FE-45500F951481}"/>
+              </a:ext>
+            </a:extLst>
+          </p:cNvPr>
+          <p:cNvGraphicFramePr/>
+          <p:nvPr>
+            <p:extLst>
+              <p:ext uri="{D42A27DB-BD31-4B8C-83A1-F6EECF244321}">
+                <p14:modId xmlns:p14="http://schemas.microsoft.com/office/powerpoint/2010/main" val="735140628"/>
+              </p:ext>
+            </p:extLst>
+          </p:nvPr>
+        </p:nvGraphicFramePr>
+        <p:xfrm>
+          <a:off x="2676187" y="1690688"/>
+          <a:ext cx="6839626" cy="4766733"/>
+        </p:xfrm>
+        <a:graphic>
+          <a:graphicData uri="http://schemas.openxmlformats.org/drawingml/2006/diagram">
+            <dgm:relIds xmlns:dgm="http://schemas.openxmlformats.org/drawingml/2006/diagram" xmlns:r="http://schemas.openxmlformats.org/officeDocument/2006/relationships" r:dm="rId2" r:lo="rId3" r:qs="rId4" r:cs="rId5"/>
+          </a:graphicData>
+        </a:graphic>
+      </p:graphicFrame>
+    </p:spTree>
+    <p:extLst>
+      <p:ext uri="{BB962C8B-B14F-4D97-AF65-F5344CB8AC3E}">
+        <p14:creationId xmlns:p14="http://schemas.microsoft.com/office/powerpoint/2010/main" val="486580959"/>
+      </p:ext>
+    </p:extLst>
+  </p:cSld>
+  <p:clrMapOvr>
+    <a:masterClrMapping/>
+  </p:clrMapOvr>
+</p:sld>
+</file>
+
+<file path=ppt/slides/slide3.xml><?xml version="1.0" encoding="utf-8"?>
+<p:sld xmlns:a="http://schemas.openxmlformats.org/drawingml/2006/main" xmlns:r="http://schemas.openxmlformats.org/officeDocument/2006/relationships" xmlns:p="http://schemas.openxmlformats.org/presentationml/2006/main">
+  <p:cSld>
+    <p:spTree>
+      <p:nvGrpSpPr>
+        <p:cNvPr id="1" name=""/>
+        <p:cNvGrpSpPr/>
+        <p:nvPr/>
+      </p:nvGrpSpPr>
+      <p:grpSpPr>
+        <a:xfrm>
+          <a:off x="0" y="0"/>
+          <a:ext cx="0" cy="0"/>
+          <a:chOff x="0" y="0"/>
+          <a:chExt cx="0" cy="0"/>
+        </a:xfrm>
+      </p:grpSpPr>
+      <p:sp>
+        <p:nvSpPr>
+          <p:cNvPr id="2" name="Title 1">
+            <a:extLst>
+              <a:ext uri="{FF2B5EF4-FFF2-40B4-BE49-F238E27FC236}">
                 <a16:creationId xmlns:a16="http://schemas.microsoft.com/office/drawing/2014/main" id="{9E9EC8EB-9300-6811-CCAA-B3A26E908D93}"/>
               </a:ext>
             </a:extLst>
@@ -4004,7 +6914,7 @@
 </p:sld>
 </file>
 
-<file path=ppt/slides/slide3.xml><?xml version="1.0" encoding="utf-8"?>
+<file path=ppt/slides/slide4.xml><?xml version="1.0" encoding="utf-8"?>
 <p:sld xmlns:a="http://schemas.openxmlformats.org/drawingml/2006/main" xmlns:r="http://schemas.openxmlformats.org/officeDocument/2006/relationships" xmlns:p="http://schemas.openxmlformats.org/presentationml/2006/main">
   <p:cSld>
     <p:spTree>
@@ -4068,7 +6978,7 @@
 </p:sld>
 </file>
 
-<file path=ppt/slides/slide4.xml><?xml version="1.0" encoding="utf-8"?>
+<file path=ppt/slides/slide5.xml><?xml version="1.0" encoding="utf-8"?>
 <p:sld xmlns:a="http://schemas.openxmlformats.org/drawingml/2006/main" xmlns:r="http://schemas.openxmlformats.org/officeDocument/2006/relationships" xmlns:p="http://schemas.openxmlformats.org/presentationml/2006/main">
   <p:cSld>
     <p:spTree>
@@ -4814,15 +7724,6 @@
 </file>
 
 <file path=customXml/item2.xml><?xml version="1.0" encoding="utf-8"?>
-<?mso-contentType ?>
-<FormTemplates xmlns="http://schemas.microsoft.com/sharepoint/v3/contenttype/forms">
-  <Display>DocumentLibraryForm</Display>
-  <Edit>DocumentLibraryForm</Edit>
-  <New>DocumentLibraryForm</New>
-</FormTemplates>
-</file>
-
-<file path=customXml/item3.xml><?xml version="1.0" encoding="utf-8"?>
 <ct:contentTypeSchema xmlns:ct="http://schemas.microsoft.com/office/2006/metadata/contentType" xmlns:ma="http://schemas.microsoft.com/office/2006/metadata/properties/metaAttributes" ct:_="" ma:_="" ma:contentTypeName="Documento" ma:contentTypeID="0x0101000ABC46EDA268834388609BD5B286F917" ma:contentTypeVersion="17" ma:contentTypeDescription="Crear nuevo documento." ma:contentTypeScope="" ma:versionID="b8ef759d716670bba47381dcbb7cab08">
   <xsd:schema xmlns:xsd="http://www.w3.org/2001/XMLSchema" xmlns:xs="http://www.w3.org/2001/XMLSchema" xmlns:p="http://schemas.microsoft.com/office/2006/metadata/properties" xmlns:ns3="98b3f1ad-107c-497c-bb15-64aaebc89f52" xmlns:ns4="a0690ee9-4047-4223-84b2-6b02f926f5d8" targetNamespace="http://schemas.microsoft.com/office/2006/metadata/properties" ma:root="true" ma:fieldsID="f0548e293e02a81e2d97140f47270d75" ns3:_="" ns4:_="">
     <xsd:import namespace="98b3f1ad-107c-497c-bb15-64aaebc89f52"/>
@@ -5069,6 +7970,15 @@
 </ct:contentTypeSchema>
 </file>
 
+<file path=customXml/item3.xml><?xml version="1.0" encoding="utf-8"?>
+<?mso-contentType ?>
+<FormTemplates xmlns="http://schemas.microsoft.com/sharepoint/v3/contenttype/forms">
+  <Display>DocumentLibraryForm</Display>
+  <Edit>DocumentLibraryForm</Edit>
+  <New>DocumentLibraryForm</New>
+</FormTemplates>
+</file>
+
 <file path=customXml/itemProps1.xml><?xml version="1.0" encoding="utf-8"?>
 <ds:datastoreItem xmlns:ds="http://schemas.openxmlformats.org/officeDocument/2006/customXml" ds:itemID="{EEC6291A-1BB8-4D31-80EF-6AAECF11ECF7}">
   <ds:schemaRefs>
@@ -5087,14 +7997,6 @@
 </file>
 
 <file path=customXml/itemProps2.xml><?xml version="1.0" encoding="utf-8"?>
-<ds:datastoreItem xmlns:ds="http://schemas.openxmlformats.org/officeDocument/2006/customXml" ds:itemID="{F5C501D5-0101-419A-AFBB-D8F04111C142}">
-  <ds:schemaRefs>
-    <ds:schemaRef ds:uri="http://schemas.microsoft.com/sharepoint/v3/contenttype/forms"/>
-  </ds:schemaRefs>
-</ds:datastoreItem>
-</file>
-
-<file path=customXml/itemProps3.xml><?xml version="1.0" encoding="utf-8"?>
 <ds:datastoreItem xmlns:ds="http://schemas.openxmlformats.org/officeDocument/2006/customXml" ds:itemID="{3FCEF456-3233-44D6-BC5A-12E8FD4D2764}">
   <ds:schemaRefs>
     <ds:schemaRef ds:uri="http://schemas.microsoft.com/office/2006/metadata/contentType"/>
@@ -5111,4 +8013,12 @@
     <ds:schemaRef ds:uri="http://schemas.microsoft.com/internal/obd"/>
   </ds:schemaRefs>
 </ds:datastoreItem>
+</file>
+
+<file path=customXml/itemProps3.xml><?xml version="1.0" encoding="utf-8"?>
+<ds:datastoreItem xmlns:ds="http://schemas.openxmlformats.org/officeDocument/2006/customXml" ds:itemID="{F5C501D5-0101-419A-AFBB-D8F04111C142}">
+  <ds:schemaRefs>
+    <ds:schemaRef ds:uri="http://schemas.microsoft.com/sharepoint/v3/contenttype/forms"/>
+  </ds:schemaRefs>
+</ds:datastoreItem>
 </file>
--- a/Unidad_5/Presentación.pptx
+++ b/Unidad_5/Presentación.pptx
@@ -5,7 +5,7 @@
     <p:sldMasterId id="2147483648" r:id="rId4"/>
   </p:sldMasterIdLst>
   <p:notesMasterIdLst>
-    <p:notesMasterId r:id="rId10"/>
+    <p:notesMasterId r:id="rId11"/>
   </p:notesMasterIdLst>
   <p:sldIdLst>
     <p:sldId id="256" r:id="rId5"/>
@@ -13,6 +13,7 @@
     <p:sldId id="257" r:id="rId7"/>
     <p:sldId id="262" r:id="rId8"/>
     <p:sldId id="263" r:id="rId9"/>
+    <p:sldId id="265" r:id="rId10"/>
   </p:sldIdLst>
   <p:sldSz cx="12192000" cy="6858000"/>
   <p:notesSz cx="6858000" cy="9144000"/>
@@ -3018,7 +3019,7 @@
           <a:p>
             <a:fld id="{F29DC657-A5B9-41B4-AB57-79E3DB3481E8}" type="datetimeFigureOut">
               <a:rPr lang="en-US" smtClean="0"/>
-              <a:t>9/19/2024</a:t>
+              <a:t>9/21/2024</a:t>
             </a:fld>
             <a:endParaRPr lang="en-US"/>
           </a:p>
@@ -3369,6 +3370,126 @@
 </p:notes>
 </file>
 
+<file path=ppt/notesSlides/notesSlide2.xml><?xml version="1.0" encoding="utf-8"?>
+<p:notes xmlns:a="http://schemas.openxmlformats.org/drawingml/2006/main" xmlns:r="http://schemas.openxmlformats.org/officeDocument/2006/relationships" xmlns:p="http://schemas.openxmlformats.org/presentationml/2006/main">
+  <p:cSld>
+    <p:spTree>
+      <p:nvGrpSpPr>
+        <p:cNvPr id="1" name=""/>
+        <p:cNvGrpSpPr/>
+        <p:nvPr/>
+      </p:nvGrpSpPr>
+      <p:grpSpPr>
+        <a:xfrm>
+          <a:off x="0" y="0"/>
+          <a:ext cx="0" cy="0"/>
+          <a:chOff x="0" y="0"/>
+          <a:chExt cx="0" cy="0"/>
+        </a:xfrm>
+      </p:grpSpPr>
+      <p:sp>
+        <p:nvSpPr>
+          <p:cNvPr id="2" name="Slide Image Placeholder 1"/>
+          <p:cNvSpPr>
+            <a:spLocks noGrp="1" noRot="1" noChangeAspect="1"/>
+          </p:cNvSpPr>
+          <p:nvPr>
+            <p:ph type="sldImg"/>
+          </p:nvPr>
+        </p:nvSpPr>
+        <p:spPr/>
+      </p:sp>
+      <p:sp>
+        <p:nvSpPr>
+          <p:cNvPr id="3" name="Notes Placeholder 2"/>
+          <p:cNvSpPr>
+            <a:spLocks noGrp="1"/>
+          </p:cNvSpPr>
+          <p:nvPr>
+            <p:ph type="body" idx="1"/>
+          </p:nvPr>
+        </p:nvSpPr>
+        <p:spPr/>
+        <p:txBody>
+          <a:bodyPr/>
+          <a:lstStyle/>
+          <a:p>
+            <a:r>
+              <a:rPr lang="en-US" dirty="0" err="1"/>
+              <a:t>Mostrar</a:t>
+            </a:r>
+            <a:r>
+              <a:rPr lang="en-US" dirty="0"/>
+              <a:t> </a:t>
+            </a:r>
+            <a:r>
+              <a:rPr lang="en-US" dirty="0" err="1"/>
+              <a:t>ejemplo</a:t>
+            </a:r>
+            <a:r>
+              <a:rPr lang="en-US" dirty="0"/>
+              <a:t> de </a:t>
+            </a:r>
+            <a:r>
+              <a:rPr lang="en-US" dirty="0" err="1"/>
+              <a:t>funcionamiento</a:t>
+            </a:r>
+            <a:r>
+              <a:rPr lang="en-US" dirty="0"/>
+              <a:t> para </a:t>
+            </a:r>
+            <a:r>
+              <a:rPr lang="en-US" dirty="0" err="1"/>
+              <a:t>entender</a:t>
+            </a:r>
+            <a:r>
+              <a:rPr lang="en-US" dirty="0"/>
+              <a:t> </a:t>
+            </a:r>
+            <a:r>
+              <a:rPr lang="en-US" dirty="0" err="1"/>
+              <a:t>lógica</a:t>
+            </a:r>
+            <a:endParaRPr lang="es-EC" dirty="0"/>
+          </a:p>
+        </p:txBody>
+      </p:sp>
+      <p:sp>
+        <p:nvSpPr>
+          <p:cNvPr id="4" name="Slide Number Placeholder 3"/>
+          <p:cNvSpPr>
+            <a:spLocks noGrp="1"/>
+          </p:cNvSpPr>
+          <p:nvPr>
+            <p:ph type="sldNum" sz="quarter" idx="5"/>
+          </p:nvPr>
+        </p:nvSpPr>
+        <p:spPr/>
+        <p:txBody>
+          <a:bodyPr/>
+          <a:lstStyle/>
+          <a:p>
+            <a:fld id="{36CC9BE2-C275-426F-8D4D-ABF95C3D0034}" type="slidenum">
+              <a:rPr lang="en-US" smtClean="0"/>
+              <a:t>6</a:t>
+            </a:fld>
+            <a:endParaRPr lang="en-US"/>
+          </a:p>
+        </p:txBody>
+      </p:sp>
+    </p:spTree>
+    <p:extLst>
+      <p:ext uri="{BB962C8B-B14F-4D97-AF65-F5344CB8AC3E}">
+        <p14:creationId xmlns:p14="http://schemas.microsoft.com/office/powerpoint/2010/main" val="414619736"/>
+      </p:ext>
+    </p:extLst>
+  </p:cSld>
+  <p:clrMapOvr>
+    <a:masterClrMapping/>
+  </p:clrMapOvr>
+</p:notes>
+</file>
+
 <file path=ppt/slideLayouts/slideLayout1.xml><?xml version="1.0" encoding="utf-8"?>
 <p:sldLayout xmlns:a="http://schemas.openxmlformats.org/drawingml/2006/main" xmlns:r="http://schemas.openxmlformats.org/officeDocument/2006/relationships" xmlns:p="http://schemas.openxmlformats.org/presentationml/2006/main" type="title" preserve="1">
   <p:cSld name="Title Slide">
@@ -3516,7 +3637,7 @@
           <a:p>
             <a:fld id="{E0B89D21-97A6-4434-B3B1-BAF5738D61F3}" type="datetimeFigureOut">
               <a:rPr lang="en-US" smtClean="0"/>
-              <a:t>9/19/2024</a:t>
+              <a:t>9/21/2024</a:t>
             </a:fld>
             <a:endParaRPr lang="en-US"/>
           </a:p>
@@ -3714,7 +3835,7 @@
           <a:p>
             <a:fld id="{E0B89D21-97A6-4434-B3B1-BAF5738D61F3}" type="datetimeFigureOut">
               <a:rPr lang="en-US" smtClean="0"/>
-              <a:t>9/19/2024</a:t>
+              <a:t>9/21/2024</a:t>
             </a:fld>
             <a:endParaRPr lang="en-US"/>
           </a:p>
@@ -3922,7 +4043,7 @@
           <a:p>
             <a:fld id="{E0B89D21-97A6-4434-B3B1-BAF5738D61F3}" type="datetimeFigureOut">
               <a:rPr lang="en-US" smtClean="0"/>
-              <a:t>9/19/2024</a:t>
+              <a:t>9/21/2024</a:t>
             </a:fld>
             <a:endParaRPr lang="en-US"/>
           </a:p>
@@ -4189,7 +4310,7 @@
           <a:p>
             <a:fld id="{E0B89D21-97A6-4434-B3B1-BAF5738D61F3}" type="datetimeFigureOut">
               <a:rPr lang="en-US" smtClean="0"/>
-              <a:t>9/19/2024</a:t>
+              <a:t>9/21/2024</a:t>
             </a:fld>
             <a:endParaRPr lang="en-US"/>
           </a:p>
@@ -4464,7 +4585,7 @@
           <a:p>
             <a:fld id="{E0B89D21-97A6-4434-B3B1-BAF5738D61F3}" type="datetimeFigureOut">
               <a:rPr lang="en-US" smtClean="0"/>
-              <a:t>9/19/2024</a:t>
+              <a:t>9/21/2024</a:t>
             </a:fld>
             <a:endParaRPr lang="en-US"/>
           </a:p>
@@ -4729,7 +4850,7 @@
           <a:p>
             <a:fld id="{E0B89D21-97A6-4434-B3B1-BAF5738D61F3}" type="datetimeFigureOut">
               <a:rPr lang="en-US" smtClean="0"/>
-              <a:t>9/19/2024</a:t>
+              <a:t>9/21/2024</a:t>
             </a:fld>
             <a:endParaRPr lang="en-US"/>
           </a:p>
@@ -5141,7 +5262,7 @@
           <a:p>
             <a:fld id="{E0B89D21-97A6-4434-B3B1-BAF5738D61F3}" type="datetimeFigureOut">
               <a:rPr lang="en-US" smtClean="0"/>
-              <a:t>9/19/2024</a:t>
+              <a:t>9/21/2024</a:t>
             </a:fld>
             <a:endParaRPr lang="en-US"/>
           </a:p>
@@ -5282,7 +5403,7 @@
           <a:p>
             <a:fld id="{E0B89D21-97A6-4434-B3B1-BAF5738D61F3}" type="datetimeFigureOut">
               <a:rPr lang="en-US" smtClean="0"/>
-              <a:t>9/19/2024</a:t>
+              <a:t>9/21/2024</a:t>
             </a:fld>
             <a:endParaRPr lang="en-US"/>
           </a:p>
@@ -5395,7 +5516,7 @@
           <a:p>
             <a:fld id="{E0B89D21-97A6-4434-B3B1-BAF5738D61F3}" type="datetimeFigureOut">
               <a:rPr lang="en-US" smtClean="0"/>
-              <a:t>9/19/2024</a:t>
+              <a:t>9/21/2024</a:t>
             </a:fld>
             <a:endParaRPr lang="en-US"/>
           </a:p>
@@ -5706,7 +5827,7 @@
           <a:p>
             <a:fld id="{E0B89D21-97A6-4434-B3B1-BAF5738D61F3}" type="datetimeFigureOut">
               <a:rPr lang="en-US" smtClean="0"/>
-              <a:t>9/19/2024</a:t>
+              <a:t>9/21/2024</a:t>
             </a:fld>
             <a:endParaRPr lang="en-US"/>
           </a:p>
@@ -5994,7 +6115,7 @@
           <a:p>
             <a:fld id="{E0B89D21-97A6-4434-B3B1-BAF5738D61F3}" type="datetimeFigureOut">
               <a:rPr lang="en-US" smtClean="0"/>
-              <a:t>9/19/2024</a:t>
+              <a:t>9/21/2024</a:t>
             </a:fld>
             <a:endParaRPr lang="en-US"/>
           </a:p>
@@ -6235,7 +6356,7 @@
           <a:p>
             <a:fld id="{E0B89D21-97A6-4434-B3B1-BAF5738D61F3}" type="datetimeFigureOut">
               <a:rPr lang="en-US" smtClean="0"/>
-              <a:t>9/19/2024</a:t>
+              <a:t>9/21/2024</a:t>
             </a:fld>
             <a:endParaRPr lang="en-US"/>
           </a:p>
@@ -7076,6 +7197,247 @@
     <p:extLst>
       <p:ext uri="{BB962C8B-B14F-4D97-AF65-F5344CB8AC3E}">
         <p14:creationId xmlns:p14="http://schemas.microsoft.com/office/powerpoint/2010/main" val="3587075460"/>
+      </p:ext>
+    </p:extLst>
+  </p:cSld>
+  <p:clrMapOvr>
+    <a:masterClrMapping/>
+  </p:clrMapOvr>
+</p:sld>
+</file>
+
+<file path=ppt/slides/slide6.xml><?xml version="1.0" encoding="utf-8"?>
+<p:sld xmlns:a="http://schemas.openxmlformats.org/drawingml/2006/main" xmlns:r="http://schemas.openxmlformats.org/officeDocument/2006/relationships" xmlns:p="http://schemas.openxmlformats.org/presentationml/2006/main">
+  <p:cSld>
+    <p:spTree>
+      <p:nvGrpSpPr>
+        <p:cNvPr id="1" name=""/>
+        <p:cNvGrpSpPr/>
+        <p:nvPr/>
+      </p:nvGrpSpPr>
+      <p:grpSpPr>
+        <a:xfrm>
+          <a:off x="0" y="0"/>
+          <a:ext cx="0" cy="0"/>
+          <a:chOff x="0" y="0"/>
+          <a:chExt cx="0" cy="0"/>
+        </a:xfrm>
+      </p:grpSpPr>
+      <p:sp>
+        <p:nvSpPr>
+          <p:cNvPr id="2" name="Title 1">
+            <a:extLst>
+              <a:ext uri="{FF2B5EF4-FFF2-40B4-BE49-F238E27FC236}">
+                <a16:creationId xmlns:a16="http://schemas.microsoft.com/office/drawing/2014/main" id="{A859D270-9154-3CE6-1C74-20EC9D1ABA65}"/>
+              </a:ext>
+            </a:extLst>
+          </p:cNvPr>
+          <p:cNvSpPr>
+            <a:spLocks noGrp="1"/>
+          </p:cNvSpPr>
+          <p:nvPr>
+            <p:ph type="title"/>
+          </p:nvPr>
+        </p:nvSpPr>
+        <p:spPr/>
+        <p:txBody>
+          <a:bodyPr/>
+          <a:lstStyle/>
+          <a:p>
+            <a:r>
+              <a:rPr lang="en-US" dirty="0"/>
+              <a:t>Extra</a:t>
+            </a:r>
+            <a:endParaRPr lang="es-EC" dirty="0"/>
+          </a:p>
+        </p:txBody>
+      </p:sp>
+      <p:sp>
+        <p:nvSpPr>
+          <p:cNvPr id="3" name="Content Placeholder 2">
+            <a:extLst>
+              <a:ext uri="{FF2B5EF4-FFF2-40B4-BE49-F238E27FC236}">
+                <a16:creationId xmlns:a16="http://schemas.microsoft.com/office/drawing/2014/main" id="{1959EAB0-8C20-C260-620D-5126A3DFBE28}"/>
+              </a:ext>
+            </a:extLst>
+          </p:cNvPr>
+          <p:cNvSpPr>
+            <a:spLocks noGrp="1"/>
+          </p:cNvSpPr>
+          <p:nvPr>
+            <p:ph idx="1"/>
+          </p:nvPr>
+        </p:nvSpPr>
+        <p:spPr/>
+        <p:txBody>
+          <a:bodyPr>
+            <a:normAutofit fontScale="92500" lnSpcReduction="20000"/>
+          </a:bodyPr>
+          <a:lstStyle/>
+          <a:p>
+            <a:pPr marL="0" indent="0">
+              <a:lnSpc>
+                <a:spcPct val="115000"/>
+              </a:lnSpc>
+              <a:spcAft>
+                <a:spcPts val="800"/>
+              </a:spcAft>
+              <a:buNone/>
+            </a:pPr>
+            <a:r>
+              <a:rPr lang="es-EC" sz="1800" kern="100" dirty="0">
+                <a:effectLst/>
+                <a:latin typeface="Aptos" panose="020B0004020202020204" pitchFamily="34" charset="0"/>
+                <a:ea typeface="Aptos" panose="020B0004020202020204" pitchFamily="34" charset="0"/>
+                <a:cs typeface="Times New Roman" panose="02020603050405020304" pitchFamily="18" charset="0"/>
+              </a:rPr>
+              <a:t>Se debe crear un nuevo Hook “</a:t>
+            </a:r>
+            <a:r>
+              <a:rPr lang="es-EC" sz="1800" kern="100" dirty="0" err="1">
+                <a:effectLst/>
+                <a:latin typeface="Aptos" panose="020B0004020202020204" pitchFamily="34" charset="0"/>
+                <a:ea typeface="Aptos" panose="020B0004020202020204" pitchFamily="34" charset="0"/>
+                <a:cs typeface="Times New Roman" panose="02020603050405020304" pitchFamily="18" charset="0"/>
+              </a:rPr>
+              <a:t>useDebounce</a:t>
+            </a:r>
+            <a:r>
+              <a:rPr lang="es-EC" sz="1800" kern="100" dirty="0">
+                <a:effectLst/>
+                <a:latin typeface="Aptos" panose="020B0004020202020204" pitchFamily="34" charset="0"/>
+                <a:ea typeface="Aptos" panose="020B0004020202020204" pitchFamily="34" charset="0"/>
+                <a:cs typeface="Times New Roman" panose="02020603050405020304" pitchFamily="18" charset="0"/>
+              </a:rPr>
+              <a:t>” el cual recibe como parámetros valor inicial de tipo parametrizado y un valor numérico. Como </a:t>
+            </a:r>
+            <a:r>
+              <a:rPr lang="es-EC" sz="1800" kern="100" dirty="0" err="1">
+                <a:effectLst/>
+                <a:latin typeface="Aptos" panose="020B0004020202020204" pitchFamily="34" charset="0"/>
+                <a:ea typeface="Aptos" panose="020B0004020202020204" pitchFamily="34" charset="0"/>
+                <a:cs typeface="Times New Roman" panose="02020603050405020304" pitchFamily="18" charset="0"/>
+              </a:rPr>
+              <a:t>return</a:t>
+            </a:r>
+            <a:r>
+              <a:rPr lang="es-EC" sz="1800" kern="100" dirty="0">
+                <a:effectLst/>
+                <a:latin typeface="Aptos" panose="020B0004020202020204" pitchFamily="34" charset="0"/>
+                <a:ea typeface="Aptos" panose="020B0004020202020204" pitchFamily="34" charset="0"/>
+                <a:cs typeface="Times New Roman" panose="02020603050405020304" pitchFamily="18" charset="0"/>
+              </a:rPr>
+              <a:t> devolverá una función para actualizar el valor (como el </a:t>
+            </a:r>
+            <a:r>
+              <a:rPr lang="es-EC" sz="1800" kern="100" dirty="0" err="1">
+                <a:effectLst/>
+                <a:latin typeface="Aptos" panose="020B0004020202020204" pitchFamily="34" charset="0"/>
+                <a:ea typeface="Aptos" panose="020B0004020202020204" pitchFamily="34" charset="0"/>
+                <a:cs typeface="Times New Roman" panose="02020603050405020304" pitchFamily="18" charset="0"/>
+              </a:rPr>
+              <a:t>useState</a:t>
+            </a:r>
+            <a:r>
+              <a:rPr lang="es-EC" sz="1800" kern="100" dirty="0">
+                <a:effectLst/>
+                <a:latin typeface="Aptos" panose="020B0004020202020204" pitchFamily="34" charset="0"/>
+                <a:ea typeface="Aptos" panose="020B0004020202020204" pitchFamily="34" charset="0"/>
+                <a:cs typeface="Times New Roman" panose="02020603050405020304" pitchFamily="18" charset="0"/>
+              </a:rPr>
+              <a:t>) y el valor almacenado dentro del Hook, pero actualizado solo después de que haya pasado la cantidad de milisegundos especificada en el parámetro numérico.</a:t>
+            </a:r>
+          </a:p>
+          <a:p>
+            <a:pPr marL="0" indent="0">
+              <a:lnSpc>
+                <a:spcPct val="115000"/>
+              </a:lnSpc>
+              <a:spcAft>
+                <a:spcPts val="800"/>
+              </a:spcAft>
+              <a:buNone/>
+            </a:pPr>
+            <a:r>
+              <a:rPr lang="es-EC" sz="1800" kern="100" dirty="0">
+                <a:effectLst/>
+                <a:latin typeface="Aptos" panose="020B0004020202020204" pitchFamily="34" charset="0"/>
+                <a:ea typeface="Aptos" panose="020B0004020202020204" pitchFamily="34" charset="0"/>
+                <a:cs typeface="Times New Roman" panose="02020603050405020304" pitchFamily="18" charset="0"/>
+              </a:rPr>
+              <a:t>Es decir, para actualizar el valor dentro del Hook se usará su función retornada pero el valor del state retornado por el Hook solo se actualizará una vez que haya transcurrido la cantidad de milisegundos del parámetro después de la última actualización. Cada vez que se actualiza el valor el contador debe reiniciarse y la actualización solo se efectuará cuando el tiempo necesario se haya cumplido.</a:t>
+            </a:r>
+          </a:p>
+          <a:p>
+            <a:pPr marL="0" indent="0">
+              <a:lnSpc>
+                <a:spcPct val="115000"/>
+              </a:lnSpc>
+              <a:spcAft>
+                <a:spcPts val="800"/>
+              </a:spcAft>
+              <a:buNone/>
+            </a:pPr>
+            <a:r>
+              <a:rPr lang="es-EC" sz="1800" kern="100" dirty="0">
+                <a:effectLst/>
+                <a:latin typeface="Aptos" panose="020B0004020202020204" pitchFamily="34" charset="0"/>
+                <a:ea typeface="Aptos" panose="020B0004020202020204" pitchFamily="34" charset="0"/>
+                <a:cs typeface="Times New Roman" panose="02020603050405020304" pitchFamily="18" charset="0"/>
+              </a:rPr>
+              <a:t>Este nuevo Hook sebe ser implementado en la página “/users”. Con el objetivo de agregar un input para buscar un usuario por nombre. Cada vez que el usuario escribe se debe actualiza el valor de Hook, pero la búsqueda vista solo se actualiza cuando el Hook haya retornado el valor actualizado.</a:t>
+            </a:r>
+          </a:p>
+          <a:p>
+            <a:pPr marL="0" indent="0">
+              <a:lnSpc>
+                <a:spcPct val="115000"/>
+              </a:lnSpc>
+              <a:spcAft>
+                <a:spcPts val="800"/>
+              </a:spcAft>
+              <a:buNone/>
+            </a:pPr>
+            <a:r>
+              <a:rPr lang="es-EC" sz="1800" kern="100" dirty="0">
+                <a:effectLst/>
+                <a:latin typeface="Aptos" panose="020B0004020202020204" pitchFamily="34" charset="0"/>
+                <a:ea typeface="Aptos" panose="020B0004020202020204" pitchFamily="34" charset="0"/>
+                <a:cs typeface="Times New Roman" panose="02020603050405020304" pitchFamily="18" charset="0"/>
+              </a:rPr>
+              <a:t>Puntos extra: lograr retornar un valor adicional “</a:t>
+            </a:r>
+            <a:r>
+              <a:rPr lang="es-EC" sz="1800" kern="100" dirty="0" err="1">
+                <a:effectLst/>
+                <a:latin typeface="Aptos" panose="020B0004020202020204" pitchFamily="34" charset="0"/>
+                <a:ea typeface="Aptos" panose="020B0004020202020204" pitchFamily="34" charset="0"/>
+                <a:cs typeface="Times New Roman" panose="02020603050405020304" pitchFamily="18" charset="0"/>
+              </a:rPr>
+              <a:t>debouncing</a:t>
+            </a:r>
+            <a:r>
+              <a:rPr lang="es-EC" sz="1800" kern="100" dirty="0">
+                <a:effectLst/>
+                <a:latin typeface="Aptos" panose="020B0004020202020204" pitchFamily="34" charset="0"/>
+                <a:ea typeface="Aptos" panose="020B0004020202020204" pitchFamily="34" charset="0"/>
+                <a:cs typeface="Times New Roman" panose="02020603050405020304" pitchFamily="18" charset="0"/>
+              </a:rPr>
+              <a:t>” que indica cuando el Hook está esperando que se cumpla el tiempo necesario para actualizar el valor, un análogo de un estado de “cargando”.</a:t>
+            </a:r>
+          </a:p>
+          <a:p>
+            <a:pPr marL="0" indent="0">
+              <a:buNone/>
+            </a:pPr>
+            <a:endParaRPr lang="es-EC" dirty="0"/>
+          </a:p>
+        </p:txBody>
+      </p:sp>
+    </p:spTree>
+    <p:extLst>
+      <p:ext uri="{BB962C8B-B14F-4D97-AF65-F5344CB8AC3E}">
+        <p14:creationId xmlns:p14="http://schemas.microsoft.com/office/powerpoint/2010/main" val="2903719344"/>
       </p:ext>
     </p:extLst>
   </p:cSld>
@@ -7724,6 +8086,15 @@
 </file>
 
 <file path=customXml/item2.xml><?xml version="1.0" encoding="utf-8"?>
+<?mso-contentType ?>
+<FormTemplates xmlns="http://schemas.microsoft.com/sharepoint/v3/contenttype/forms">
+  <Display>DocumentLibraryForm</Display>
+  <Edit>DocumentLibraryForm</Edit>
+  <New>DocumentLibraryForm</New>
+</FormTemplates>
+</file>
+
+<file path=customXml/item3.xml><?xml version="1.0" encoding="utf-8"?>
 <ct:contentTypeSchema xmlns:ct="http://schemas.microsoft.com/office/2006/metadata/contentType" xmlns:ma="http://schemas.microsoft.com/office/2006/metadata/properties/metaAttributes" ct:_="" ma:_="" ma:contentTypeName="Documento" ma:contentTypeID="0x0101000ABC46EDA268834388609BD5B286F917" ma:contentTypeVersion="17" ma:contentTypeDescription="Crear nuevo documento." ma:contentTypeScope="" ma:versionID="b8ef759d716670bba47381dcbb7cab08">
   <xsd:schema xmlns:xsd="http://www.w3.org/2001/XMLSchema" xmlns:xs="http://www.w3.org/2001/XMLSchema" xmlns:p="http://schemas.microsoft.com/office/2006/metadata/properties" xmlns:ns3="98b3f1ad-107c-497c-bb15-64aaebc89f52" xmlns:ns4="a0690ee9-4047-4223-84b2-6b02f926f5d8" targetNamespace="http://schemas.microsoft.com/office/2006/metadata/properties" ma:root="true" ma:fieldsID="f0548e293e02a81e2d97140f47270d75" ns3:_="" ns4:_="">
     <xsd:import namespace="98b3f1ad-107c-497c-bb15-64aaebc89f52"/>
@@ -7970,15 +8341,6 @@
 </ct:contentTypeSchema>
 </file>
 
-<file path=customXml/item3.xml><?xml version="1.0" encoding="utf-8"?>
-<?mso-contentType ?>
-<FormTemplates xmlns="http://schemas.microsoft.com/sharepoint/v3/contenttype/forms">
-  <Display>DocumentLibraryForm</Display>
-  <Edit>DocumentLibraryForm</Edit>
-  <New>DocumentLibraryForm</New>
-</FormTemplates>
-</file>
-
 <file path=customXml/itemProps1.xml><?xml version="1.0" encoding="utf-8"?>
 <ds:datastoreItem xmlns:ds="http://schemas.openxmlformats.org/officeDocument/2006/customXml" ds:itemID="{EEC6291A-1BB8-4D31-80EF-6AAECF11ECF7}">
   <ds:schemaRefs>
@@ -7997,6 +8359,14 @@
 </file>
 
 <file path=customXml/itemProps2.xml><?xml version="1.0" encoding="utf-8"?>
+<ds:datastoreItem xmlns:ds="http://schemas.openxmlformats.org/officeDocument/2006/customXml" ds:itemID="{F5C501D5-0101-419A-AFBB-D8F04111C142}">
+  <ds:schemaRefs>
+    <ds:schemaRef ds:uri="http://schemas.microsoft.com/sharepoint/v3/contenttype/forms"/>
+  </ds:schemaRefs>
+</ds:datastoreItem>
+</file>
+
+<file path=customXml/itemProps3.xml><?xml version="1.0" encoding="utf-8"?>
 <ds:datastoreItem xmlns:ds="http://schemas.openxmlformats.org/officeDocument/2006/customXml" ds:itemID="{3FCEF456-3233-44D6-BC5A-12E8FD4D2764}">
   <ds:schemaRefs>
     <ds:schemaRef ds:uri="http://schemas.microsoft.com/office/2006/metadata/contentType"/>
@@ -8013,12 +8383,4 @@
     <ds:schemaRef ds:uri="http://schemas.microsoft.com/internal/obd"/>
   </ds:schemaRefs>
 </ds:datastoreItem>
-</file>
-
-<file path=customXml/itemProps3.xml><?xml version="1.0" encoding="utf-8"?>
-<ds:datastoreItem xmlns:ds="http://schemas.openxmlformats.org/officeDocument/2006/customXml" ds:itemID="{F5C501D5-0101-419A-AFBB-D8F04111C142}">
-  <ds:schemaRefs>
-    <ds:schemaRef ds:uri="http://schemas.microsoft.com/sharepoint/v3/contenttype/forms"/>
-  </ds:schemaRefs>
-</ds:datastoreItem>
 </file>